--- a/assets/img/IM.pptx
+++ b/assets/img/IM.pptx
@@ -11,6 +11,7 @@
     <p:sldId id="259" r:id="rId5"/>
     <p:sldId id="260" r:id="rId6"/>
     <p:sldId id="261" r:id="rId7"/>
+    <p:sldId id="262" r:id="rId8"/>
   </p:sldIdLst>
   <p:sldSz cx="18288000" cy="10287000"/>
   <p:notesSz cx="18288000" cy="10287000"/>
@@ -9012,6 +9013,231 @@
         </p:txBody>
       </p:sp>
     </p:spTree>
+  </p:cSld>
+  <p:clrMapOvr>
+    <a:masterClrMapping/>
+  </p:clrMapOvr>
+  <p:timing>
+    <p:tnLst>
+      <p:par>
+        <p:cTn id="1" dur="indefinite" restart="never" nodeType="tmRoot"/>
+      </p:par>
+    </p:tnLst>
+  </p:timing>
+</p:sld>
+</file>
+
+<file path=ppt/slides/slide7.xml><?xml version="1.0" encoding="utf-8"?>
+<p:sld xmlns:a="http://schemas.openxmlformats.org/drawingml/2006/main" xmlns:r="http://schemas.openxmlformats.org/officeDocument/2006/relationships" xmlns:p="http://schemas.openxmlformats.org/presentationml/2006/main">
+  <p:cSld>
+    <p:spTree>
+      <p:nvGrpSpPr>
+        <p:cNvPr id="1" name=""/>
+        <p:cNvGrpSpPr/>
+        <p:nvPr/>
+      </p:nvGrpSpPr>
+      <p:grpSpPr>
+        <a:xfrm>
+          <a:off x="0" y="0"/>
+          <a:ext cx="0" cy="0"/>
+          <a:chOff x="0" y="0"/>
+          <a:chExt cx="0" cy="0"/>
+        </a:xfrm>
+      </p:grpSpPr>
+      <p:sp>
+        <p:nvSpPr>
+          <p:cNvPr id="2" name="object 2"/>
+          <p:cNvSpPr txBox="1">
+            <a:spLocks noGrp="1"/>
+          </p:cNvSpPr>
+          <p:nvPr>
+            <p:ph type="ctrTitle"/>
+          </p:nvPr>
+        </p:nvSpPr>
+        <p:spPr>
+          <a:xfrm>
+            <a:off x="6705600" y="3924300"/>
+            <a:ext cx="5333861" cy="2293577"/>
+          </a:xfrm>
+          <a:prstGeom prst="rect">
+            <a:avLst/>
+          </a:prstGeom>
+        </p:spPr>
+        <p:txBody>
+          <a:bodyPr vert="horz" wrap="square" lIns="0" tIns="15875" rIns="0" bIns="0" rtlCol="0">
+            <a:spAutoFit/>
+          </a:bodyPr>
+          <a:lstStyle/>
+          <a:p>
+            <a:pPr marL="12700">
+              <a:lnSpc>
+                <a:spcPct val="100000"/>
+              </a:lnSpc>
+              <a:spcBef>
+                <a:spcPts val="125"/>
+              </a:spcBef>
+            </a:pPr>
+            <a:r>
+              <a:rPr lang="en-IN" sz="14800" b="1" spc="775" dirty="0" smtClean="0"/>
+              <a:t>FIN.</a:t>
+            </a:r>
+            <a:endParaRPr sz="14800" b="1" spc="775" dirty="0"/>
+          </a:p>
+        </p:txBody>
+      </p:sp>
+      <p:sp>
+        <p:nvSpPr>
+          <p:cNvPr id="3" name="object 3"/>
+          <p:cNvSpPr/>
+          <p:nvPr/>
+        </p:nvSpPr>
+        <p:spPr>
+          <a:xfrm>
+            <a:off x="0" y="8429585"/>
+            <a:ext cx="18288000" cy="95250"/>
+          </a:xfrm>
+          <a:custGeom>
+            <a:avLst/>
+            <a:gdLst/>
+            <a:ahLst/>
+            <a:cxnLst/>
+            <a:rect l="l" t="t" r="r" b="b"/>
+            <a:pathLst>
+              <a:path w="18288000" h="95250">
+                <a:moveTo>
+                  <a:pt x="0" y="0"/>
+                </a:moveTo>
+                <a:lnTo>
+                  <a:pt x="18287999" y="0"/>
+                </a:lnTo>
+                <a:lnTo>
+                  <a:pt x="18287999" y="95249"/>
+                </a:lnTo>
+                <a:lnTo>
+                  <a:pt x="0" y="95249"/>
+                </a:lnTo>
+                <a:lnTo>
+                  <a:pt x="0" y="0"/>
+                </a:lnTo>
+                <a:close/>
+              </a:path>
+            </a:pathLst>
+          </a:custGeom>
+          <a:solidFill>
+            <a:srgbClr val="8A7D62"/>
+          </a:solidFill>
+        </p:spPr>
+        <p:txBody>
+          <a:bodyPr wrap="square" lIns="0" tIns="0" rIns="0" bIns="0" rtlCol="0"/>
+          <a:lstStyle/>
+          <a:p>
+            <a:endParaRPr/>
+          </a:p>
+        </p:txBody>
+      </p:sp>
+      <p:sp>
+        <p:nvSpPr>
+          <p:cNvPr id="4" name="object 4"/>
+          <p:cNvSpPr txBox="1"/>
+          <p:nvPr/>
+        </p:nvSpPr>
+        <p:spPr>
+          <a:xfrm>
+            <a:off x="3665042" y="8801100"/>
+            <a:ext cx="10958195" cy="505908"/>
+          </a:xfrm>
+          <a:prstGeom prst="rect">
+            <a:avLst/>
+          </a:prstGeom>
+        </p:spPr>
+        <p:txBody>
+          <a:bodyPr vert="horz" wrap="square" lIns="0" tIns="13335" rIns="0" bIns="0" rtlCol="0">
+            <a:spAutoFit/>
+          </a:bodyPr>
+          <a:lstStyle/>
+          <a:p>
+            <a:pPr marL="12700">
+              <a:lnSpc>
+                <a:spcPct val="100000"/>
+              </a:lnSpc>
+              <a:spcBef>
+                <a:spcPts val="105"/>
+              </a:spcBef>
+              <a:tabLst>
+                <a:tab pos="568325" algn="l"/>
+                <a:tab pos="2820670" algn="l"/>
+                <a:tab pos="4242435" algn="l"/>
+                <a:tab pos="5146040" algn="l"/>
+                <a:tab pos="6507480" algn="l"/>
+                <a:tab pos="8218170" algn="l"/>
+              </a:tabLst>
+            </a:pPr>
+            <a:r>
+              <a:rPr lang="en-IN" sz="3200" dirty="0">
+                <a:solidFill>
+                  <a:schemeClr val="bg1">
+                    <a:lumMod val="85000"/>
+                  </a:schemeClr>
+                </a:solidFill>
+                <a:latin typeface="Arial"/>
+                <a:cs typeface="Arial"/>
+              </a:rPr>
+              <a:t>DOWNLOAD THE PPT AT : </a:t>
+            </a:r>
+            <a:r>
+              <a:rPr lang="en-IN" sz="3200" dirty="0" smtClean="0">
+                <a:solidFill>
+                  <a:schemeClr val="bg1">
+                    <a:lumMod val="85000"/>
+                  </a:schemeClr>
+                </a:solidFill>
+                <a:latin typeface="Arial"/>
+                <a:cs typeface="Arial"/>
+              </a:rPr>
+              <a:t> vidhiangrish.me/</a:t>
+            </a:r>
+            <a:r>
+              <a:rPr lang="en-IN" sz="3200" dirty="0" err="1" smtClean="0">
+                <a:solidFill>
+                  <a:schemeClr val="bg1">
+                    <a:lumMod val="85000"/>
+                  </a:schemeClr>
+                </a:solidFill>
+                <a:latin typeface="Arial"/>
+                <a:cs typeface="Arial"/>
+              </a:rPr>
+              <a:t>DownloadPPT</a:t>
+            </a:r>
+            <a:r>
+              <a:rPr lang="en-IN" sz="3200" dirty="0">
+                <a:solidFill>
+                  <a:schemeClr val="bg1">
+                    <a:lumMod val="85000"/>
+                  </a:schemeClr>
+                </a:solidFill>
+                <a:latin typeface="Arial"/>
+                <a:cs typeface="Arial"/>
+              </a:rPr>
+              <a:t>/</a:t>
+            </a:r>
+            <a:endParaRPr sz="3200" dirty="0">
+              <a:solidFill>
+                <a:schemeClr val="bg1">
+                  <a:lumMod val="85000"/>
+                </a:schemeClr>
+              </a:solidFill>
+              <a:latin typeface="Arial"/>
+              <a:cs typeface="Arial"/>
+            </a:endParaRPr>
+          </a:p>
+        </p:txBody>
+      </p:sp>
+    </p:spTree>
+    <p:extLst>
+      <p:ext uri="{BB962C8B-B14F-4D97-AF65-F5344CB8AC3E}">
+        <p14:creationId xmlns:p14="http://schemas.microsoft.com/office/powerpoint/2010/main" val="2307966090"/>
+      </p:ext>
+    </p:extLst>
   </p:cSld>
   <p:clrMapOvr>
     <a:masterClrMapping/>

--- a/assets/img/IM.pptx
+++ b/assets/img/IM.pptx
@@ -110,7 +110,38 @@
       </a:defRPr>
     </a:lvl9pPr>
   </p:defaultTextStyle>
+  <p:extLst>
+    <p:ext uri="{EFAFB233-063F-42B5-8137-9DF3F51BA10A}">
+      <p15:sldGuideLst xmlns="" xmlns:p15="http://schemas.microsoft.com/office/powerpoint/2012/main">
+        <p15:guide id="1" orient="horz" pos="2880">
+          <p15:clr>
+            <a:srgbClr val="A4A3A4"/>
+          </p15:clr>
+        </p15:guide>
+        <p15:guide id="2" pos="2160">
+          <p15:clr>
+            <a:srgbClr val="A4A3A4"/>
+          </p15:clr>
+        </p15:guide>
+      </p15:sldGuideLst>
+    </p:ext>
+  </p:extLst>
 </p:presentation>
+</file>
+
+<file path=ppt/revisionInfo.xml><?xml version="1.0" encoding="utf-8"?>
+<p1510:revInfo xmlns:a="http://schemas.openxmlformats.org/drawingml/2006/main" xmlns:r="http://schemas.openxmlformats.org/officeDocument/2006/relationships" xmlns:p1510="http://schemas.microsoft.com/office/powerpoint/2015/10/main">
+  <p1510:revLst>
+    <p1510:client id="{07E99F22-182E-DE96-2FDD-FA1A3457A5C1}" v="17" dt="2020-11-25T20:27:44.939"/>
+    <p1510:client id="{5E9A89FB-6C6A-1235-67BC-65E10AF77214}" v="529" dt="2020-11-25T17:10:04.827"/>
+    <p1510:client id="{61728C3D-7007-48AE-87E5-7AA0622834F2}" v="27" dt="2020-11-25T19:43:50.038"/>
+    <p1510:client id="{81601CC2-AEF4-2E1E-E0D3-00144EA9409F}" v="221" dt="2020-11-25T18:26:27.091"/>
+    <p1510:client id="{A83CD341-8841-2084-F007-4B17B07C931F}" v="401" dt="2020-11-25T16:24:25.230"/>
+    <p1510:client id="{AE25F4A9-073A-3531-89A8-C1E056B28BF5}" v="39" dt="2020-11-25T20:30:31.289"/>
+    <p1510:client id="{AE843C2F-22DA-0364-29ED-37CA46E673F6}" v="43" dt="2020-11-25T20:12:50.983"/>
+    <p1510:client id="{BBF42C9D-16E7-1C0A-DC80-3B0529542931}" v="79" dt="2020-11-25T20:25:45.285"/>
+  </p1510:revLst>
+</p1510:revInfo>
 </file>
 
 <file path=ppt/slideLayouts/slideLayout1.xml><?xml version="1.0" encoding="utf-8"?>
@@ -366,7 +397,7 @@
           <a:p>
             <a:fld id="{1D8BD707-D9CF-40AE-B4C6-C98DA3205C09}" type="datetimeFigureOut">
               <a:rPr lang="en-US"/>
-              <a:t>11/25/2020</a:t>
+              <a:t>11/26/2020</a:t>
             </a:fld>
             <a:endParaRPr lang="en-US"/>
           </a:p>
@@ -409,6 +440,9 @@
   <p:clrMapOvr>
     <a:masterClrMapping/>
   </p:clrMapOvr>
+  <p:transition spd="slow">
+    <p:push dir="u"/>
+  </p:transition>
 </p:sldLayout>
 </file>
 
@@ -645,7 +679,7 @@
           <a:p>
             <a:fld id="{1D8BD707-D9CF-40AE-B4C6-C98DA3205C09}" type="datetimeFigureOut">
               <a:rPr lang="en-US"/>
-              <a:t>11/25/2020</a:t>
+              <a:t>11/26/2020</a:t>
             </a:fld>
             <a:endParaRPr lang="en-US"/>
           </a:p>
@@ -688,6 +722,9 @@
   <p:clrMapOvr>
     <a:masterClrMapping/>
   </p:clrMapOvr>
+  <p:transition spd="slow">
+    <p:push dir="u"/>
+  </p:transition>
 </p:sldLayout>
 </file>
 
@@ -967,7 +1004,7 @@
           <a:p>
             <a:fld id="{1D8BD707-D9CF-40AE-B4C6-C98DA3205C09}" type="datetimeFigureOut">
               <a:rPr lang="en-US"/>
-              <a:t>11/25/2020</a:t>
+              <a:t>11/26/2020</a:t>
             </a:fld>
             <a:endParaRPr lang="en-US"/>
           </a:p>
@@ -1010,6 +1047,9 @@
   <p:clrMapOvr>
     <a:masterClrMapping/>
   </p:clrMapOvr>
+  <p:transition spd="slow">
+    <p:push dir="u"/>
+  </p:transition>
 </p:sldLayout>
 </file>
 
@@ -1223,7 +1263,7 @@
           <a:p>
             <a:fld id="{1D8BD707-D9CF-40AE-B4C6-C98DA3205C09}" type="datetimeFigureOut">
               <a:rPr lang="en-US"/>
-              <a:t>11/25/2020</a:t>
+              <a:t>11/26/2020</a:t>
             </a:fld>
             <a:endParaRPr lang="en-US"/>
           </a:p>
@@ -1266,6 +1306,9 @@
   <p:clrMapOvr>
     <a:masterClrMapping/>
   </p:clrMapOvr>
+  <p:transition spd="slow">
+    <p:push dir="u"/>
+  </p:transition>
 </p:sldLayout>
 </file>
 
@@ -1342,7 +1385,7 @@
           <a:p>
             <a:fld id="{1D8BD707-D9CF-40AE-B4C6-C98DA3205C09}" type="datetimeFigureOut">
               <a:rPr lang="en-US"/>
-              <a:t>11/25/2020</a:t>
+              <a:t>11/26/2020</a:t>
             </a:fld>
             <a:endParaRPr lang="en-US"/>
           </a:p>
@@ -1385,6 +1428,9 @@
   <p:clrMapOvr>
     <a:masterClrMapping/>
   </p:clrMapOvr>
+  <p:transition spd="slow">
+    <p:push dir="u"/>
+  </p:transition>
 </p:sldLayout>
 </file>
 
@@ -1561,7 +1607,7 @@
           <a:p>
             <a:fld id="{1D8BD707-D9CF-40AE-B4C6-C98DA3205C09}" type="datetimeFigureOut">
               <a:rPr lang="en-US"/>
-              <a:t>11/25/2020</a:t>
+              <a:t>11/26/2020</a:t>
             </a:fld>
             <a:endParaRPr lang="en-US"/>
           </a:p>
@@ -1619,6 +1665,9 @@
     <p:sldLayoutId id="2147483664" r:id="rId4"/>
     <p:sldLayoutId id="2147483665" r:id="rId5"/>
   </p:sldLayoutIdLst>
+  <p:transition spd="slow">
+    <p:push dir="u"/>
+  </p:transition>
   <p:txStyles>
     <p:titleStyle>
       <a:lvl1pPr>
@@ -1792,39 +1841,33 @@
         </p:nvSpPr>
         <p:spPr>
           <a:xfrm>
-            <a:off x="3962400" y="2602549"/>
-            <a:ext cx="10660837" cy="1908856"/>
+            <a:off x="5862" y="2573242"/>
+            <a:ext cx="18280836" cy="1938163"/>
           </a:xfrm>
           <a:prstGeom prst="rect">
             <a:avLst/>
           </a:prstGeom>
         </p:spPr>
         <p:txBody>
-          <a:bodyPr vert="horz" wrap="square" lIns="0" tIns="15875" rIns="0" bIns="0" rtlCol="0">
+          <a:bodyPr vert="horz" wrap="square" lIns="0" tIns="15875" rIns="0" bIns="0" rtlCol="0" anchor="t">
             <a:spAutoFit/>
           </a:bodyPr>
           <a:lstStyle/>
           <a:p>
-            <a:pPr marL="12700">
-              <a:lnSpc>
-                <a:spcPct val="100000"/>
-              </a:lnSpc>
+            <a:pPr marL="12700" algn="ctr">
               <a:spcBef>
                 <a:spcPts val="125"/>
               </a:spcBef>
             </a:pPr>
             <a:r>
-              <a:rPr b="1" spc="305" dirty="0"/>
-              <a:t>SIX</a:t>
-            </a:r>
-            <a:r>
-              <a:rPr b="1" spc="254" dirty="0"/>
-              <a:t> </a:t>
-            </a:r>
-            <a:r>
-              <a:rPr b="1" spc="775" dirty="0"/>
+              <a:rPr lang="en-GB" b="1" spc="254"/>
+              <a:t>6 </a:t>
+            </a:r>
+            <a:r>
+              <a:rPr b="1" spc="775"/>
               <a:t>SIGMA</a:t>
             </a:r>
+            <a:endParaRPr lang="en-US"/>
           </a:p>
         </p:txBody>
       </p:sp>
@@ -1916,7 +1959,7 @@
               </a:tabLst>
             </a:pPr>
             <a:r>
-              <a:rPr sz="2550" spc="955" dirty="0">
+              <a:rPr sz="2550" spc="955">
                 <a:solidFill>
                   <a:srgbClr val="8A7D62"/>
                 </a:solidFill>
@@ -1926,7 +1969,7 @@
               <a:t>A	</a:t>
             </a:r>
             <a:r>
-              <a:rPr sz="2550" spc="840" dirty="0">
+              <a:rPr sz="2550" spc="840">
                 <a:solidFill>
                   <a:srgbClr val="8A7D62"/>
                 </a:solidFill>
@@ -1936,17 +1979,17 @@
               <a:t>B</a:t>
             </a:r>
             <a:r>
-              <a:rPr sz="2550" spc="-315" dirty="0">
-                <a:solidFill>
-                  <a:srgbClr val="8A7D62"/>
-                </a:solidFill>
-                <a:latin typeface="Arial"/>
-                <a:cs typeface="Arial"/>
-              </a:rPr>
-              <a:t> </a:t>
-            </a:r>
-            <a:r>
-              <a:rPr sz="2550" spc="660" dirty="0">
+              <a:rPr sz="2550" spc="-315">
+                <a:solidFill>
+                  <a:srgbClr val="8A7D62"/>
+                </a:solidFill>
+                <a:latin typeface="Arial"/>
+                <a:cs typeface="Arial"/>
+              </a:rPr>
+              <a:t> </a:t>
+            </a:r>
+            <a:r>
+              <a:rPr sz="2550" spc="660">
                 <a:solidFill>
                   <a:srgbClr val="8A7D62"/>
                 </a:solidFill>
@@ -1956,17 +1999,17 @@
               <a:t>E</a:t>
             </a:r>
             <a:r>
-              <a:rPr sz="2550" spc="-315" dirty="0">
-                <a:solidFill>
-                  <a:srgbClr val="8A7D62"/>
-                </a:solidFill>
-                <a:latin typeface="Arial"/>
-                <a:cs typeface="Arial"/>
-              </a:rPr>
-              <a:t> </a:t>
-            </a:r>
-            <a:r>
-              <a:rPr sz="2550" spc="525" dirty="0">
+              <a:rPr sz="2550" spc="-315">
+                <a:solidFill>
+                  <a:srgbClr val="8A7D62"/>
+                </a:solidFill>
+                <a:latin typeface="Arial"/>
+                <a:cs typeface="Arial"/>
+              </a:rPr>
+              <a:t> </a:t>
+            </a:r>
+            <a:r>
+              <a:rPr sz="2550" spc="525">
                 <a:solidFill>
                   <a:srgbClr val="8A7D62"/>
                 </a:solidFill>
@@ -1976,17 +2019,17 @@
               <a:t>T</a:t>
             </a:r>
             <a:r>
-              <a:rPr sz="2550" spc="-315" dirty="0">
-                <a:solidFill>
-                  <a:srgbClr val="8A7D62"/>
-                </a:solidFill>
-                <a:latin typeface="Arial"/>
-                <a:cs typeface="Arial"/>
-              </a:rPr>
-              <a:t> </a:t>
-            </a:r>
-            <a:r>
-              <a:rPr sz="2550" spc="525" dirty="0">
+              <a:rPr sz="2550" spc="-315">
+                <a:solidFill>
+                  <a:srgbClr val="8A7D62"/>
+                </a:solidFill>
+                <a:latin typeface="Arial"/>
+                <a:cs typeface="Arial"/>
+              </a:rPr>
+              <a:t> </a:t>
+            </a:r>
+            <a:r>
+              <a:rPr sz="2550" spc="525">
                 <a:solidFill>
                   <a:srgbClr val="8A7D62"/>
                 </a:solidFill>
@@ -1996,17 +2039,17 @@
               <a:t>T</a:t>
             </a:r>
             <a:r>
-              <a:rPr sz="2550" spc="-315" dirty="0">
-                <a:solidFill>
-                  <a:srgbClr val="8A7D62"/>
-                </a:solidFill>
-                <a:latin typeface="Arial"/>
-                <a:cs typeface="Arial"/>
-              </a:rPr>
-              <a:t> </a:t>
-            </a:r>
-            <a:r>
-              <a:rPr sz="2550" spc="660" dirty="0">
+              <a:rPr sz="2550" spc="-315">
+                <a:solidFill>
+                  <a:srgbClr val="8A7D62"/>
+                </a:solidFill>
+                <a:latin typeface="Arial"/>
+                <a:cs typeface="Arial"/>
+              </a:rPr>
+              <a:t> </a:t>
+            </a:r>
+            <a:r>
+              <a:rPr sz="2550" spc="660">
                 <a:solidFill>
                   <a:srgbClr val="8A7D62"/>
                 </a:solidFill>
@@ -2016,17 +2059,17 @@
               <a:t>E</a:t>
             </a:r>
             <a:r>
-              <a:rPr sz="2550" spc="-315" dirty="0">
-                <a:solidFill>
-                  <a:srgbClr val="8A7D62"/>
-                </a:solidFill>
-                <a:latin typeface="Arial"/>
-                <a:cs typeface="Arial"/>
-              </a:rPr>
-              <a:t> </a:t>
-            </a:r>
-            <a:r>
-              <a:rPr sz="2550" spc="760" dirty="0">
+              <a:rPr sz="2550" spc="-315">
+                <a:solidFill>
+                  <a:srgbClr val="8A7D62"/>
+                </a:solidFill>
+                <a:latin typeface="Arial"/>
+                <a:cs typeface="Arial"/>
+              </a:rPr>
+              <a:t> </a:t>
+            </a:r>
+            <a:r>
+              <a:rPr sz="2550" spc="760">
                 <a:solidFill>
                   <a:srgbClr val="8A7D62"/>
                 </a:solidFill>
@@ -2036,7 +2079,7 @@
               <a:t>R	</a:t>
             </a:r>
             <a:r>
-              <a:rPr sz="2550" spc="1320" dirty="0">
+              <a:rPr sz="2550" spc="1320">
                 <a:solidFill>
                   <a:srgbClr val="8A7D62"/>
                 </a:solidFill>
@@ -2046,17 +2089,17 @@
               <a:t>W</a:t>
             </a:r>
             <a:r>
-              <a:rPr sz="2550" spc="-310" dirty="0">
-                <a:solidFill>
-                  <a:srgbClr val="8A7D62"/>
-                </a:solidFill>
-                <a:latin typeface="Arial"/>
-                <a:cs typeface="Arial"/>
-              </a:rPr>
-              <a:t> </a:t>
-            </a:r>
-            <a:r>
-              <a:rPr sz="2550" spc="955" dirty="0">
+              <a:rPr sz="2550" spc="-310">
+                <a:solidFill>
+                  <a:srgbClr val="8A7D62"/>
+                </a:solidFill>
+                <a:latin typeface="Arial"/>
+                <a:cs typeface="Arial"/>
+              </a:rPr>
+              <a:t> </a:t>
+            </a:r>
+            <a:r>
+              <a:rPr sz="2550" spc="955">
                 <a:solidFill>
                   <a:srgbClr val="8A7D62"/>
                 </a:solidFill>
@@ -2066,17 +2109,17 @@
               <a:t>A</a:t>
             </a:r>
             <a:r>
-              <a:rPr sz="2550" spc="-315" dirty="0">
-                <a:solidFill>
-                  <a:srgbClr val="8A7D62"/>
-                </a:solidFill>
-                <a:latin typeface="Arial"/>
-                <a:cs typeface="Arial"/>
-              </a:rPr>
-              <a:t> </a:t>
-            </a:r>
-            <a:r>
-              <a:rPr sz="2550" spc="590" dirty="0">
+              <a:rPr sz="2550" spc="-315">
+                <a:solidFill>
+                  <a:srgbClr val="8A7D62"/>
+                </a:solidFill>
+                <a:latin typeface="Arial"/>
+                <a:cs typeface="Arial"/>
+              </a:rPr>
+              <a:t> </a:t>
+            </a:r>
+            <a:r>
+              <a:rPr sz="2550" spc="590">
                 <a:solidFill>
                   <a:srgbClr val="8A7D62"/>
                 </a:solidFill>
@@ -2086,7 +2129,7 @@
               <a:t>Y	</a:t>
             </a:r>
             <a:r>
-              <a:rPr sz="2550" spc="525" dirty="0">
+              <a:rPr sz="2550" spc="525">
                 <a:solidFill>
                   <a:srgbClr val="8A7D62"/>
                 </a:solidFill>
@@ -2096,17 +2139,17 @@
               <a:t>T</a:t>
             </a:r>
             <a:r>
-              <a:rPr sz="2550" spc="-315" dirty="0">
-                <a:solidFill>
-                  <a:srgbClr val="8A7D62"/>
-                </a:solidFill>
-                <a:latin typeface="Arial"/>
-                <a:cs typeface="Arial"/>
-              </a:rPr>
-              <a:t> </a:t>
-            </a:r>
-            <a:r>
-              <a:rPr sz="2550" spc="930" dirty="0">
+              <a:rPr sz="2550" spc="-315">
+                <a:solidFill>
+                  <a:srgbClr val="8A7D62"/>
+                </a:solidFill>
+                <a:latin typeface="Arial"/>
+                <a:cs typeface="Arial"/>
+              </a:rPr>
+              <a:t> </a:t>
+            </a:r>
+            <a:r>
+              <a:rPr sz="2550" spc="930">
                 <a:solidFill>
                   <a:srgbClr val="8A7D62"/>
                 </a:solidFill>
@@ -2116,7 +2159,7 @@
               <a:t>O	</a:t>
             </a:r>
             <a:r>
-              <a:rPr sz="2550" spc="760" dirty="0">
+              <a:rPr sz="2550" spc="760">
                 <a:solidFill>
                   <a:srgbClr val="8A7D62"/>
                 </a:solidFill>
@@ -2126,17 +2169,17 @@
               <a:t>R</a:t>
             </a:r>
             <a:r>
-              <a:rPr sz="2550" spc="-315" dirty="0">
-                <a:solidFill>
-                  <a:srgbClr val="8A7D62"/>
-                </a:solidFill>
-                <a:latin typeface="Arial"/>
-                <a:cs typeface="Arial"/>
-              </a:rPr>
-              <a:t> </a:t>
-            </a:r>
-            <a:r>
-              <a:rPr sz="2550" spc="905" dirty="0">
+              <a:rPr sz="2550" spc="-315">
+                <a:solidFill>
+                  <a:srgbClr val="8A7D62"/>
+                </a:solidFill>
+                <a:latin typeface="Arial"/>
+                <a:cs typeface="Arial"/>
+              </a:rPr>
+              <a:t> </a:t>
+            </a:r>
+            <a:r>
+              <a:rPr sz="2550" spc="905">
                 <a:solidFill>
                   <a:srgbClr val="8A7D62"/>
                 </a:solidFill>
@@ -2146,17 +2189,17 @@
               <a:t>U</a:t>
             </a:r>
             <a:r>
-              <a:rPr sz="2550" spc="-310" dirty="0">
-                <a:solidFill>
-                  <a:srgbClr val="8A7D62"/>
-                </a:solidFill>
-                <a:latin typeface="Arial"/>
-                <a:cs typeface="Arial"/>
-              </a:rPr>
-              <a:t> </a:t>
-            </a:r>
-            <a:r>
-              <a:rPr sz="2550" spc="1005" dirty="0">
+              <a:rPr sz="2550" spc="-310">
+                <a:solidFill>
+                  <a:srgbClr val="8A7D62"/>
+                </a:solidFill>
+                <a:latin typeface="Arial"/>
+                <a:cs typeface="Arial"/>
+              </a:rPr>
+              <a:t> </a:t>
+            </a:r>
+            <a:r>
+              <a:rPr sz="2550" spc="1005">
                 <a:solidFill>
                   <a:srgbClr val="8A7D62"/>
                 </a:solidFill>
@@ -2166,7 +2209,7 @@
               <a:t>N	</a:t>
             </a:r>
             <a:r>
-              <a:rPr sz="2550" spc="590" dirty="0">
+              <a:rPr sz="2550" spc="590">
                 <a:solidFill>
                   <a:srgbClr val="8A7D62"/>
                 </a:solidFill>
@@ -2176,17 +2219,17 @@
               <a:t>Y</a:t>
             </a:r>
             <a:r>
-              <a:rPr sz="2550" spc="-315" dirty="0">
-                <a:solidFill>
-                  <a:srgbClr val="8A7D62"/>
-                </a:solidFill>
-                <a:latin typeface="Arial"/>
-                <a:cs typeface="Arial"/>
-              </a:rPr>
-              <a:t> </a:t>
-            </a:r>
-            <a:r>
-              <a:rPr sz="2550" spc="930" dirty="0">
+              <a:rPr sz="2550" spc="-315">
+                <a:solidFill>
+                  <a:srgbClr val="8A7D62"/>
+                </a:solidFill>
+                <a:latin typeface="Arial"/>
+                <a:cs typeface="Arial"/>
+              </a:rPr>
+              <a:t> </a:t>
+            </a:r>
+            <a:r>
+              <a:rPr sz="2550" spc="930">
                 <a:solidFill>
                   <a:srgbClr val="8A7D62"/>
                 </a:solidFill>
@@ -2196,17 +2239,17 @@
               <a:t>O</a:t>
             </a:r>
             <a:r>
-              <a:rPr sz="2550" spc="-315" dirty="0">
-                <a:solidFill>
-                  <a:srgbClr val="8A7D62"/>
-                </a:solidFill>
-                <a:latin typeface="Arial"/>
-                <a:cs typeface="Arial"/>
-              </a:rPr>
-              <a:t> </a:t>
-            </a:r>
-            <a:r>
-              <a:rPr sz="2550" spc="905" dirty="0">
+              <a:rPr sz="2550" spc="-315">
+                <a:solidFill>
+                  <a:srgbClr val="8A7D62"/>
+                </a:solidFill>
+                <a:latin typeface="Arial"/>
+                <a:cs typeface="Arial"/>
+              </a:rPr>
+              <a:t> </a:t>
+            </a:r>
+            <a:r>
+              <a:rPr sz="2550" spc="905">
                 <a:solidFill>
                   <a:srgbClr val="8A7D62"/>
                 </a:solidFill>
@@ -2216,17 +2259,17 @@
               <a:t>U</a:t>
             </a:r>
             <a:r>
-              <a:rPr sz="2550" spc="-310" dirty="0">
-                <a:solidFill>
-                  <a:srgbClr val="8A7D62"/>
-                </a:solidFill>
-                <a:latin typeface="Arial"/>
-                <a:cs typeface="Arial"/>
-              </a:rPr>
-              <a:t> </a:t>
-            </a:r>
-            <a:r>
-              <a:rPr sz="2550" spc="760" dirty="0">
+              <a:rPr sz="2550" spc="-310">
+                <a:solidFill>
+                  <a:srgbClr val="8A7D62"/>
+                </a:solidFill>
+                <a:latin typeface="Arial"/>
+                <a:cs typeface="Arial"/>
+              </a:rPr>
+              <a:t> </a:t>
+            </a:r>
+            <a:r>
+              <a:rPr sz="2550" spc="760">
                 <a:solidFill>
                   <a:srgbClr val="8A7D62"/>
                 </a:solidFill>
@@ -2236,7 +2279,7 @@
               <a:t>R	</a:t>
             </a:r>
             <a:r>
-              <a:rPr sz="2550" spc="375" dirty="0">
+              <a:rPr sz="2550" spc="375">
                 <a:solidFill>
                   <a:srgbClr val="8A7D62"/>
                 </a:solidFill>
@@ -2246,17 +2289,17 @@
               <a:t>I</a:t>
             </a:r>
             <a:r>
-              <a:rPr sz="2550" spc="-330" dirty="0">
-                <a:solidFill>
-                  <a:srgbClr val="8A7D62"/>
-                </a:solidFill>
-                <a:latin typeface="Arial"/>
-                <a:cs typeface="Arial"/>
-              </a:rPr>
-              <a:t> </a:t>
-            </a:r>
-            <a:r>
-              <a:rPr sz="2550" spc="1005" dirty="0">
+              <a:rPr sz="2550" spc="-330">
+                <a:solidFill>
+                  <a:srgbClr val="8A7D62"/>
+                </a:solidFill>
+                <a:latin typeface="Arial"/>
+                <a:cs typeface="Arial"/>
+              </a:rPr>
+              <a:t> </a:t>
+            </a:r>
+            <a:r>
+              <a:rPr sz="2550" spc="1005">
                 <a:solidFill>
                   <a:srgbClr val="8A7D62"/>
                 </a:solidFill>
@@ -2266,17 +2309,17 @@
               <a:t>N</a:t>
             </a:r>
             <a:r>
-              <a:rPr sz="2550" spc="-325" dirty="0">
-                <a:solidFill>
-                  <a:srgbClr val="8A7D62"/>
-                </a:solidFill>
-                <a:latin typeface="Arial"/>
-                <a:cs typeface="Arial"/>
-              </a:rPr>
-              <a:t> </a:t>
-            </a:r>
-            <a:r>
-              <a:rPr sz="2550" spc="944" dirty="0">
+              <a:rPr sz="2550" spc="-325">
+                <a:solidFill>
+                  <a:srgbClr val="8A7D62"/>
+                </a:solidFill>
+                <a:latin typeface="Arial"/>
+                <a:cs typeface="Arial"/>
+              </a:rPr>
+              <a:t> </a:t>
+            </a:r>
+            <a:r>
+              <a:rPr sz="2550" spc="944">
                 <a:solidFill>
                   <a:srgbClr val="8A7D62"/>
                 </a:solidFill>
@@ -2286,17 +2329,17 @@
               <a:t>D</a:t>
             </a:r>
             <a:r>
-              <a:rPr sz="2550" spc="-325" dirty="0">
-                <a:solidFill>
-                  <a:srgbClr val="8A7D62"/>
-                </a:solidFill>
-                <a:latin typeface="Arial"/>
-                <a:cs typeface="Arial"/>
-              </a:rPr>
-              <a:t> </a:t>
-            </a:r>
-            <a:r>
-              <a:rPr sz="2550" spc="905" dirty="0">
+              <a:rPr sz="2550" spc="-325">
+                <a:solidFill>
+                  <a:srgbClr val="8A7D62"/>
+                </a:solidFill>
+                <a:latin typeface="Arial"/>
+                <a:cs typeface="Arial"/>
+              </a:rPr>
+              <a:t> </a:t>
+            </a:r>
+            <a:r>
+              <a:rPr sz="2550" spc="905">
                 <a:solidFill>
                   <a:srgbClr val="8A7D62"/>
                 </a:solidFill>
@@ -2306,17 +2349,17 @@
               <a:t>U</a:t>
             </a:r>
             <a:r>
-              <a:rPr sz="2550" spc="-325" dirty="0">
-                <a:solidFill>
-                  <a:srgbClr val="8A7D62"/>
-                </a:solidFill>
-                <a:latin typeface="Arial"/>
-                <a:cs typeface="Arial"/>
-              </a:rPr>
-              <a:t> </a:t>
-            </a:r>
-            <a:r>
-              <a:rPr sz="2550" spc="535" dirty="0">
+              <a:rPr sz="2550" spc="-325">
+                <a:solidFill>
+                  <a:srgbClr val="8A7D62"/>
+                </a:solidFill>
+                <a:latin typeface="Arial"/>
+                <a:cs typeface="Arial"/>
+              </a:rPr>
+              <a:t> </a:t>
+            </a:r>
+            <a:r>
+              <a:rPr sz="2550" spc="535">
                 <a:solidFill>
                   <a:srgbClr val="8A7D62"/>
                 </a:solidFill>
@@ -2326,17 +2369,17 @@
               <a:t>S</a:t>
             </a:r>
             <a:r>
-              <a:rPr sz="2550" spc="-325" dirty="0">
-                <a:solidFill>
-                  <a:srgbClr val="8A7D62"/>
-                </a:solidFill>
-                <a:latin typeface="Arial"/>
-                <a:cs typeface="Arial"/>
-              </a:rPr>
-              <a:t> </a:t>
-            </a:r>
-            <a:r>
-              <a:rPr sz="2550" spc="525" dirty="0">
+              <a:rPr sz="2550" spc="-325">
+                <a:solidFill>
+                  <a:srgbClr val="8A7D62"/>
+                </a:solidFill>
+                <a:latin typeface="Arial"/>
+                <a:cs typeface="Arial"/>
+              </a:rPr>
+              <a:t> </a:t>
+            </a:r>
+            <a:r>
+              <a:rPr sz="2550" spc="525">
                 <a:solidFill>
                   <a:srgbClr val="8A7D62"/>
                 </a:solidFill>
@@ -2346,17 +2389,17 @@
               <a:t>T</a:t>
             </a:r>
             <a:r>
-              <a:rPr sz="2550" spc="-325" dirty="0">
-                <a:solidFill>
-                  <a:srgbClr val="8A7D62"/>
-                </a:solidFill>
-                <a:latin typeface="Arial"/>
-                <a:cs typeface="Arial"/>
-              </a:rPr>
-              <a:t> </a:t>
-            </a:r>
-            <a:r>
-              <a:rPr sz="2550" spc="760" dirty="0">
+              <a:rPr sz="2550" spc="-325">
+                <a:solidFill>
+                  <a:srgbClr val="8A7D62"/>
+                </a:solidFill>
+                <a:latin typeface="Arial"/>
+                <a:cs typeface="Arial"/>
+              </a:rPr>
+              <a:t> </a:t>
+            </a:r>
+            <a:r>
+              <a:rPr sz="2550" spc="760">
                 <a:solidFill>
                   <a:srgbClr val="8A7D62"/>
                 </a:solidFill>
@@ -2366,17 +2409,17 @@
               <a:t>R</a:t>
             </a:r>
             <a:r>
-              <a:rPr sz="2550" spc="-325" dirty="0">
-                <a:solidFill>
-                  <a:srgbClr val="8A7D62"/>
-                </a:solidFill>
-                <a:latin typeface="Arial"/>
-                <a:cs typeface="Arial"/>
-              </a:rPr>
-              <a:t> </a:t>
-            </a:r>
-            <a:r>
-              <a:rPr sz="2550" spc="590" dirty="0">
+              <a:rPr sz="2550" spc="-325">
+                <a:solidFill>
+                  <a:srgbClr val="8A7D62"/>
+                </a:solidFill>
+                <a:latin typeface="Arial"/>
+                <a:cs typeface="Arial"/>
+              </a:rPr>
+              <a:t> </a:t>
+            </a:r>
+            <a:r>
+              <a:rPr sz="2550" spc="590">
                 <a:solidFill>
                   <a:srgbClr val="8A7D62"/>
                 </a:solidFill>
@@ -2385,7 +2428,7 @@
               </a:rPr>
               <a:t>Y</a:t>
             </a:r>
-            <a:endParaRPr sz="2550" dirty="0">
+            <a:endParaRPr sz="2550">
               <a:latin typeface="Arial"/>
               <a:cs typeface="Arial"/>
             </a:endParaRPr>
@@ -2408,101 +2451,88 @@
           </a:prstGeom>
         </p:spPr>
         <p:txBody>
-          <a:bodyPr vert="horz" wrap="square" lIns="0" tIns="13970" rIns="0" bIns="0" rtlCol="0">
+          <a:bodyPr vert="horz" wrap="square" lIns="0" tIns="13970" rIns="0" bIns="0" rtlCol="0" anchor="t">
             <a:spAutoFit/>
           </a:bodyPr>
           <a:lstStyle/>
           <a:p>
             <a:pPr marL="12700">
-              <a:lnSpc>
-                <a:spcPct val="100000"/>
-              </a:lnSpc>
               <a:spcBef>
                 <a:spcPts val="110"/>
               </a:spcBef>
             </a:pPr>
             <a:r>
-              <a:rPr lang="en-IN" sz="2100" dirty="0" smtClean="0">
-                <a:solidFill>
-                  <a:schemeClr val="bg1"/>
-                </a:solidFill>
+              <a:rPr lang="en-IN" sz="2100" dirty="0">
                 <a:latin typeface="Gill Sans MT"/>
                 <a:cs typeface="Gill Sans MT"/>
               </a:rPr>
-              <a:t>By </a:t>
+              <a:t/>
             </a:r>
             <a:br>
-              <a:rPr lang="en-IN" sz="2100" dirty="0" smtClean="0">
-                <a:solidFill>
-                  <a:schemeClr val="bg1"/>
-                </a:solidFill>
+              <a:rPr lang="en-IN" sz="2100" dirty="0">
                 <a:latin typeface="Gill Sans MT"/>
                 <a:cs typeface="Gill Sans MT"/>
               </a:rPr>
             </a:br>
             <a:r>
-              <a:rPr lang="en-IN" sz="2100" b="1" dirty="0" smtClean="0">
+              <a:rPr lang="en-IN" sz="2100" dirty="0">
                 <a:solidFill>
                   <a:schemeClr val="bg1"/>
                 </a:solidFill>
                 <a:latin typeface="Gill Sans MT"/>
                 <a:cs typeface="Gill Sans MT"/>
               </a:rPr>
-              <a:t>Varun Swaroop</a:t>
+              <a:t>Varun Swarup </a:t>
             </a:r>
             <a:r>
               <a:rPr lang="en-IN" sz="2100" dirty="0">
                 <a:solidFill>
-                  <a:schemeClr val="bg1"/>
+                  <a:schemeClr val="accent5">
+                    <a:lumMod val="20000"/>
+                    <a:lumOff val="80000"/>
+                  </a:schemeClr>
                 </a:solidFill>
                 <a:latin typeface="Gill Sans MT"/>
                 <a:cs typeface="Gill Sans MT"/>
               </a:rPr>
-              <a:t>:</a:t>
-            </a:r>
-            <a:r>
-              <a:rPr lang="en-IN" sz="2100" dirty="0" smtClean="0">
-                <a:solidFill>
-                  <a:schemeClr val="bg1"/>
-                </a:solidFill>
-                <a:latin typeface="Gill Sans MT"/>
-                <a:cs typeface="Gill Sans MT"/>
-              </a:rPr>
-              <a:t> Sno- 07 Eno- 12015002718</a:t>
+              <a:t>Sno: 07 Eno: 12015002718</a:t>
             </a:r>
           </a:p>
           <a:p>
             <a:pPr marL="12700">
-              <a:lnSpc>
-                <a:spcPct val="100000"/>
-              </a:lnSpc>
               <a:spcBef>
                 <a:spcPts val="110"/>
               </a:spcBef>
             </a:pPr>
             <a:r>
-              <a:rPr lang="en-IN" sz="2100" b="1" dirty="0" smtClean="0">
+              <a:rPr lang="en-IN" sz="2100" dirty="0">
                 <a:solidFill>
                   <a:schemeClr val="bg1"/>
                 </a:solidFill>
                 <a:latin typeface="Gill Sans MT"/>
                 <a:cs typeface="Gill Sans MT"/>
               </a:rPr>
-              <a:t>Vidhi Angrish</a:t>
-            </a:r>
-            <a:r>
-              <a:rPr lang="en-IN" sz="2100" dirty="0" smtClean="0">
-                <a:solidFill>
-                  <a:schemeClr val="bg1"/>
+              <a:t>Vidhi Angrish  </a:t>
+            </a:r>
+            <a:r>
+              <a:rPr lang="en-IN" sz="2100" dirty="0">
+                <a:solidFill>
+                  <a:schemeClr val="accent5">
+                    <a:lumMod val="20000"/>
+                    <a:lumOff val="80000"/>
+                  </a:schemeClr>
                 </a:solidFill>
                 <a:latin typeface="Gill Sans MT"/>
                 <a:cs typeface="Gill Sans MT"/>
               </a:rPr>
-              <a:t>: Sno- 08 Eno- 12115002718 </a:t>
+              <a:t>Sno: 08 Eno: 12115002718 </a:t>
             </a:r>
             <a:endParaRPr sz="2100" dirty="0">
               <a:solidFill>
-                <a:schemeClr val="bg1"/>
+                <a:schemeClr val="accent5">
+                  <a:lumMod val="20000"/>
+                  <a:lumOff val="80000"/>
+                </a:schemeClr>
               </a:solidFill>
               <a:latin typeface="Gill Sans MT"/>
               <a:cs typeface="Gill Sans MT"/>
@@ -2515,12 +2545,99 @@
   <p:clrMapOvr>
     <a:masterClrMapping/>
   </p:clrMapOvr>
+  <mc:AlternateContent xmlns:mc="http://schemas.openxmlformats.org/markup-compatibility/2006" xmlns:p14="http://schemas.microsoft.com/office/powerpoint/2010/main">
+    <mc:Choice Requires="p14">
+      <p:transition p14:dur="0"/>
+    </mc:Choice>
+    <mc:Fallback xmlns="">
+      <p:transition/>
+    </mc:Fallback>
+  </mc:AlternateContent>
   <p:timing>
     <p:tnLst>
       <p:par>
-        <p:cTn id="1" dur="indefinite" restart="never" nodeType="tmRoot"/>
+        <p:cTn id="1" dur="indefinite" restart="never" nodeType="tmRoot">
+          <p:childTnLst>
+            <p:seq concurrent="1" nextAc="seek">
+              <p:cTn id="2" dur="indefinite" nodeType="mainSeq">
+                <p:childTnLst>
+                  <p:par>
+                    <p:cTn id="3" fill="hold">
+                      <p:stCondLst>
+                        <p:cond delay="indefinite"/>
+                      </p:stCondLst>
+                      <p:childTnLst>
+                        <p:par>
+                          <p:cTn id="4" fill="hold">
+                            <p:stCondLst>
+                              <p:cond delay="0"/>
+                            </p:stCondLst>
+                            <p:childTnLst>
+                              <p:par>
+                                <p:cTn id="5" presetID="10" presetClass="entr" presetSubtype="0" fill="hold" grpId="0" nodeType="clickEffect">
+                                  <p:stCondLst>
+                                    <p:cond delay="0"/>
+                                  </p:stCondLst>
+                                  <p:childTnLst>
+                                    <p:set>
+                                      <p:cBhvr>
+                                        <p:cTn id="6" dur="1" fill="hold">
+                                          <p:stCondLst>
+                                            <p:cond delay="0"/>
+                                          </p:stCondLst>
+                                        </p:cTn>
+                                        <p:tgtEl>
+                                          <p:spTgt spid="4"/>
+                                        </p:tgtEl>
+                                        <p:attrNameLst>
+                                          <p:attrName>style.visibility</p:attrName>
+                                        </p:attrNameLst>
+                                      </p:cBhvr>
+                                      <p:to>
+                                        <p:strVal val="visible"/>
+                                      </p:to>
+                                    </p:set>
+                                    <p:animEffect transition="in" filter="fade">
+                                      <p:cBhvr>
+                                        <p:cTn id="7" dur="500"/>
+                                        <p:tgtEl>
+                                          <p:spTgt spid="4"/>
+                                        </p:tgtEl>
+                                      </p:cBhvr>
+                                    </p:animEffect>
+                                  </p:childTnLst>
+                                </p:cTn>
+                              </p:par>
+                            </p:childTnLst>
+                          </p:cTn>
+                        </p:par>
+                      </p:childTnLst>
+                    </p:cTn>
+                  </p:par>
+                </p:childTnLst>
+              </p:cTn>
+              <p:prevCondLst>
+                <p:cond evt="onPrev" delay="0">
+                  <p:tgtEl>
+                    <p:sldTgt/>
+                  </p:tgtEl>
+                </p:cond>
+              </p:prevCondLst>
+              <p:nextCondLst>
+                <p:cond evt="onNext" delay="0">
+                  <p:tgtEl>
+                    <p:sldTgt/>
+                  </p:tgtEl>
+                </p:cond>
+              </p:nextCondLst>
+            </p:seq>
+          </p:childTnLst>
+        </p:cTn>
       </p:par>
     </p:tnLst>
+    <p:bldLst>
+      <p:bldP spid="4" grpId="0"/>
+    </p:bldLst>
   </p:timing>
 </p:sld>
 </file>
@@ -2654,366 +2771,49 @@
         </p:nvSpPr>
         <p:spPr>
           <a:xfrm>
-            <a:off x="4572000" y="1104900"/>
-            <a:ext cx="9601200" cy="846386"/>
+            <a:off x="1" y="1104900"/>
+            <a:ext cx="18290929" cy="846386"/>
           </a:xfrm>
           <a:prstGeom prst="rect">
             <a:avLst/>
           </a:prstGeom>
         </p:spPr>
         <p:txBody>
-          <a:bodyPr vert="horz" wrap="square" lIns="0" tIns="15240" rIns="0" bIns="0" rtlCol="0">
+          <a:bodyPr vert="horz" wrap="square" lIns="0" tIns="15240" rIns="0" bIns="0" rtlCol="0" anchor="t">
             <a:spAutoFit/>
           </a:bodyPr>
           <a:lstStyle/>
           <a:p>
-            <a:pPr marL="12700">
-              <a:lnSpc>
-                <a:spcPct val="100000"/>
-              </a:lnSpc>
+            <a:pPr marL="12700" algn="ctr">
               <a:spcBef>
                 <a:spcPts val="120"/>
               </a:spcBef>
             </a:pPr>
             <a:r>
-              <a:rPr sz="5400" b="1" spc="475" dirty="0" smtClean="0"/>
-              <a:t>WHAT</a:t>
-            </a:r>
-            <a:r>
-              <a:rPr lang="en-IN" sz="5400" b="1" spc="475" dirty="0" smtClean="0"/>
-              <a:t> </a:t>
-            </a:r>
-            <a:r>
-              <a:rPr sz="5400" b="1" spc="-260" dirty="0" smtClean="0"/>
-              <a:t>IS </a:t>
-            </a:r>
-            <a:r>
-              <a:rPr lang="en-IN" sz="5400" b="1" spc="-260" dirty="0" smtClean="0"/>
-              <a:t> </a:t>
-            </a:r>
-            <a:r>
-              <a:rPr sz="5400" b="1" spc="-10" dirty="0" smtClean="0"/>
-              <a:t>SIX</a:t>
-            </a:r>
-            <a:r>
-              <a:rPr lang="en-IN" sz="5400" b="1" spc="-10" dirty="0" smtClean="0"/>
-              <a:t> </a:t>
-            </a:r>
-            <a:r>
-              <a:rPr sz="5400" b="1" spc="-1195" dirty="0" smtClean="0"/>
-              <a:t> </a:t>
-            </a:r>
-            <a:r>
-              <a:rPr sz="5400" b="1" spc="165" dirty="0" smtClean="0"/>
-              <a:t>SIGMA</a:t>
-            </a:r>
-            <a:r>
-              <a:rPr lang="en-IN" sz="5400" b="1" spc="165" dirty="0" smtClean="0"/>
-              <a:t> ?</a:t>
-            </a:r>
-            <a:endParaRPr sz="5400" b="1" dirty="0"/>
-          </a:p>
-        </p:txBody>
-      </p:sp>
-      <p:sp>
-        <p:nvSpPr>
-          <p:cNvPr id="5" name="object 5"/>
-          <p:cNvSpPr txBox="1"/>
-          <p:nvPr/>
-        </p:nvSpPr>
-        <p:spPr>
-          <a:xfrm>
-            <a:off x="1523999" y="2644575"/>
-            <a:ext cx="7200900" cy="2667000"/>
-          </a:xfrm>
-          <a:prstGeom prst="rect">
-            <a:avLst/>
-          </a:prstGeom>
-          <a:solidFill>
-            <a:srgbClr val="8A7D62">
-              <a:alpha val="9799"/>
-            </a:srgbClr>
-          </a:solidFill>
-        </p:spPr>
-        <p:txBody>
-          <a:bodyPr vert="horz" wrap="square" lIns="0" tIns="635" rIns="0" bIns="0" rtlCol="0">
-            <a:spAutoFit/>
-          </a:bodyPr>
-          <a:lstStyle/>
-          <a:p>
-            <a:pPr>
-              <a:lnSpc>
-                <a:spcPct val="100000"/>
-              </a:lnSpc>
-              <a:spcBef>
-                <a:spcPts val="5"/>
-              </a:spcBef>
-            </a:pPr>
-            <a:endParaRPr sz="3450">
-              <a:latin typeface="Times New Roman"/>
-              <a:cs typeface="Times New Roman"/>
-            </a:endParaRPr>
-          </a:p>
-          <a:p>
-            <a:pPr marL="327660" marR="662305">
-              <a:lnSpc>
-                <a:spcPct val="129600"/>
-              </a:lnSpc>
-            </a:pPr>
-            <a:r>
-              <a:rPr sz="2600" spc="105" dirty="0">
-                <a:solidFill>
-                  <a:srgbClr val="D9DEDA"/>
-                </a:solidFill>
-                <a:latin typeface="Lucida Sans Unicode"/>
-                <a:cs typeface="Lucida Sans Unicode"/>
-              </a:rPr>
-              <a:t>The</a:t>
-            </a:r>
-            <a:r>
-              <a:rPr sz="2600" spc="-25" dirty="0">
-                <a:solidFill>
-                  <a:srgbClr val="D9DEDA"/>
-                </a:solidFill>
-                <a:latin typeface="Lucida Sans Unicode"/>
-                <a:cs typeface="Lucida Sans Unicode"/>
-              </a:rPr>
-              <a:t> </a:t>
-            </a:r>
-            <a:r>
-              <a:rPr sz="2600" spc="180" dirty="0">
-                <a:solidFill>
-                  <a:srgbClr val="D9DEDA"/>
-                </a:solidFill>
-                <a:latin typeface="Lucida Sans Unicode"/>
-                <a:cs typeface="Lucida Sans Unicode"/>
-              </a:rPr>
-              <a:t>word</a:t>
-            </a:r>
-            <a:r>
-              <a:rPr sz="2600" spc="-25" dirty="0">
-                <a:solidFill>
-                  <a:srgbClr val="D9DEDA"/>
-                </a:solidFill>
-                <a:latin typeface="Lucida Sans Unicode"/>
-                <a:cs typeface="Lucida Sans Unicode"/>
-              </a:rPr>
-              <a:t> </a:t>
-            </a:r>
-            <a:r>
-              <a:rPr sz="2600" spc="215" dirty="0">
-                <a:solidFill>
-                  <a:srgbClr val="D9DEDA"/>
-                </a:solidFill>
-                <a:latin typeface="Lucida Sans Unicode"/>
-                <a:cs typeface="Lucida Sans Unicode"/>
-              </a:rPr>
-              <a:t>Sigma</a:t>
-            </a:r>
-            <a:r>
-              <a:rPr sz="2600" spc="-25" dirty="0">
-                <a:solidFill>
-                  <a:srgbClr val="D9DEDA"/>
-                </a:solidFill>
-                <a:latin typeface="Lucida Sans Unicode"/>
-                <a:cs typeface="Lucida Sans Unicode"/>
-              </a:rPr>
-              <a:t> </a:t>
-            </a:r>
-            <a:r>
-              <a:rPr sz="2600" spc="-40" dirty="0">
-                <a:solidFill>
-                  <a:srgbClr val="D9DEDA"/>
-                </a:solidFill>
-                <a:latin typeface="Lucida Sans Unicode"/>
-                <a:cs typeface="Lucida Sans Unicode"/>
-              </a:rPr>
-              <a:t>is</a:t>
-            </a:r>
-            <a:r>
-              <a:rPr sz="2600" spc="-25" dirty="0">
-                <a:solidFill>
-                  <a:srgbClr val="D9DEDA"/>
-                </a:solidFill>
-                <a:latin typeface="Lucida Sans Unicode"/>
-                <a:cs typeface="Lucida Sans Unicode"/>
-              </a:rPr>
-              <a:t> </a:t>
-            </a:r>
-            <a:r>
-              <a:rPr sz="2600" spc="150" dirty="0">
-                <a:solidFill>
-                  <a:srgbClr val="D9DEDA"/>
-                </a:solidFill>
-                <a:latin typeface="Lucida Sans Unicode"/>
-                <a:cs typeface="Lucida Sans Unicode"/>
-              </a:rPr>
-              <a:t>a</a:t>
-            </a:r>
-            <a:r>
-              <a:rPr sz="2600" spc="-25" dirty="0">
-                <a:solidFill>
-                  <a:srgbClr val="D9DEDA"/>
-                </a:solidFill>
-                <a:latin typeface="Lucida Sans Unicode"/>
-                <a:cs typeface="Lucida Sans Unicode"/>
-              </a:rPr>
-              <a:t> </a:t>
-            </a:r>
-            <a:r>
-              <a:rPr sz="2600" spc="80" dirty="0">
-                <a:solidFill>
-                  <a:srgbClr val="D9DEDA"/>
-                </a:solidFill>
-                <a:latin typeface="Lucida Sans Unicode"/>
-                <a:cs typeface="Lucida Sans Unicode"/>
-              </a:rPr>
-              <a:t>statistical</a:t>
-            </a:r>
-            <a:r>
-              <a:rPr sz="2600" spc="-25" dirty="0">
-                <a:solidFill>
-                  <a:srgbClr val="D9DEDA"/>
-                </a:solidFill>
-                <a:latin typeface="Lucida Sans Unicode"/>
-                <a:cs typeface="Lucida Sans Unicode"/>
-              </a:rPr>
-              <a:t> </a:t>
-            </a:r>
-            <a:r>
-              <a:rPr sz="2600" spc="185" dirty="0">
-                <a:solidFill>
-                  <a:srgbClr val="D9DEDA"/>
-                </a:solidFill>
-                <a:latin typeface="Lucida Sans Unicode"/>
-                <a:cs typeface="Lucida Sans Unicode"/>
-              </a:rPr>
-              <a:t>term  </a:t>
-            </a:r>
-            <a:r>
-              <a:rPr sz="2600" spc="155" dirty="0">
-                <a:solidFill>
-                  <a:srgbClr val="D9DEDA"/>
-                </a:solidFill>
-                <a:latin typeface="Lucida Sans Unicode"/>
-                <a:cs typeface="Lucida Sans Unicode"/>
-              </a:rPr>
-              <a:t>that </a:t>
-            </a:r>
-            <a:r>
-              <a:rPr sz="2600" spc="130" dirty="0">
-                <a:solidFill>
-                  <a:srgbClr val="D9DEDA"/>
-                </a:solidFill>
-                <a:latin typeface="Lucida Sans Unicode"/>
-                <a:cs typeface="Lucida Sans Unicode"/>
-              </a:rPr>
-              <a:t>measures </a:t>
-            </a:r>
-            <a:r>
-              <a:rPr sz="2600" spc="240" dirty="0">
-                <a:solidFill>
-                  <a:srgbClr val="D9DEDA"/>
-                </a:solidFill>
-                <a:latin typeface="Lucida Sans Unicode"/>
-                <a:cs typeface="Lucida Sans Unicode"/>
-              </a:rPr>
-              <a:t>how </a:t>
-            </a:r>
-            <a:r>
-              <a:rPr sz="2600" spc="30" dirty="0">
-                <a:solidFill>
-                  <a:srgbClr val="D9DEDA"/>
-                </a:solidFill>
-                <a:latin typeface="Lucida Sans Unicode"/>
-                <a:cs typeface="Lucida Sans Unicode"/>
-              </a:rPr>
-              <a:t>far </a:t>
-            </a:r>
-            <a:r>
-              <a:rPr sz="2600" spc="150" dirty="0">
-                <a:solidFill>
-                  <a:srgbClr val="D9DEDA"/>
-                </a:solidFill>
-                <a:latin typeface="Lucida Sans Unicode"/>
-                <a:cs typeface="Lucida Sans Unicode"/>
-              </a:rPr>
-              <a:t>a </a:t>
-            </a:r>
-            <a:r>
-              <a:rPr sz="2600" spc="114" dirty="0">
-                <a:solidFill>
-                  <a:srgbClr val="D9DEDA"/>
-                </a:solidFill>
-                <a:latin typeface="Lucida Sans Unicode"/>
-                <a:cs typeface="Lucida Sans Unicode"/>
-              </a:rPr>
-              <a:t>given  </a:t>
-            </a:r>
-            <a:r>
-              <a:rPr sz="2600" spc="90" dirty="0">
-                <a:solidFill>
-                  <a:srgbClr val="D9DEDA"/>
-                </a:solidFill>
-                <a:latin typeface="Lucida Sans Unicode"/>
-                <a:cs typeface="Lucida Sans Unicode"/>
-              </a:rPr>
-              <a:t>process </a:t>
-            </a:r>
-            <a:r>
-              <a:rPr sz="2600" spc="110" dirty="0">
-                <a:solidFill>
-                  <a:srgbClr val="D9DEDA"/>
-                </a:solidFill>
-                <a:latin typeface="Lucida Sans Unicode"/>
-                <a:cs typeface="Lucida Sans Unicode"/>
-              </a:rPr>
-              <a:t>deviates </a:t>
-            </a:r>
-            <a:r>
-              <a:rPr sz="2600" spc="125" dirty="0">
-                <a:solidFill>
-                  <a:srgbClr val="D9DEDA"/>
-                </a:solidFill>
-                <a:latin typeface="Lucida Sans Unicode"/>
-                <a:cs typeface="Lucida Sans Unicode"/>
-              </a:rPr>
-              <a:t>from</a:t>
-            </a:r>
-            <a:r>
-              <a:rPr sz="2600" spc="-254" dirty="0">
-                <a:solidFill>
-                  <a:srgbClr val="D9DEDA"/>
-                </a:solidFill>
-                <a:latin typeface="Lucida Sans Unicode"/>
-                <a:cs typeface="Lucida Sans Unicode"/>
-              </a:rPr>
-              <a:t> </a:t>
-            </a:r>
-            <a:r>
-              <a:rPr sz="2600" spc="125" dirty="0">
-                <a:solidFill>
-                  <a:srgbClr val="D9DEDA"/>
-                </a:solidFill>
-                <a:latin typeface="Lucida Sans Unicode"/>
-                <a:cs typeface="Lucida Sans Unicode"/>
-              </a:rPr>
-              <a:t>perfection</a:t>
-            </a:r>
-            <a:r>
-              <a:rPr sz="2100" spc="125" dirty="0">
-                <a:solidFill>
-                  <a:srgbClr val="D9DEDA"/>
-                </a:solidFill>
-                <a:latin typeface="Gill Sans MT"/>
-                <a:cs typeface="Gill Sans MT"/>
-              </a:rPr>
-              <a:t>.</a:t>
-            </a:r>
-            <a:endParaRPr sz="2100">
-              <a:latin typeface="Gill Sans MT"/>
-              <a:cs typeface="Gill Sans MT"/>
-            </a:endParaRPr>
+              <a:rPr lang="en-IN" sz="5400" b="1" spc="165" dirty="0">
+                <a:ea typeface="Verdana"/>
+              </a:rPr>
+              <a:t>What is </a:t>
+            </a:r>
+            <a:r>
+              <a:rPr lang="en-IN" sz="5400" b="1" spc="165" dirty="0">
+                <a:solidFill>
+                  <a:schemeClr val="tx2">
+                    <a:lumMod val="20000"/>
+                    <a:lumOff val="80000"/>
+                  </a:schemeClr>
+                </a:solidFill>
+                <a:ea typeface="Verdana"/>
+              </a:rPr>
+              <a:t>6 Sigma</a:t>
+            </a:r>
+            <a:r>
+              <a:rPr lang="en-IN" sz="5400" b="1" spc="165" dirty="0">
+                <a:ea typeface="Verdana"/>
+              </a:rPr>
+              <a:t>?</a:t>
+            </a:r>
+            <a:endParaRPr lang="en-US" dirty="0"/>
           </a:p>
         </p:txBody>
       </p:sp>
@@ -3069,280 +2869,13 @@
       </p:sp>
       <p:sp>
         <p:nvSpPr>
-          <p:cNvPr id="7" name="object 7"/>
-          <p:cNvSpPr txBox="1"/>
-          <p:nvPr/>
-        </p:nvSpPr>
-        <p:spPr>
-          <a:xfrm>
-            <a:off x="10058399" y="2644575"/>
-            <a:ext cx="7200900" cy="2667000"/>
-          </a:xfrm>
-          <a:prstGeom prst="rect">
-            <a:avLst/>
-          </a:prstGeom>
-          <a:solidFill>
-            <a:srgbClr val="8A7D62">
-              <a:alpha val="9799"/>
-            </a:srgbClr>
-          </a:solidFill>
-        </p:spPr>
-        <p:txBody>
-          <a:bodyPr vert="horz" wrap="square" lIns="0" tIns="0" rIns="0" bIns="0" rtlCol="0">
-            <a:spAutoFit/>
-          </a:bodyPr>
-          <a:lstStyle/>
-          <a:p>
-            <a:pPr>
-              <a:lnSpc>
-                <a:spcPct val="100000"/>
-              </a:lnSpc>
-            </a:pPr>
-            <a:endParaRPr sz="2600">
-              <a:latin typeface="Times New Roman"/>
-              <a:cs typeface="Times New Roman"/>
-            </a:endParaRPr>
-          </a:p>
-          <a:p>
-            <a:pPr>
-              <a:lnSpc>
-                <a:spcPct val="100000"/>
-              </a:lnSpc>
-              <a:spcBef>
-                <a:spcPts val="40"/>
-              </a:spcBef>
-            </a:pPr>
-            <a:endParaRPr sz="2600">
-              <a:latin typeface="Times New Roman"/>
-              <a:cs typeface="Times New Roman"/>
-            </a:endParaRPr>
-          </a:p>
-          <a:p>
-            <a:pPr marL="327660" marR="580390">
-              <a:lnSpc>
-                <a:spcPct val="129600"/>
-              </a:lnSpc>
-            </a:pPr>
-            <a:r>
-              <a:rPr sz="2600" spc="85" dirty="0">
-                <a:solidFill>
-                  <a:srgbClr val="D9DEDA"/>
-                </a:solidFill>
-                <a:latin typeface="Lucida Sans Unicode"/>
-                <a:cs typeface="Lucida Sans Unicode"/>
-              </a:rPr>
-              <a:t>It</a:t>
-            </a:r>
-            <a:r>
-              <a:rPr sz="2600" spc="-20" dirty="0">
-                <a:solidFill>
-                  <a:srgbClr val="D9DEDA"/>
-                </a:solidFill>
-                <a:latin typeface="Lucida Sans Unicode"/>
-                <a:cs typeface="Lucida Sans Unicode"/>
-              </a:rPr>
-              <a:t> </a:t>
-            </a:r>
-            <a:r>
-              <a:rPr sz="2600" spc="-40" dirty="0">
-                <a:solidFill>
-                  <a:srgbClr val="D9DEDA"/>
-                </a:solidFill>
-                <a:latin typeface="Lucida Sans Unicode"/>
-                <a:cs typeface="Lucida Sans Unicode"/>
-              </a:rPr>
-              <a:t>is</a:t>
-            </a:r>
-            <a:r>
-              <a:rPr sz="2600" spc="-20" dirty="0">
-                <a:solidFill>
-                  <a:srgbClr val="D9DEDA"/>
-                </a:solidFill>
-                <a:latin typeface="Lucida Sans Unicode"/>
-                <a:cs typeface="Lucida Sans Unicode"/>
-              </a:rPr>
-              <a:t> </a:t>
-            </a:r>
-            <a:r>
-              <a:rPr sz="2600" spc="150" dirty="0">
-                <a:solidFill>
-                  <a:srgbClr val="D9DEDA"/>
-                </a:solidFill>
-                <a:latin typeface="Lucida Sans Unicode"/>
-                <a:cs typeface="Lucida Sans Unicode"/>
-              </a:rPr>
-              <a:t>a</a:t>
-            </a:r>
-            <a:r>
-              <a:rPr sz="2600" spc="-20" dirty="0">
-                <a:solidFill>
-                  <a:srgbClr val="D9DEDA"/>
-                </a:solidFill>
-                <a:latin typeface="Lucida Sans Unicode"/>
-                <a:cs typeface="Lucida Sans Unicode"/>
-              </a:rPr>
-              <a:t> </a:t>
-            </a:r>
-            <a:r>
-              <a:rPr sz="2600" spc="75" dirty="0">
-                <a:solidFill>
-                  <a:srgbClr val="D9DEDA"/>
-                </a:solidFill>
-                <a:latin typeface="Lucida Sans Unicode"/>
-                <a:cs typeface="Lucida Sans Unicode"/>
-              </a:rPr>
-              <a:t>set</a:t>
-            </a:r>
-            <a:r>
-              <a:rPr sz="2600" spc="-20" dirty="0">
-                <a:solidFill>
-                  <a:srgbClr val="D9DEDA"/>
-                </a:solidFill>
-                <a:latin typeface="Lucida Sans Unicode"/>
-                <a:cs typeface="Lucida Sans Unicode"/>
-              </a:rPr>
-              <a:t> </a:t>
-            </a:r>
-            <a:r>
-              <a:rPr sz="2600" spc="30" dirty="0">
-                <a:solidFill>
-                  <a:srgbClr val="D9DEDA"/>
-                </a:solidFill>
-                <a:latin typeface="Lucida Sans Unicode"/>
-                <a:cs typeface="Lucida Sans Unicode"/>
-              </a:rPr>
-              <a:t>of</a:t>
-            </a:r>
-            <a:r>
-              <a:rPr sz="2600" spc="-15" dirty="0">
-                <a:solidFill>
-                  <a:srgbClr val="D9DEDA"/>
-                </a:solidFill>
-                <a:latin typeface="Lucida Sans Unicode"/>
-                <a:cs typeface="Lucida Sans Unicode"/>
-              </a:rPr>
-              <a:t> </a:t>
-            </a:r>
-            <a:r>
-              <a:rPr sz="2600" spc="155" dirty="0">
-                <a:solidFill>
-                  <a:srgbClr val="D9DEDA"/>
-                </a:solidFill>
-                <a:latin typeface="Lucida Sans Unicode"/>
-                <a:cs typeface="Lucida Sans Unicode"/>
-              </a:rPr>
-              <a:t>techniques</a:t>
-            </a:r>
-            <a:r>
-              <a:rPr sz="2600" spc="-20" dirty="0">
-                <a:solidFill>
-                  <a:srgbClr val="D9DEDA"/>
-                </a:solidFill>
-                <a:latin typeface="Lucida Sans Unicode"/>
-                <a:cs typeface="Lucida Sans Unicode"/>
-              </a:rPr>
-              <a:t> </a:t>
-            </a:r>
-            <a:r>
-              <a:rPr sz="2600" spc="204" dirty="0">
-                <a:solidFill>
-                  <a:srgbClr val="D9DEDA"/>
-                </a:solidFill>
-                <a:latin typeface="Lucida Sans Unicode"/>
-                <a:cs typeface="Lucida Sans Unicode"/>
-              </a:rPr>
-              <a:t>and</a:t>
-            </a:r>
-            <a:r>
-              <a:rPr sz="2600" spc="-20" dirty="0">
-                <a:solidFill>
-                  <a:srgbClr val="D9DEDA"/>
-                </a:solidFill>
-                <a:latin typeface="Lucida Sans Unicode"/>
-                <a:cs typeface="Lucida Sans Unicode"/>
-              </a:rPr>
-              <a:t> </a:t>
-            </a:r>
-            <a:r>
-              <a:rPr sz="2600" spc="65" dirty="0">
-                <a:solidFill>
-                  <a:srgbClr val="D9DEDA"/>
-                </a:solidFill>
-                <a:latin typeface="Lucida Sans Unicode"/>
-                <a:cs typeface="Lucida Sans Unicode"/>
-              </a:rPr>
-              <a:t>tools</a:t>
-            </a:r>
-            <a:r>
-              <a:rPr sz="2600" spc="-20" dirty="0">
-                <a:solidFill>
-                  <a:srgbClr val="D9DEDA"/>
-                </a:solidFill>
-                <a:latin typeface="Lucida Sans Unicode"/>
-                <a:cs typeface="Lucida Sans Unicode"/>
-              </a:rPr>
-              <a:t> </a:t>
-            </a:r>
-            <a:r>
-              <a:rPr sz="2600" spc="15" dirty="0">
-                <a:solidFill>
-                  <a:srgbClr val="D9DEDA"/>
-                </a:solidFill>
-                <a:latin typeface="Lucida Sans Unicode"/>
-                <a:cs typeface="Lucida Sans Unicode"/>
-              </a:rPr>
-              <a:t>for  </a:t>
-            </a:r>
-            <a:r>
-              <a:rPr sz="2600" spc="90" dirty="0">
-                <a:solidFill>
-                  <a:srgbClr val="D9DEDA"/>
-                </a:solidFill>
-                <a:latin typeface="Lucida Sans Unicode"/>
-                <a:cs typeface="Lucida Sans Unicode"/>
-              </a:rPr>
-              <a:t>process</a:t>
-            </a:r>
-            <a:r>
-              <a:rPr sz="2600" spc="-20" dirty="0">
-                <a:solidFill>
-                  <a:srgbClr val="D9DEDA"/>
-                </a:solidFill>
-                <a:latin typeface="Lucida Sans Unicode"/>
-                <a:cs typeface="Lucida Sans Unicode"/>
-              </a:rPr>
-              <a:t> </a:t>
-            </a:r>
-            <a:r>
-              <a:rPr sz="2600" spc="180" dirty="0">
-                <a:solidFill>
-                  <a:srgbClr val="D9DEDA"/>
-                </a:solidFill>
-                <a:latin typeface="Lucida Sans Unicode"/>
-                <a:cs typeface="Lucida Sans Unicode"/>
-              </a:rPr>
-              <a:t>improvement</a:t>
-            </a:r>
-            <a:r>
-              <a:rPr sz="2100" spc="180" dirty="0">
-                <a:solidFill>
-                  <a:srgbClr val="D9DEDA"/>
-                </a:solidFill>
-                <a:latin typeface="Gill Sans MT"/>
-                <a:cs typeface="Gill Sans MT"/>
-              </a:rPr>
-              <a:t>.</a:t>
-            </a:r>
-            <a:endParaRPr sz="2100">
-              <a:latin typeface="Gill Sans MT"/>
-              <a:cs typeface="Gill Sans MT"/>
-            </a:endParaRPr>
-          </a:p>
-        </p:txBody>
-      </p:sp>
-      <p:sp>
-        <p:nvSpPr>
-          <p:cNvPr id="8" name="object 8"/>
+          <p:cNvPr id="12" name="object 8">
+            <a:extLst>
+              <a:ext uri="{FF2B5EF4-FFF2-40B4-BE49-F238E27FC236}">
+                <a16:creationId xmlns="" xmlns:a16="http://schemas.microsoft.com/office/drawing/2014/main" id="{ECDA2561-6DC5-4132-9044-4CCA1043F010}"/>
+              </a:ext>
+            </a:extLst>
+          </p:cNvPr>
           <p:cNvSpPr txBox="1"/>
           <p:nvPr/>
         </p:nvSpPr>
@@ -3364,7 +2897,101 @@
           <a:bodyPr vert="horz" wrap="square" lIns="0" tIns="244475" rIns="0" bIns="0" rtlCol="0">
             <a:spAutoFit/>
           </a:bodyPr>
-          <a:lstStyle/>
+          <a:lstStyle>
+            <a:defPPr>
+              <a:defRPr lang="en-US"/>
+            </a:defPPr>
+            <a:lvl1pPr marL="0" algn="l" defTabSz="914400" rtl="0" eaLnBrk="1" latinLnBrk="0" hangingPunct="1">
+              <a:defRPr sz="1800" kern="1200">
+                <a:solidFill>
+                  <a:schemeClr val="tx1"/>
+                </a:solidFill>
+                <a:latin typeface="+mn-lt"/>
+                <a:ea typeface="+mn-ea"/>
+                <a:cs typeface="+mn-cs"/>
+              </a:defRPr>
+            </a:lvl1pPr>
+            <a:lvl2pPr marL="457200" algn="l" defTabSz="914400" rtl="0" eaLnBrk="1" latinLnBrk="0" hangingPunct="1">
+              <a:defRPr sz="1800" kern="1200">
+                <a:solidFill>
+                  <a:schemeClr val="tx1"/>
+                </a:solidFill>
+                <a:latin typeface="+mn-lt"/>
+                <a:ea typeface="+mn-ea"/>
+                <a:cs typeface="+mn-cs"/>
+              </a:defRPr>
+            </a:lvl2pPr>
+            <a:lvl3pPr marL="914400" algn="l" defTabSz="914400" rtl="0" eaLnBrk="1" latinLnBrk="0" hangingPunct="1">
+              <a:defRPr sz="1800" kern="1200">
+                <a:solidFill>
+                  <a:schemeClr val="tx1"/>
+                </a:solidFill>
+                <a:latin typeface="+mn-lt"/>
+                <a:ea typeface="+mn-ea"/>
+                <a:cs typeface="+mn-cs"/>
+              </a:defRPr>
+            </a:lvl3pPr>
+            <a:lvl4pPr marL="1371600" algn="l" defTabSz="914400" rtl="0" eaLnBrk="1" latinLnBrk="0" hangingPunct="1">
+              <a:defRPr sz="1800" kern="1200">
+                <a:solidFill>
+                  <a:schemeClr val="tx1"/>
+                </a:solidFill>
+                <a:latin typeface="+mn-lt"/>
+                <a:ea typeface="+mn-ea"/>
+                <a:cs typeface="+mn-cs"/>
+              </a:defRPr>
+            </a:lvl4pPr>
+            <a:lvl5pPr marL="1828800" algn="l" defTabSz="914400" rtl="0" eaLnBrk="1" latinLnBrk="0" hangingPunct="1">
+              <a:defRPr sz="1800" kern="1200">
+                <a:solidFill>
+                  <a:schemeClr val="tx1"/>
+                </a:solidFill>
+                <a:latin typeface="+mn-lt"/>
+                <a:ea typeface="+mn-ea"/>
+                <a:cs typeface="+mn-cs"/>
+              </a:defRPr>
+            </a:lvl5pPr>
+            <a:lvl6pPr marL="2286000" algn="l" defTabSz="914400" rtl="0" eaLnBrk="1" latinLnBrk="0" hangingPunct="1">
+              <a:defRPr sz="1800" kern="1200">
+                <a:solidFill>
+                  <a:schemeClr val="tx1"/>
+                </a:solidFill>
+                <a:latin typeface="+mn-lt"/>
+                <a:ea typeface="+mn-ea"/>
+                <a:cs typeface="+mn-cs"/>
+              </a:defRPr>
+            </a:lvl6pPr>
+            <a:lvl7pPr marL="2743200" algn="l" defTabSz="914400" rtl="0" eaLnBrk="1" latinLnBrk="0" hangingPunct="1">
+              <a:defRPr sz="1800" kern="1200">
+                <a:solidFill>
+                  <a:schemeClr val="tx1"/>
+                </a:solidFill>
+                <a:latin typeface="+mn-lt"/>
+                <a:ea typeface="+mn-ea"/>
+                <a:cs typeface="+mn-cs"/>
+              </a:defRPr>
+            </a:lvl7pPr>
+            <a:lvl8pPr marL="3200400" algn="l" defTabSz="914400" rtl="0" eaLnBrk="1" latinLnBrk="0" hangingPunct="1">
+              <a:defRPr sz="1800" kern="1200">
+                <a:solidFill>
+                  <a:schemeClr val="tx1"/>
+                </a:solidFill>
+                <a:latin typeface="+mn-lt"/>
+                <a:ea typeface="+mn-ea"/>
+                <a:cs typeface="+mn-cs"/>
+              </a:defRPr>
+            </a:lvl8pPr>
+            <a:lvl9pPr marL="3657600" algn="l" defTabSz="914400" rtl="0" eaLnBrk="1" latinLnBrk="0" hangingPunct="1">
+              <a:defRPr sz="1800" kern="1200">
+                <a:solidFill>
+                  <a:schemeClr val="tx1"/>
+                </a:solidFill>
+                <a:latin typeface="+mn-lt"/>
+                <a:ea typeface="+mn-ea"/>
+                <a:cs typeface="+mn-cs"/>
+              </a:defRPr>
+            </a:lvl9pPr>
+          </a:lstStyle>
           <a:p>
             <a:pPr marL="327660" marR="351155">
               <a:lnSpc>
@@ -3664,7 +3291,7 @@
               </a:rPr>
               <a:t>.</a:t>
             </a:r>
-            <a:endParaRPr sz="2100">
+            <a:endParaRPr sz="2100" dirty="0">
               <a:latin typeface="Gill Sans MT"/>
               <a:cs typeface="Gill Sans MT"/>
             </a:endParaRPr>
@@ -3673,7 +3300,13 @@
       </p:sp>
       <p:sp>
         <p:nvSpPr>
-          <p:cNvPr id="9" name="object 9"/>
+          <p:cNvPr id="13" name="object 9">
+            <a:extLst>
+              <a:ext uri="{FF2B5EF4-FFF2-40B4-BE49-F238E27FC236}">
+                <a16:creationId xmlns="" xmlns:a16="http://schemas.microsoft.com/office/drawing/2014/main" id="{C4227484-5461-431D-902A-E4AB8B142DF4}"/>
+              </a:ext>
+            </a:extLst>
+          </p:cNvPr>
           <p:cNvSpPr txBox="1"/>
           <p:nvPr/>
         </p:nvSpPr>
@@ -3695,14 +3328,108 @@
           <a:bodyPr vert="horz" wrap="square" lIns="0" tIns="0" rIns="0" bIns="0" rtlCol="0">
             <a:spAutoFit/>
           </a:bodyPr>
-          <a:lstStyle/>
+          <a:lstStyle>
+            <a:defPPr>
+              <a:defRPr lang="en-US"/>
+            </a:defPPr>
+            <a:lvl1pPr marL="0" algn="l" defTabSz="914400" rtl="0" eaLnBrk="1" latinLnBrk="0" hangingPunct="1">
+              <a:defRPr sz="1800" kern="1200">
+                <a:solidFill>
+                  <a:schemeClr val="tx1"/>
+                </a:solidFill>
+                <a:latin typeface="+mn-lt"/>
+                <a:ea typeface="+mn-ea"/>
+                <a:cs typeface="+mn-cs"/>
+              </a:defRPr>
+            </a:lvl1pPr>
+            <a:lvl2pPr marL="457200" algn="l" defTabSz="914400" rtl="0" eaLnBrk="1" latinLnBrk="0" hangingPunct="1">
+              <a:defRPr sz="1800" kern="1200">
+                <a:solidFill>
+                  <a:schemeClr val="tx1"/>
+                </a:solidFill>
+                <a:latin typeface="+mn-lt"/>
+                <a:ea typeface="+mn-ea"/>
+                <a:cs typeface="+mn-cs"/>
+              </a:defRPr>
+            </a:lvl2pPr>
+            <a:lvl3pPr marL="914400" algn="l" defTabSz="914400" rtl="0" eaLnBrk="1" latinLnBrk="0" hangingPunct="1">
+              <a:defRPr sz="1800" kern="1200">
+                <a:solidFill>
+                  <a:schemeClr val="tx1"/>
+                </a:solidFill>
+                <a:latin typeface="+mn-lt"/>
+                <a:ea typeface="+mn-ea"/>
+                <a:cs typeface="+mn-cs"/>
+              </a:defRPr>
+            </a:lvl3pPr>
+            <a:lvl4pPr marL="1371600" algn="l" defTabSz="914400" rtl="0" eaLnBrk="1" latinLnBrk="0" hangingPunct="1">
+              <a:defRPr sz="1800" kern="1200">
+                <a:solidFill>
+                  <a:schemeClr val="tx1"/>
+                </a:solidFill>
+                <a:latin typeface="+mn-lt"/>
+                <a:ea typeface="+mn-ea"/>
+                <a:cs typeface="+mn-cs"/>
+              </a:defRPr>
+            </a:lvl4pPr>
+            <a:lvl5pPr marL="1828800" algn="l" defTabSz="914400" rtl="0" eaLnBrk="1" latinLnBrk="0" hangingPunct="1">
+              <a:defRPr sz="1800" kern="1200">
+                <a:solidFill>
+                  <a:schemeClr val="tx1"/>
+                </a:solidFill>
+                <a:latin typeface="+mn-lt"/>
+                <a:ea typeface="+mn-ea"/>
+                <a:cs typeface="+mn-cs"/>
+              </a:defRPr>
+            </a:lvl5pPr>
+            <a:lvl6pPr marL="2286000" algn="l" defTabSz="914400" rtl="0" eaLnBrk="1" latinLnBrk="0" hangingPunct="1">
+              <a:defRPr sz="1800" kern="1200">
+                <a:solidFill>
+                  <a:schemeClr val="tx1"/>
+                </a:solidFill>
+                <a:latin typeface="+mn-lt"/>
+                <a:ea typeface="+mn-ea"/>
+                <a:cs typeface="+mn-cs"/>
+              </a:defRPr>
+            </a:lvl6pPr>
+            <a:lvl7pPr marL="2743200" algn="l" defTabSz="914400" rtl="0" eaLnBrk="1" latinLnBrk="0" hangingPunct="1">
+              <a:defRPr sz="1800" kern="1200">
+                <a:solidFill>
+                  <a:schemeClr val="tx1"/>
+                </a:solidFill>
+                <a:latin typeface="+mn-lt"/>
+                <a:ea typeface="+mn-ea"/>
+                <a:cs typeface="+mn-cs"/>
+              </a:defRPr>
+            </a:lvl7pPr>
+            <a:lvl8pPr marL="3200400" algn="l" defTabSz="914400" rtl="0" eaLnBrk="1" latinLnBrk="0" hangingPunct="1">
+              <a:defRPr sz="1800" kern="1200">
+                <a:solidFill>
+                  <a:schemeClr val="tx1"/>
+                </a:solidFill>
+                <a:latin typeface="+mn-lt"/>
+                <a:ea typeface="+mn-ea"/>
+                <a:cs typeface="+mn-cs"/>
+              </a:defRPr>
+            </a:lvl8pPr>
+            <a:lvl9pPr marL="3657600" algn="l" defTabSz="914400" rtl="0" eaLnBrk="1" latinLnBrk="0" hangingPunct="1">
+              <a:defRPr sz="1800" kern="1200">
+                <a:solidFill>
+                  <a:schemeClr val="tx1"/>
+                </a:solidFill>
+                <a:latin typeface="+mn-lt"/>
+                <a:ea typeface="+mn-ea"/>
+                <a:cs typeface="+mn-cs"/>
+              </a:defRPr>
+            </a:lvl9pPr>
+          </a:lstStyle>
           <a:p>
             <a:pPr>
               <a:lnSpc>
                 <a:spcPct val="100000"/>
               </a:lnSpc>
             </a:pPr>
-            <a:endParaRPr sz="2600">
+            <a:endParaRPr sz="2600" dirty="0">
               <a:latin typeface="Times New Roman"/>
               <a:cs typeface="Times New Roman"/>
             </a:endParaRPr>
@@ -3716,7 +3443,7 @@
                 <a:spcPts val="40"/>
               </a:spcBef>
             </a:pPr>
-            <a:endParaRPr sz="2600">
+            <a:endParaRPr sz="2600" dirty="0">
               <a:latin typeface="Times New Roman"/>
               <a:cs typeface="Times New Roman"/>
             </a:endParaRPr>
@@ -3738,7 +3465,7 @@
               <a:t>The </a:t>
             </a:r>
             <a:r>
-              <a:rPr sz="2600" spc="160" dirty="0">
+              <a:rPr lang="en-GB" sz="2600" spc="160" dirty="0">
                 <a:solidFill>
                   <a:srgbClr val="D9DEDA"/>
                 </a:solidFill>
@@ -3795,7 +3522,27 @@
                 <a:latin typeface="Lucida Sans Unicode"/>
                 <a:cs typeface="Lucida Sans Unicode"/>
               </a:rPr>
-              <a:t>streamline  </a:t>
+              <a:t>streamline</a:t>
+            </a:r>
+            <a:r>
+              <a:rPr lang="en-GB" sz="2600" spc="130" dirty="0">
+                <a:solidFill>
+                  <a:srgbClr val="D9DEDA"/>
+                </a:solidFill>
+                <a:latin typeface="Lucida Sans Unicode"/>
+                <a:cs typeface="Lucida Sans Unicode"/>
+              </a:rPr>
+              <a:t> </a:t>
+            </a:r>
+            <a:r>
+              <a:rPr sz="2600" spc="130" dirty="0">
+                <a:solidFill>
+                  <a:srgbClr val="D9DEDA"/>
+                </a:solidFill>
+                <a:latin typeface="Lucida Sans Unicode"/>
+                <a:cs typeface="Lucida Sans Unicode"/>
+              </a:rPr>
+              <a:t> </a:t>
             </a:r>
             <a:r>
               <a:rPr sz="2600" spc="114" dirty="0">
@@ -3837,9 +3584,825 @@
               </a:rPr>
               <a:t>.</a:t>
             </a:r>
-            <a:endParaRPr sz="2100">
+            <a:endParaRPr sz="2100" dirty="0">
               <a:latin typeface="Gill Sans MT"/>
               <a:cs typeface="Gill Sans MT"/>
+            </a:endParaRPr>
+          </a:p>
+        </p:txBody>
+      </p:sp>
+      <p:sp>
+        <p:nvSpPr>
+          <p:cNvPr id="14" name="object 5">
+            <a:extLst>
+              <a:ext uri="{FF2B5EF4-FFF2-40B4-BE49-F238E27FC236}">
+                <a16:creationId xmlns="" xmlns:a16="http://schemas.microsoft.com/office/drawing/2014/main" id="{AD45296D-00EB-49CA-B88D-63F4FFCACFE9}"/>
+              </a:ext>
+            </a:extLst>
+          </p:cNvPr>
+          <p:cNvSpPr txBox="1"/>
+          <p:nvPr/>
+        </p:nvSpPr>
+        <p:spPr>
+          <a:xfrm>
+            <a:off x="10058399" y="2592578"/>
+            <a:ext cx="7200900" cy="2667000"/>
+          </a:xfrm>
+          <a:prstGeom prst="rect">
+            <a:avLst/>
+          </a:prstGeom>
+          <a:solidFill>
+            <a:srgbClr val="8A7D62">
+              <a:alpha val="9799"/>
+            </a:srgbClr>
+          </a:solidFill>
+        </p:spPr>
+        <p:txBody>
+          <a:bodyPr vert="horz" wrap="square" lIns="0" tIns="635" rIns="0" bIns="0" rtlCol="0">
+            <a:spAutoFit/>
+          </a:bodyPr>
+          <a:lstStyle>
+            <a:defPPr>
+              <a:defRPr lang="en-US"/>
+            </a:defPPr>
+            <a:lvl1pPr marL="0" algn="l" defTabSz="914400" rtl="0" eaLnBrk="1" latinLnBrk="0" hangingPunct="1">
+              <a:defRPr sz="1800" kern="1200">
+                <a:solidFill>
+                  <a:schemeClr val="tx1"/>
+                </a:solidFill>
+                <a:latin typeface="+mn-lt"/>
+                <a:ea typeface="+mn-ea"/>
+                <a:cs typeface="+mn-cs"/>
+              </a:defRPr>
+            </a:lvl1pPr>
+            <a:lvl2pPr marL="457200" algn="l" defTabSz="914400" rtl="0" eaLnBrk="1" latinLnBrk="0" hangingPunct="1">
+              <a:defRPr sz="1800" kern="1200">
+                <a:solidFill>
+                  <a:schemeClr val="tx1"/>
+                </a:solidFill>
+                <a:latin typeface="+mn-lt"/>
+                <a:ea typeface="+mn-ea"/>
+                <a:cs typeface="+mn-cs"/>
+              </a:defRPr>
+            </a:lvl2pPr>
+            <a:lvl3pPr marL="914400" algn="l" defTabSz="914400" rtl="0" eaLnBrk="1" latinLnBrk="0" hangingPunct="1">
+              <a:defRPr sz="1800" kern="1200">
+                <a:solidFill>
+                  <a:schemeClr val="tx1"/>
+                </a:solidFill>
+                <a:latin typeface="+mn-lt"/>
+                <a:ea typeface="+mn-ea"/>
+                <a:cs typeface="+mn-cs"/>
+              </a:defRPr>
+            </a:lvl3pPr>
+            <a:lvl4pPr marL="1371600" algn="l" defTabSz="914400" rtl="0" eaLnBrk="1" latinLnBrk="0" hangingPunct="1">
+              <a:defRPr sz="1800" kern="1200">
+                <a:solidFill>
+                  <a:schemeClr val="tx1"/>
+                </a:solidFill>
+                <a:latin typeface="+mn-lt"/>
+                <a:ea typeface="+mn-ea"/>
+                <a:cs typeface="+mn-cs"/>
+              </a:defRPr>
+            </a:lvl4pPr>
+            <a:lvl5pPr marL="1828800" algn="l" defTabSz="914400" rtl="0" eaLnBrk="1" latinLnBrk="0" hangingPunct="1">
+              <a:defRPr sz="1800" kern="1200">
+                <a:solidFill>
+                  <a:schemeClr val="tx1"/>
+                </a:solidFill>
+                <a:latin typeface="+mn-lt"/>
+                <a:ea typeface="+mn-ea"/>
+                <a:cs typeface="+mn-cs"/>
+              </a:defRPr>
+            </a:lvl5pPr>
+            <a:lvl6pPr marL="2286000" algn="l" defTabSz="914400" rtl="0" eaLnBrk="1" latinLnBrk="0" hangingPunct="1">
+              <a:defRPr sz="1800" kern="1200">
+                <a:solidFill>
+                  <a:schemeClr val="tx1"/>
+                </a:solidFill>
+                <a:latin typeface="+mn-lt"/>
+                <a:ea typeface="+mn-ea"/>
+                <a:cs typeface="+mn-cs"/>
+              </a:defRPr>
+            </a:lvl6pPr>
+            <a:lvl7pPr marL="2743200" algn="l" defTabSz="914400" rtl="0" eaLnBrk="1" latinLnBrk="0" hangingPunct="1">
+              <a:defRPr sz="1800" kern="1200">
+                <a:solidFill>
+                  <a:schemeClr val="tx1"/>
+                </a:solidFill>
+                <a:latin typeface="+mn-lt"/>
+                <a:ea typeface="+mn-ea"/>
+                <a:cs typeface="+mn-cs"/>
+              </a:defRPr>
+            </a:lvl7pPr>
+            <a:lvl8pPr marL="3200400" algn="l" defTabSz="914400" rtl="0" eaLnBrk="1" latinLnBrk="0" hangingPunct="1">
+              <a:defRPr sz="1800" kern="1200">
+                <a:solidFill>
+                  <a:schemeClr val="tx1"/>
+                </a:solidFill>
+                <a:latin typeface="+mn-lt"/>
+                <a:ea typeface="+mn-ea"/>
+                <a:cs typeface="+mn-cs"/>
+              </a:defRPr>
+            </a:lvl8pPr>
+            <a:lvl9pPr marL="3657600" algn="l" defTabSz="914400" rtl="0" eaLnBrk="1" latinLnBrk="0" hangingPunct="1">
+              <a:defRPr sz="1800" kern="1200">
+                <a:solidFill>
+                  <a:schemeClr val="tx1"/>
+                </a:solidFill>
+                <a:latin typeface="+mn-lt"/>
+                <a:ea typeface="+mn-ea"/>
+                <a:cs typeface="+mn-cs"/>
+              </a:defRPr>
+            </a:lvl9pPr>
+          </a:lstStyle>
+          <a:p>
+            <a:pPr>
+              <a:lnSpc>
+                <a:spcPct val="100000"/>
+              </a:lnSpc>
+              <a:spcBef>
+                <a:spcPts val="5"/>
+              </a:spcBef>
+            </a:pPr>
+            <a:endParaRPr sz="3450" dirty="0">
+              <a:latin typeface="Times New Roman"/>
+              <a:cs typeface="Times New Roman"/>
+            </a:endParaRPr>
+          </a:p>
+          <a:p>
+            <a:pPr marL="327660" marR="662305">
+              <a:lnSpc>
+                <a:spcPct val="129600"/>
+              </a:lnSpc>
+            </a:pPr>
+            <a:r>
+              <a:rPr sz="2600" spc="105" dirty="0">
+                <a:solidFill>
+                  <a:srgbClr val="D9DEDA"/>
+                </a:solidFill>
+                <a:latin typeface="Lucida Sans Unicode"/>
+                <a:cs typeface="Lucida Sans Unicode"/>
+              </a:rPr>
+              <a:t>The</a:t>
+            </a:r>
+            <a:r>
+              <a:rPr sz="2600" spc="-25" dirty="0">
+                <a:solidFill>
+                  <a:srgbClr val="D9DEDA"/>
+                </a:solidFill>
+                <a:latin typeface="Lucida Sans Unicode"/>
+                <a:cs typeface="Lucida Sans Unicode"/>
+              </a:rPr>
+              <a:t> </a:t>
+            </a:r>
+            <a:r>
+              <a:rPr sz="2600" spc="180" dirty="0">
+                <a:solidFill>
+                  <a:srgbClr val="D9DEDA"/>
+                </a:solidFill>
+                <a:latin typeface="Lucida Sans Unicode"/>
+                <a:cs typeface="Lucida Sans Unicode"/>
+              </a:rPr>
+              <a:t>word</a:t>
+            </a:r>
+            <a:r>
+              <a:rPr sz="2600" spc="-25" dirty="0">
+                <a:solidFill>
+                  <a:srgbClr val="D9DEDA"/>
+                </a:solidFill>
+                <a:latin typeface="Lucida Sans Unicode"/>
+                <a:cs typeface="Lucida Sans Unicode"/>
+              </a:rPr>
+              <a:t> </a:t>
+            </a:r>
+            <a:r>
+              <a:rPr sz="2600" spc="215" dirty="0">
+                <a:solidFill>
+                  <a:srgbClr val="D9DEDA"/>
+                </a:solidFill>
+                <a:latin typeface="Lucida Sans Unicode"/>
+                <a:cs typeface="Lucida Sans Unicode"/>
+              </a:rPr>
+              <a:t>Sigma</a:t>
+            </a:r>
+            <a:r>
+              <a:rPr sz="2600" spc="-25" dirty="0">
+                <a:solidFill>
+                  <a:srgbClr val="D9DEDA"/>
+                </a:solidFill>
+                <a:latin typeface="Lucida Sans Unicode"/>
+                <a:cs typeface="Lucida Sans Unicode"/>
+              </a:rPr>
+              <a:t> </a:t>
+            </a:r>
+            <a:r>
+              <a:rPr sz="2600" spc="-40" dirty="0">
+                <a:solidFill>
+                  <a:srgbClr val="D9DEDA"/>
+                </a:solidFill>
+                <a:latin typeface="Lucida Sans Unicode"/>
+                <a:cs typeface="Lucida Sans Unicode"/>
+              </a:rPr>
+              <a:t>is</a:t>
+            </a:r>
+            <a:r>
+              <a:rPr sz="2600" spc="-25" dirty="0">
+                <a:solidFill>
+                  <a:srgbClr val="D9DEDA"/>
+                </a:solidFill>
+                <a:latin typeface="Lucida Sans Unicode"/>
+                <a:cs typeface="Lucida Sans Unicode"/>
+              </a:rPr>
+              <a:t> </a:t>
+            </a:r>
+            <a:r>
+              <a:rPr sz="2600" spc="150" dirty="0">
+                <a:solidFill>
+                  <a:srgbClr val="D9DEDA"/>
+                </a:solidFill>
+                <a:latin typeface="Lucida Sans Unicode"/>
+                <a:cs typeface="Lucida Sans Unicode"/>
+              </a:rPr>
+              <a:t>a</a:t>
+            </a:r>
+            <a:r>
+              <a:rPr sz="2600" spc="-25" dirty="0">
+                <a:solidFill>
+                  <a:srgbClr val="D9DEDA"/>
+                </a:solidFill>
+                <a:latin typeface="Lucida Sans Unicode"/>
+                <a:cs typeface="Lucida Sans Unicode"/>
+              </a:rPr>
+              <a:t> </a:t>
+            </a:r>
+            <a:r>
+              <a:rPr sz="2600" spc="80" dirty="0">
+                <a:solidFill>
+                  <a:srgbClr val="D9DEDA"/>
+                </a:solidFill>
+                <a:latin typeface="Lucida Sans Unicode"/>
+                <a:cs typeface="Lucida Sans Unicode"/>
+              </a:rPr>
+              <a:t>statistical</a:t>
+            </a:r>
+            <a:r>
+              <a:rPr sz="2600" spc="-25" dirty="0">
+                <a:solidFill>
+                  <a:srgbClr val="D9DEDA"/>
+                </a:solidFill>
+                <a:latin typeface="Lucida Sans Unicode"/>
+                <a:cs typeface="Lucida Sans Unicode"/>
+              </a:rPr>
+              <a:t> </a:t>
+            </a:r>
+            <a:r>
+              <a:rPr sz="2600" spc="185" dirty="0">
+                <a:solidFill>
+                  <a:srgbClr val="D9DEDA"/>
+                </a:solidFill>
+                <a:latin typeface="Lucida Sans Unicode"/>
+                <a:cs typeface="Lucida Sans Unicode"/>
+              </a:rPr>
+              <a:t>term  </a:t>
+            </a:r>
+            <a:r>
+              <a:rPr sz="2600" spc="155" dirty="0">
+                <a:solidFill>
+                  <a:srgbClr val="D9DEDA"/>
+                </a:solidFill>
+                <a:latin typeface="Lucida Sans Unicode"/>
+                <a:cs typeface="Lucida Sans Unicode"/>
+              </a:rPr>
+              <a:t>that </a:t>
+            </a:r>
+            <a:r>
+              <a:rPr sz="2600" spc="130" dirty="0">
+                <a:solidFill>
+                  <a:srgbClr val="D9DEDA"/>
+                </a:solidFill>
+                <a:latin typeface="Lucida Sans Unicode"/>
+                <a:cs typeface="Lucida Sans Unicode"/>
+              </a:rPr>
+              <a:t>measures </a:t>
+            </a:r>
+            <a:r>
+              <a:rPr sz="2600" spc="240" dirty="0">
+                <a:solidFill>
+                  <a:srgbClr val="D9DEDA"/>
+                </a:solidFill>
+                <a:latin typeface="Lucida Sans Unicode"/>
+                <a:cs typeface="Lucida Sans Unicode"/>
+              </a:rPr>
+              <a:t>how </a:t>
+            </a:r>
+            <a:r>
+              <a:rPr sz="2600" spc="30" dirty="0">
+                <a:solidFill>
+                  <a:srgbClr val="D9DEDA"/>
+                </a:solidFill>
+                <a:latin typeface="Lucida Sans Unicode"/>
+                <a:cs typeface="Lucida Sans Unicode"/>
+              </a:rPr>
+              <a:t>far </a:t>
+            </a:r>
+            <a:r>
+              <a:rPr sz="2600" spc="150" dirty="0">
+                <a:solidFill>
+                  <a:srgbClr val="D9DEDA"/>
+                </a:solidFill>
+                <a:latin typeface="Lucida Sans Unicode"/>
+                <a:cs typeface="Lucida Sans Unicode"/>
+              </a:rPr>
+              <a:t>a </a:t>
+            </a:r>
+            <a:r>
+              <a:rPr sz="2600" spc="114" dirty="0">
+                <a:solidFill>
+                  <a:srgbClr val="D9DEDA"/>
+                </a:solidFill>
+                <a:latin typeface="Lucida Sans Unicode"/>
+                <a:cs typeface="Lucida Sans Unicode"/>
+              </a:rPr>
+              <a:t>given  </a:t>
+            </a:r>
+            <a:r>
+              <a:rPr sz="2600" spc="90" dirty="0">
+                <a:solidFill>
+                  <a:srgbClr val="D9DEDA"/>
+                </a:solidFill>
+                <a:latin typeface="Lucida Sans Unicode"/>
+                <a:cs typeface="Lucida Sans Unicode"/>
+              </a:rPr>
+              <a:t>process </a:t>
+            </a:r>
+            <a:r>
+              <a:rPr sz="2600" spc="110" dirty="0">
+                <a:solidFill>
+                  <a:srgbClr val="D9DEDA"/>
+                </a:solidFill>
+                <a:latin typeface="Lucida Sans Unicode"/>
+                <a:cs typeface="Lucida Sans Unicode"/>
+              </a:rPr>
+              <a:t>deviates </a:t>
+            </a:r>
+            <a:r>
+              <a:rPr sz="2600" spc="125" dirty="0">
+                <a:solidFill>
+                  <a:srgbClr val="D9DEDA"/>
+                </a:solidFill>
+                <a:latin typeface="Lucida Sans Unicode"/>
+                <a:cs typeface="Lucida Sans Unicode"/>
+              </a:rPr>
+              <a:t>from</a:t>
+            </a:r>
+            <a:r>
+              <a:rPr sz="2600" spc="-254" dirty="0">
+                <a:solidFill>
+                  <a:srgbClr val="D9DEDA"/>
+                </a:solidFill>
+                <a:latin typeface="Lucida Sans Unicode"/>
+                <a:cs typeface="Lucida Sans Unicode"/>
+              </a:rPr>
+              <a:t> </a:t>
+            </a:r>
+            <a:r>
+              <a:rPr sz="2600" spc="125" dirty="0">
+                <a:solidFill>
+                  <a:srgbClr val="D9DEDA"/>
+                </a:solidFill>
+                <a:latin typeface="Lucida Sans Unicode"/>
+                <a:cs typeface="Lucida Sans Unicode"/>
+              </a:rPr>
+              <a:t>perfection</a:t>
+            </a:r>
+            <a:r>
+              <a:rPr sz="2100" spc="125" dirty="0">
+                <a:solidFill>
+                  <a:srgbClr val="D9DEDA"/>
+                </a:solidFill>
+                <a:latin typeface="Gill Sans MT"/>
+                <a:cs typeface="Gill Sans MT"/>
+              </a:rPr>
+              <a:t>.</a:t>
+            </a:r>
+            <a:endParaRPr sz="2100" dirty="0">
+              <a:latin typeface="Gill Sans MT"/>
+              <a:cs typeface="Gill Sans MT"/>
+            </a:endParaRPr>
+          </a:p>
+        </p:txBody>
+      </p:sp>
+      <p:sp>
+        <p:nvSpPr>
+          <p:cNvPr id="15" name="object 7">
+            <a:extLst>
+              <a:ext uri="{FF2B5EF4-FFF2-40B4-BE49-F238E27FC236}">
+                <a16:creationId xmlns="" xmlns:a16="http://schemas.microsoft.com/office/drawing/2014/main" id="{6A72F589-77B0-4E2B-AC0A-7412CB4EA832}"/>
+              </a:ext>
+            </a:extLst>
+          </p:cNvPr>
+          <p:cNvSpPr txBox="1"/>
+          <p:nvPr/>
+        </p:nvSpPr>
+        <p:spPr>
+          <a:xfrm>
+            <a:off x="1523999" y="2667868"/>
+            <a:ext cx="7200900" cy="2563009"/>
+          </a:xfrm>
+          <a:prstGeom prst="rect">
+            <a:avLst/>
+          </a:prstGeom>
+          <a:solidFill>
+            <a:srgbClr val="8A7D62">
+              <a:alpha val="9799"/>
+            </a:srgbClr>
+          </a:solidFill>
+        </p:spPr>
+        <p:txBody>
+          <a:bodyPr vert="horz" wrap="square" lIns="0" tIns="0" rIns="0" bIns="0" rtlCol="0" anchor="t">
+            <a:spAutoFit/>
+          </a:bodyPr>
+          <a:lstStyle>
+            <a:defPPr>
+              <a:defRPr lang="en-US"/>
+            </a:defPPr>
+            <a:lvl1pPr marL="0" algn="l" defTabSz="914400" rtl="0" eaLnBrk="1" latinLnBrk="0" hangingPunct="1">
+              <a:defRPr sz="1800" kern="1200">
+                <a:solidFill>
+                  <a:schemeClr val="tx1"/>
+                </a:solidFill>
+                <a:latin typeface="+mn-lt"/>
+                <a:ea typeface="+mn-ea"/>
+                <a:cs typeface="+mn-cs"/>
+              </a:defRPr>
+            </a:lvl1pPr>
+            <a:lvl2pPr marL="457200" algn="l" defTabSz="914400" rtl="0" eaLnBrk="1" latinLnBrk="0" hangingPunct="1">
+              <a:defRPr sz="1800" kern="1200">
+                <a:solidFill>
+                  <a:schemeClr val="tx1"/>
+                </a:solidFill>
+                <a:latin typeface="+mn-lt"/>
+                <a:ea typeface="+mn-ea"/>
+                <a:cs typeface="+mn-cs"/>
+              </a:defRPr>
+            </a:lvl2pPr>
+            <a:lvl3pPr marL="914400" algn="l" defTabSz="914400" rtl="0" eaLnBrk="1" latinLnBrk="0" hangingPunct="1">
+              <a:defRPr sz="1800" kern="1200">
+                <a:solidFill>
+                  <a:schemeClr val="tx1"/>
+                </a:solidFill>
+                <a:latin typeface="+mn-lt"/>
+                <a:ea typeface="+mn-ea"/>
+                <a:cs typeface="+mn-cs"/>
+              </a:defRPr>
+            </a:lvl3pPr>
+            <a:lvl4pPr marL="1371600" algn="l" defTabSz="914400" rtl="0" eaLnBrk="1" latinLnBrk="0" hangingPunct="1">
+              <a:defRPr sz="1800" kern="1200">
+                <a:solidFill>
+                  <a:schemeClr val="tx1"/>
+                </a:solidFill>
+                <a:latin typeface="+mn-lt"/>
+                <a:ea typeface="+mn-ea"/>
+                <a:cs typeface="+mn-cs"/>
+              </a:defRPr>
+            </a:lvl4pPr>
+            <a:lvl5pPr marL="1828800" algn="l" defTabSz="914400" rtl="0" eaLnBrk="1" latinLnBrk="0" hangingPunct="1">
+              <a:defRPr sz="1800" kern="1200">
+                <a:solidFill>
+                  <a:schemeClr val="tx1"/>
+                </a:solidFill>
+                <a:latin typeface="+mn-lt"/>
+                <a:ea typeface="+mn-ea"/>
+                <a:cs typeface="+mn-cs"/>
+              </a:defRPr>
+            </a:lvl5pPr>
+            <a:lvl6pPr marL="2286000" algn="l" defTabSz="914400" rtl="0" eaLnBrk="1" latinLnBrk="0" hangingPunct="1">
+              <a:defRPr sz="1800" kern="1200">
+                <a:solidFill>
+                  <a:schemeClr val="tx1"/>
+                </a:solidFill>
+                <a:latin typeface="+mn-lt"/>
+                <a:ea typeface="+mn-ea"/>
+                <a:cs typeface="+mn-cs"/>
+              </a:defRPr>
+            </a:lvl6pPr>
+            <a:lvl7pPr marL="2743200" algn="l" defTabSz="914400" rtl="0" eaLnBrk="1" latinLnBrk="0" hangingPunct="1">
+              <a:defRPr sz="1800" kern="1200">
+                <a:solidFill>
+                  <a:schemeClr val="tx1"/>
+                </a:solidFill>
+                <a:latin typeface="+mn-lt"/>
+                <a:ea typeface="+mn-ea"/>
+                <a:cs typeface="+mn-cs"/>
+              </a:defRPr>
+            </a:lvl7pPr>
+            <a:lvl8pPr marL="3200400" algn="l" defTabSz="914400" rtl="0" eaLnBrk="1" latinLnBrk="0" hangingPunct="1">
+              <a:defRPr sz="1800" kern="1200">
+                <a:solidFill>
+                  <a:schemeClr val="tx1"/>
+                </a:solidFill>
+                <a:latin typeface="+mn-lt"/>
+                <a:ea typeface="+mn-ea"/>
+                <a:cs typeface="+mn-cs"/>
+              </a:defRPr>
+            </a:lvl8pPr>
+            <a:lvl9pPr marL="3657600" algn="l" defTabSz="914400" rtl="0" eaLnBrk="1" latinLnBrk="0" hangingPunct="1">
+              <a:defRPr sz="1800" kern="1200">
+                <a:solidFill>
+                  <a:schemeClr val="tx1"/>
+                </a:solidFill>
+                <a:latin typeface="+mn-lt"/>
+                <a:ea typeface="+mn-ea"/>
+                <a:cs typeface="+mn-cs"/>
+              </a:defRPr>
+            </a:lvl9pPr>
+          </a:lstStyle>
+          <a:p>
+            <a:endParaRPr lang="en-US" sz="2600" dirty="0">
+              <a:latin typeface="Times New Roman"/>
+              <a:ea typeface="+mn-lt"/>
+              <a:cs typeface="Times New Roman"/>
+            </a:endParaRPr>
+          </a:p>
+          <a:p>
+            <a:pPr>
+              <a:spcBef>
+                <a:spcPts val="40"/>
+              </a:spcBef>
+            </a:pPr>
+            <a:endParaRPr lang="en-US" sz="2100" dirty="0">
+              <a:latin typeface="Gill Sans MT"/>
+              <a:ea typeface="+mn-lt"/>
+              <a:cs typeface="+mn-lt"/>
+            </a:endParaRPr>
+          </a:p>
+          <a:p>
+            <a:pPr marL="327660" marR="580390">
+              <a:lnSpc>
+                <a:spcPct val="129600"/>
+              </a:lnSpc>
+            </a:pPr>
+            <a:r>
+              <a:rPr lang="en-US" sz="2600" spc="85" dirty="0">
+                <a:solidFill>
+                  <a:srgbClr val="D9DEDA"/>
+                </a:solidFill>
+                <a:latin typeface="Lucida Sans Unicode"/>
+                <a:ea typeface="+mn-lt"/>
+                <a:cs typeface="Lucida Sans Unicode"/>
+              </a:rPr>
+              <a:t>It</a:t>
+            </a:r>
+            <a:r>
+              <a:rPr lang="en-US" sz="2600" spc="-20" dirty="0">
+                <a:solidFill>
+                  <a:srgbClr val="D9DEDA"/>
+                </a:solidFill>
+                <a:latin typeface="Lucida Sans Unicode"/>
+                <a:ea typeface="+mn-lt"/>
+                <a:cs typeface="Lucida Sans Unicode"/>
+              </a:rPr>
+              <a:t> </a:t>
+            </a:r>
+            <a:r>
+              <a:rPr lang="en-US" sz="2600" spc="-40" dirty="0">
+                <a:solidFill>
+                  <a:srgbClr val="D9DEDA"/>
+                </a:solidFill>
+                <a:latin typeface="Lucida Sans Unicode"/>
+                <a:ea typeface="+mn-lt"/>
+                <a:cs typeface="Lucida Sans Unicode"/>
+              </a:rPr>
+              <a:t>is</a:t>
+            </a:r>
+            <a:r>
+              <a:rPr lang="en-US" sz="2600" spc="-20" dirty="0">
+                <a:solidFill>
+                  <a:srgbClr val="D9DEDA"/>
+                </a:solidFill>
+                <a:latin typeface="Lucida Sans Unicode"/>
+                <a:ea typeface="+mn-lt"/>
+                <a:cs typeface="Lucida Sans Unicode"/>
+              </a:rPr>
+              <a:t> </a:t>
+            </a:r>
+            <a:r>
+              <a:rPr lang="en-US" sz="2600" spc="150" dirty="0">
+                <a:solidFill>
+                  <a:srgbClr val="D9DEDA"/>
+                </a:solidFill>
+                <a:latin typeface="Lucida Sans Unicode"/>
+                <a:ea typeface="+mn-lt"/>
+                <a:cs typeface="Lucida Sans Unicode"/>
+              </a:rPr>
+              <a:t>a</a:t>
+            </a:r>
+            <a:r>
+              <a:rPr lang="en-US" sz="2600" spc="-20" dirty="0">
+                <a:solidFill>
+                  <a:srgbClr val="D9DEDA"/>
+                </a:solidFill>
+                <a:latin typeface="Lucida Sans Unicode"/>
+                <a:ea typeface="+mn-lt"/>
+                <a:cs typeface="Lucida Sans Unicode"/>
+              </a:rPr>
+              <a:t> </a:t>
+            </a:r>
+            <a:r>
+              <a:rPr lang="en-US" sz="2600" spc="75" dirty="0">
+                <a:solidFill>
+                  <a:srgbClr val="D9DEDA"/>
+                </a:solidFill>
+                <a:latin typeface="Lucida Sans Unicode"/>
+                <a:ea typeface="+mn-lt"/>
+                <a:cs typeface="Lucida Sans Unicode"/>
+              </a:rPr>
+              <a:t>set</a:t>
+            </a:r>
+            <a:r>
+              <a:rPr lang="en-US" sz="2600" spc="-20" dirty="0">
+                <a:solidFill>
+                  <a:srgbClr val="D9DEDA"/>
+                </a:solidFill>
+                <a:latin typeface="Lucida Sans Unicode"/>
+                <a:ea typeface="+mn-lt"/>
+                <a:cs typeface="Lucida Sans Unicode"/>
+              </a:rPr>
+              <a:t> </a:t>
+            </a:r>
+            <a:r>
+              <a:rPr lang="en-US" sz="2600" spc="30" dirty="0">
+                <a:solidFill>
+                  <a:srgbClr val="D9DEDA"/>
+                </a:solidFill>
+                <a:latin typeface="Lucida Sans Unicode"/>
+                <a:ea typeface="+mn-lt"/>
+                <a:cs typeface="Lucida Sans Unicode"/>
+              </a:rPr>
+              <a:t>of</a:t>
+            </a:r>
+            <a:r>
+              <a:rPr lang="en-US" sz="2600" spc="-15" dirty="0">
+                <a:solidFill>
+                  <a:srgbClr val="D9DEDA"/>
+                </a:solidFill>
+                <a:latin typeface="Lucida Sans Unicode"/>
+                <a:ea typeface="+mn-lt"/>
+                <a:cs typeface="Lucida Sans Unicode"/>
+              </a:rPr>
+              <a:t> </a:t>
+            </a:r>
+            <a:r>
+              <a:rPr lang="en-US" sz="2600" spc="155" dirty="0">
+                <a:solidFill>
+                  <a:srgbClr val="D9DEDA"/>
+                </a:solidFill>
+                <a:latin typeface="Lucida Sans Unicode"/>
+                <a:ea typeface="+mn-lt"/>
+                <a:cs typeface="Lucida Sans Unicode"/>
+              </a:rPr>
+              <a:t>techniques</a:t>
+            </a:r>
+            <a:r>
+              <a:rPr lang="en-US" sz="2600" spc="-20" dirty="0">
+                <a:solidFill>
+                  <a:srgbClr val="D9DEDA"/>
+                </a:solidFill>
+                <a:latin typeface="Lucida Sans Unicode"/>
+                <a:ea typeface="+mn-lt"/>
+                <a:cs typeface="Lucida Sans Unicode"/>
+              </a:rPr>
+              <a:t> </a:t>
+            </a:r>
+            <a:r>
+              <a:rPr lang="en-US" sz="2600" spc="204" dirty="0">
+                <a:solidFill>
+                  <a:srgbClr val="D9DEDA"/>
+                </a:solidFill>
+                <a:latin typeface="Lucida Sans Unicode"/>
+                <a:ea typeface="+mn-lt"/>
+                <a:cs typeface="Lucida Sans Unicode"/>
+              </a:rPr>
+              <a:t>and</a:t>
+            </a:r>
+            <a:r>
+              <a:rPr lang="en-US" sz="2600" spc="-20" dirty="0">
+                <a:solidFill>
+                  <a:srgbClr val="D9DEDA"/>
+                </a:solidFill>
+                <a:latin typeface="Lucida Sans Unicode"/>
+                <a:ea typeface="+mn-lt"/>
+                <a:cs typeface="Lucida Sans Unicode"/>
+              </a:rPr>
+              <a:t> </a:t>
+            </a:r>
+            <a:r>
+              <a:rPr lang="en-US" sz="2600" spc="65" dirty="0">
+                <a:solidFill>
+                  <a:srgbClr val="D9DEDA"/>
+                </a:solidFill>
+                <a:latin typeface="Lucida Sans Unicode"/>
+                <a:ea typeface="+mn-lt"/>
+                <a:cs typeface="Lucida Sans Unicode"/>
+              </a:rPr>
+              <a:t>tools</a:t>
+            </a:r>
+            <a:r>
+              <a:rPr lang="en-US" sz="2600" spc="-20" dirty="0">
+                <a:solidFill>
+                  <a:srgbClr val="D9DEDA"/>
+                </a:solidFill>
+                <a:latin typeface="Lucida Sans Unicode"/>
+                <a:ea typeface="+mn-lt"/>
+                <a:cs typeface="Lucida Sans Unicode"/>
+              </a:rPr>
+              <a:t> </a:t>
+            </a:r>
+            <a:r>
+              <a:rPr lang="en-US" sz="2600" spc="15" dirty="0">
+                <a:solidFill>
+                  <a:srgbClr val="D9DEDA"/>
+                </a:solidFill>
+                <a:latin typeface="Lucida Sans Unicode"/>
+                <a:ea typeface="+mn-lt"/>
+                <a:cs typeface="Lucida Sans Unicode"/>
+              </a:rPr>
+              <a:t>for  </a:t>
+            </a:r>
+            <a:r>
+              <a:rPr lang="en-US" sz="2600" spc="90" dirty="0">
+                <a:solidFill>
+                  <a:srgbClr val="D9DEDA"/>
+                </a:solidFill>
+                <a:latin typeface="Lucida Sans Unicode"/>
+                <a:ea typeface="+mn-lt"/>
+                <a:cs typeface="Lucida Sans Unicode"/>
+              </a:rPr>
+              <a:t>process</a:t>
+            </a:r>
+            <a:r>
+              <a:rPr lang="en-US" sz="2600" spc="-20" dirty="0">
+                <a:solidFill>
+                  <a:srgbClr val="D9DEDA"/>
+                </a:solidFill>
+                <a:latin typeface="Lucida Sans Unicode"/>
+                <a:ea typeface="+mn-lt"/>
+                <a:cs typeface="Lucida Sans Unicode"/>
+              </a:rPr>
+              <a:t> </a:t>
+            </a:r>
+            <a:r>
+              <a:rPr lang="en-US" sz="2600" spc="180" dirty="0">
+                <a:solidFill>
+                  <a:srgbClr val="D9DEDA"/>
+                </a:solidFill>
+                <a:latin typeface="Lucida Sans Unicode"/>
+                <a:ea typeface="+mn-lt"/>
+                <a:cs typeface="Lucida Sans Unicode"/>
+              </a:rPr>
+              <a:t>improvement</a:t>
+            </a:r>
+            <a:r>
+              <a:rPr lang="en-US" sz="2100" spc="180" dirty="0">
+                <a:solidFill>
+                  <a:srgbClr val="D9DEDA"/>
+                </a:solidFill>
+                <a:latin typeface="Gill Sans MT"/>
+                <a:ea typeface="+mn-lt"/>
+                <a:cs typeface="+mn-lt"/>
+              </a:rPr>
+              <a:t>.</a:t>
+            </a:r>
+          </a:p>
+          <a:p>
+            <a:pPr marL="327660" marR="580390">
+              <a:lnSpc>
+                <a:spcPct val="129600"/>
+              </a:lnSpc>
+            </a:pPr>
+            <a:endParaRPr lang="en-US" sz="2100" spc="180" dirty="0">
+              <a:solidFill>
+                <a:srgbClr val="D9DEDA"/>
+              </a:solidFill>
+              <a:latin typeface="Gill Sans MT"/>
+              <a:ea typeface="+mn-lt"/>
+              <a:cs typeface="+mn-lt"/>
+            </a:endParaRPr>
+          </a:p>
+          <a:p>
+            <a:pPr marL="327660" marR="580390">
+              <a:lnSpc>
+                <a:spcPct val="129600"/>
+              </a:lnSpc>
+            </a:pPr>
+            <a:endParaRPr lang="en-US" sz="2100" spc="180" dirty="0">
+              <a:solidFill>
+                <a:srgbClr val="D9DEDA"/>
+              </a:solidFill>
+              <a:latin typeface="Gill Sans MT"/>
+              <a:ea typeface="+mn-lt"/>
+              <a:cs typeface="+mn-lt"/>
             </a:endParaRPr>
           </a:p>
         </p:txBody>
@@ -3849,12 +4412,256 @@
   <p:clrMapOvr>
     <a:masterClrMapping/>
   </p:clrMapOvr>
+  <p:transition spd="slow">
+    <p:push dir="u"/>
+  </p:transition>
   <p:timing>
     <p:tnLst>
       <p:par>
-        <p:cTn id="1" dur="indefinite" restart="never" nodeType="tmRoot"/>
+        <p:cTn id="1" dur="indefinite" restart="never" nodeType="tmRoot">
+          <p:childTnLst>
+            <p:seq concurrent="1" nextAc="seek">
+              <p:cTn id="2" dur="indefinite" nodeType="mainSeq">
+                <p:childTnLst>
+                  <p:par>
+                    <p:cTn id="3" fill="hold">
+                      <p:stCondLst>
+                        <p:cond delay="indefinite"/>
+                      </p:stCondLst>
+                      <p:childTnLst>
+                        <p:par>
+                          <p:cTn id="4" fill="hold">
+                            <p:stCondLst>
+                              <p:cond delay="0"/>
+                            </p:stCondLst>
+                            <p:childTnLst>
+                              <p:par>
+                                <p:cTn id="5" presetID="10" presetClass="entr" presetSubtype="0" fill="hold" grpId="0" nodeType="clickEffect">
+                                  <p:stCondLst>
+                                    <p:cond delay="0"/>
+                                  </p:stCondLst>
+                                  <p:childTnLst>
+                                    <p:set>
+                                      <p:cBhvr>
+                                        <p:cTn id="6" dur="1" fill="hold">
+                                          <p:stCondLst>
+                                            <p:cond delay="0"/>
+                                          </p:stCondLst>
+                                        </p:cTn>
+                                        <p:tgtEl>
+                                          <p:spTgt spid="15"/>
+                                        </p:tgtEl>
+                                        <p:attrNameLst>
+                                          <p:attrName>style.visibility</p:attrName>
+                                        </p:attrNameLst>
+                                      </p:cBhvr>
+                                      <p:to>
+                                        <p:strVal val="visible"/>
+                                      </p:to>
+                                    </p:set>
+                                    <p:animEffect transition="in" filter="fade">
+                                      <p:cBhvr>
+                                        <p:cTn id="7" dur="500"/>
+                                        <p:tgtEl>
+                                          <p:spTgt spid="15"/>
+                                        </p:tgtEl>
+                                      </p:cBhvr>
+                                    </p:animEffect>
+                                  </p:childTnLst>
+                                </p:cTn>
+                              </p:par>
+                            </p:childTnLst>
+                          </p:cTn>
+                        </p:par>
+                      </p:childTnLst>
+                    </p:cTn>
+                  </p:par>
+                  <p:par>
+                    <p:cTn id="8" fill="hold">
+                      <p:stCondLst>
+                        <p:cond delay="indefinite"/>
+                      </p:stCondLst>
+                      <p:childTnLst>
+                        <p:par>
+                          <p:cTn id="9" fill="hold">
+                            <p:stCondLst>
+                              <p:cond delay="0"/>
+                            </p:stCondLst>
+                            <p:childTnLst>
+                              <p:par>
+                                <p:cTn id="10" presetID="10" presetClass="entr" presetSubtype="0" fill="hold" grpId="0" nodeType="clickEffect">
+                                  <p:stCondLst>
+                                    <p:cond delay="0"/>
+                                  </p:stCondLst>
+                                  <p:childTnLst>
+                                    <p:set>
+                                      <p:cBhvr>
+                                        <p:cTn id="11" dur="1" fill="hold">
+                                          <p:stCondLst>
+                                            <p:cond delay="0"/>
+                                          </p:stCondLst>
+                                        </p:cTn>
+                                        <p:tgtEl>
+                                          <p:spTgt spid="14"/>
+                                        </p:tgtEl>
+                                        <p:attrNameLst>
+                                          <p:attrName>style.visibility</p:attrName>
+                                        </p:attrNameLst>
+                                      </p:cBhvr>
+                                      <p:to>
+                                        <p:strVal val="visible"/>
+                                      </p:to>
+                                    </p:set>
+                                    <p:animEffect transition="in" filter="fade">
+                                      <p:cBhvr>
+                                        <p:cTn id="12" dur="500"/>
+                                        <p:tgtEl>
+                                          <p:spTgt spid="14"/>
+                                        </p:tgtEl>
+                                      </p:cBhvr>
+                                    </p:animEffect>
+                                  </p:childTnLst>
+                                </p:cTn>
+                              </p:par>
+                            </p:childTnLst>
+                          </p:cTn>
+                        </p:par>
+                      </p:childTnLst>
+                    </p:cTn>
+                  </p:par>
+                  <p:par>
+                    <p:cTn id="13" fill="hold">
+                      <p:stCondLst>
+                        <p:cond delay="indefinite"/>
+                      </p:stCondLst>
+                      <p:childTnLst>
+                        <p:par>
+                          <p:cTn id="14" fill="hold">
+                            <p:stCondLst>
+                              <p:cond delay="0"/>
+                            </p:stCondLst>
+                            <p:childTnLst>
+                              <p:par>
+                                <p:cTn id="15" presetID="10" presetClass="entr" presetSubtype="0" fill="hold" grpId="0" nodeType="clickEffect">
+                                  <p:stCondLst>
+                                    <p:cond delay="0"/>
+                                  </p:stCondLst>
+                                  <p:childTnLst>
+                                    <p:set>
+                                      <p:cBhvr>
+                                        <p:cTn id="16" dur="1" fill="hold">
+                                          <p:stCondLst>
+                                            <p:cond delay="0"/>
+                                          </p:stCondLst>
+                                        </p:cTn>
+                                        <p:tgtEl>
+                                          <p:spTgt spid="12"/>
+                                        </p:tgtEl>
+                                        <p:attrNameLst>
+                                          <p:attrName>style.visibility</p:attrName>
+                                        </p:attrNameLst>
+                                      </p:cBhvr>
+                                      <p:to>
+                                        <p:strVal val="visible"/>
+                                      </p:to>
+                                    </p:set>
+                                    <p:animEffect transition="in" filter="fade">
+                                      <p:cBhvr>
+                                        <p:cTn id="17" dur="500"/>
+                                        <p:tgtEl>
+                                          <p:spTgt spid="12"/>
+                                        </p:tgtEl>
+                                      </p:cBhvr>
+                                    </p:animEffect>
+                                  </p:childTnLst>
+                                </p:cTn>
+                              </p:par>
+                            </p:childTnLst>
+                          </p:cTn>
+                        </p:par>
+                      </p:childTnLst>
+                    </p:cTn>
+                  </p:par>
+                  <p:par>
+                    <p:cTn id="18" fill="hold">
+                      <p:stCondLst>
+                        <p:cond delay="indefinite"/>
+                      </p:stCondLst>
+                      <p:childTnLst>
+                        <p:par>
+                          <p:cTn id="19" fill="hold">
+                            <p:stCondLst>
+                              <p:cond delay="0"/>
+                            </p:stCondLst>
+                            <p:childTnLst>
+                              <p:par>
+                                <p:cTn id="20" presetID="10" presetClass="entr" presetSubtype="0" fill="hold" grpId="0" nodeType="clickEffect">
+                                  <p:stCondLst>
+                                    <p:cond delay="0"/>
+                                  </p:stCondLst>
+                                  <p:childTnLst>
+                                    <p:set>
+                                      <p:cBhvr>
+                                        <p:cTn id="21" dur="1" fill="hold">
+                                          <p:stCondLst>
+                                            <p:cond delay="0"/>
+                                          </p:stCondLst>
+                                        </p:cTn>
+                                        <p:tgtEl>
+                                          <p:spTgt spid="13"/>
+                                        </p:tgtEl>
+                                        <p:attrNameLst>
+                                          <p:attrName>style.visibility</p:attrName>
+                                        </p:attrNameLst>
+                                      </p:cBhvr>
+                                      <p:to>
+                                        <p:strVal val="visible"/>
+                                      </p:to>
+                                    </p:set>
+                                    <p:animEffect transition="in" filter="fade">
+                                      <p:cBhvr>
+                                        <p:cTn id="22" dur="500"/>
+                                        <p:tgtEl>
+                                          <p:spTgt spid="13"/>
+                                        </p:tgtEl>
+                                      </p:cBhvr>
+                                    </p:animEffect>
+                                  </p:childTnLst>
+                                </p:cTn>
+                              </p:par>
+                            </p:childTnLst>
+                          </p:cTn>
+                        </p:par>
+                      </p:childTnLst>
+                    </p:cTn>
+                  </p:par>
+                </p:childTnLst>
+              </p:cTn>
+              <p:prevCondLst>
+                <p:cond evt="onPrev" delay="0">
+                  <p:tgtEl>
+                    <p:sldTgt/>
+                  </p:tgtEl>
+                </p:cond>
+              </p:prevCondLst>
+              <p:nextCondLst>
+                <p:cond evt="onNext" delay="0">
+                  <p:tgtEl>
+                    <p:sldTgt/>
+                  </p:tgtEl>
+                </p:cond>
+              </p:nextCondLst>
+            </p:seq>
+          </p:childTnLst>
+        </p:cTn>
       </p:par>
     </p:tnLst>
+    <p:bldLst>
+      <p:bldP spid="12" grpId="0" animBg="1"/>
+      <p:bldP spid="13" grpId="0" animBg="1"/>
+      <p:bldP spid="14" grpId="0" animBg="1"/>
+      <p:bldP spid="15" grpId="0" animBg="1"/>
+    </p:bldLst>
   </p:timing>
 </p:sld>
 </file>
@@ -3894,9 +4701,12 @@
           <a:prstGeom prst="rect">
             <a:avLst/>
           </a:prstGeom>
+          <a:ln>
+            <a:noFill/>
+          </a:ln>
         </p:spPr>
         <p:txBody>
-          <a:bodyPr vert="horz" wrap="square" lIns="0" tIns="11430" rIns="0" bIns="0" rtlCol="0">
+          <a:bodyPr vert="horz" wrap="square" lIns="0" tIns="11430" rIns="0" bIns="0" rtlCol="0" anchor="t">
             <a:spAutoFit/>
           </a:bodyPr>
           <a:lstStyle/>
@@ -3910,17 +4720,14 @@
               </a:spcBef>
             </a:pPr>
             <a:r>
-              <a:rPr sz="8000" b="1" spc="229" dirty="0"/>
-              <a:t>SIX</a:t>
-            </a:r>
-            <a:r>
-              <a:rPr sz="8000" b="1" spc="235" dirty="0"/>
-              <a:t> </a:t>
-            </a:r>
-            <a:r>
-              <a:rPr sz="8000" b="1" spc="605" dirty="0"/>
-              <a:t>SIGMA</a:t>
-            </a:r>
+              <a:rPr lang="en-GB" sz="8000" b="1" spc="235"/>
+              <a:t>6 S</a:t>
+            </a:r>
+            <a:r>
+              <a:rPr lang="en-GB" sz="8000" b="1" spc="605"/>
+              <a:t>igma</a:t>
+            </a:r>
+            <a:endParaRPr lang="en-US"/>
           </a:p>
           <a:p>
             <a:pPr algn="ctr">
@@ -3929,9 +4736,25 @@
               </a:lnSpc>
             </a:pPr>
             <a:r>
-              <a:rPr sz="8000" b="1" spc="780" dirty="0"/>
-              <a:t>METHODOLOGIES</a:t>
-            </a:r>
+              <a:rPr lang="en-GB" sz="8000" b="1" spc="780">
+                <a:solidFill>
+                  <a:schemeClr val="tx2">
+                    <a:lumMod val="20000"/>
+                    <a:lumOff val="80000"/>
+                  </a:schemeClr>
+                </a:solidFill>
+              </a:rPr>
+              <a:t>Methodologies</a:t>
+            </a:r>
+            <a:endParaRPr sz="8000" b="1" spc="780">
+              <a:solidFill>
+                <a:schemeClr val="tx2">
+                  <a:lumMod val="20000"/>
+                  <a:lumOff val="80000"/>
+                </a:schemeClr>
+              </a:solidFill>
+              <a:ea typeface="Verdana"/>
+            </a:endParaRPr>
           </a:p>
         </p:txBody>
       </p:sp>
@@ -3993,7 +4816,7 @@
         </p:nvSpPr>
         <p:spPr>
           <a:xfrm>
-            <a:off x="2668866" y="4701635"/>
+            <a:off x="2668866" y="5375712"/>
             <a:ext cx="2665134" cy="429259"/>
           </a:xfrm>
           <a:prstGeom prst="rect">
@@ -4015,7 +4838,7 @@
               </a:spcBef>
             </a:pPr>
             <a:r>
-              <a:rPr sz="2650" b="1" spc="975" dirty="0">
+              <a:rPr sz="2650" b="1" spc="975">
                 <a:solidFill>
                   <a:srgbClr val="8A7D62"/>
                 </a:solidFill>
@@ -4025,17 +4848,17 @@
               <a:t>D</a:t>
             </a:r>
             <a:r>
-              <a:rPr sz="2650" b="1" spc="-355" dirty="0">
-                <a:solidFill>
-                  <a:srgbClr val="8A7D62"/>
-                </a:solidFill>
-                <a:latin typeface="Arial"/>
-                <a:cs typeface="Arial"/>
-              </a:rPr>
-              <a:t> </a:t>
-            </a:r>
-            <a:r>
-              <a:rPr sz="2650" b="1" spc="1240" dirty="0">
+              <a:rPr sz="2650" b="1" spc="-355">
+                <a:solidFill>
+                  <a:srgbClr val="8A7D62"/>
+                </a:solidFill>
+                <a:latin typeface="Arial"/>
+                <a:cs typeface="Arial"/>
+              </a:rPr>
+              <a:t> </a:t>
+            </a:r>
+            <a:r>
+              <a:rPr sz="2650" b="1" spc="1240">
                 <a:solidFill>
                   <a:srgbClr val="8A7D62"/>
                 </a:solidFill>
@@ -4045,17 +4868,17 @@
               <a:t>M</a:t>
             </a:r>
             <a:r>
-              <a:rPr sz="2650" b="1" spc="-350" dirty="0">
-                <a:solidFill>
-                  <a:srgbClr val="8A7D62"/>
-                </a:solidFill>
-                <a:latin typeface="Arial"/>
-                <a:cs typeface="Arial"/>
-              </a:rPr>
-              <a:t> </a:t>
-            </a:r>
-            <a:r>
-              <a:rPr sz="2650" b="1" spc="985" dirty="0">
+              <a:rPr sz="2650" b="1" spc="-350">
+                <a:solidFill>
+                  <a:srgbClr val="8A7D62"/>
+                </a:solidFill>
+                <a:latin typeface="Arial"/>
+                <a:cs typeface="Arial"/>
+              </a:rPr>
+              <a:t> </a:t>
+            </a:r>
+            <a:r>
+              <a:rPr sz="2650" b="1" spc="985">
                 <a:solidFill>
                   <a:srgbClr val="8A7D62"/>
                 </a:solidFill>
@@ -4065,17 +4888,17 @@
               <a:t>A</a:t>
             </a:r>
             <a:r>
-              <a:rPr sz="2650" b="1" spc="-350" dirty="0">
-                <a:solidFill>
-                  <a:srgbClr val="8A7D62"/>
-                </a:solidFill>
-                <a:latin typeface="Arial"/>
-                <a:cs typeface="Arial"/>
-              </a:rPr>
-              <a:t> </a:t>
-            </a:r>
-            <a:r>
-              <a:rPr sz="2650" b="1" spc="390" dirty="0">
+              <a:rPr sz="2650" b="1" spc="-350">
+                <a:solidFill>
+                  <a:srgbClr val="8A7D62"/>
+                </a:solidFill>
+                <a:latin typeface="Arial"/>
+                <a:cs typeface="Arial"/>
+              </a:rPr>
+              <a:t> </a:t>
+            </a:r>
+            <a:r>
+              <a:rPr sz="2650" b="1" spc="390">
                 <a:solidFill>
                   <a:srgbClr val="8A7D62"/>
                 </a:solidFill>
@@ -4085,17 +4908,17 @@
               <a:t>I</a:t>
             </a:r>
             <a:r>
-              <a:rPr sz="2650" b="1" spc="-355" dirty="0">
-                <a:solidFill>
-                  <a:srgbClr val="8A7D62"/>
-                </a:solidFill>
-                <a:latin typeface="Arial"/>
-                <a:cs typeface="Arial"/>
-              </a:rPr>
-              <a:t> </a:t>
-            </a:r>
-            <a:r>
-              <a:rPr sz="2650" b="1" spc="685" dirty="0">
+              <a:rPr sz="2650" b="1" spc="-355">
+                <a:solidFill>
+                  <a:srgbClr val="8A7D62"/>
+                </a:solidFill>
+                <a:latin typeface="Arial"/>
+                <a:cs typeface="Arial"/>
+              </a:rPr>
+              <a:t> </a:t>
+            </a:r>
+            <a:r>
+              <a:rPr sz="2650" b="1" spc="685">
                 <a:solidFill>
                   <a:srgbClr val="8A7D62"/>
                 </a:solidFill>
@@ -4104,7 +4927,7 @@
               </a:rPr>
               <a:t>C</a:t>
             </a:r>
-            <a:endParaRPr sz="2650" b="1" dirty="0">
+            <a:endParaRPr sz="2650" b="1">
               <a:latin typeface="Arial"/>
               <a:cs typeface="Arial"/>
             </a:endParaRPr>
@@ -4119,7 +4942,7 @@
         </p:nvSpPr>
         <p:spPr>
           <a:xfrm>
-            <a:off x="2668866" y="6921562"/>
+            <a:off x="2668866" y="6804330"/>
             <a:ext cx="2665134" cy="429259"/>
           </a:xfrm>
           <a:prstGeom prst="rect">
@@ -4141,7 +4964,7 @@
               </a:spcBef>
             </a:pPr>
             <a:r>
-              <a:rPr sz="2650" b="1" spc="975" dirty="0">
+              <a:rPr sz="2650" b="1" spc="975">
                 <a:solidFill>
                   <a:srgbClr val="8A7D62"/>
                 </a:solidFill>
@@ -4151,17 +4974,17 @@
               <a:t>D</a:t>
             </a:r>
             <a:r>
-              <a:rPr sz="2650" b="1" spc="-355" dirty="0">
-                <a:solidFill>
-                  <a:srgbClr val="8A7D62"/>
-                </a:solidFill>
-                <a:latin typeface="Arial"/>
-                <a:cs typeface="Arial"/>
-              </a:rPr>
-              <a:t> </a:t>
-            </a:r>
-            <a:r>
-              <a:rPr sz="2650" b="1" spc="1240" dirty="0">
+              <a:rPr sz="2650" b="1" spc="-355">
+                <a:solidFill>
+                  <a:srgbClr val="8A7D62"/>
+                </a:solidFill>
+                <a:latin typeface="Arial"/>
+                <a:cs typeface="Arial"/>
+              </a:rPr>
+              <a:t> </a:t>
+            </a:r>
+            <a:r>
+              <a:rPr sz="2650" b="1" spc="1240">
                 <a:solidFill>
                   <a:srgbClr val="8A7D62"/>
                 </a:solidFill>
@@ -4171,17 +4994,17 @@
               <a:t>M</a:t>
             </a:r>
             <a:r>
-              <a:rPr sz="2650" b="1" spc="-350" dirty="0">
-                <a:solidFill>
-                  <a:srgbClr val="8A7D62"/>
-                </a:solidFill>
-                <a:latin typeface="Arial"/>
-                <a:cs typeface="Arial"/>
-              </a:rPr>
-              <a:t> </a:t>
-            </a:r>
-            <a:r>
-              <a:rPr sz="2650" b="1" spc="985" dirty="0">
+              <a:rPr sz="2650" b="1" spc="-350">
+                <a:solidFill>
+                  <a:srgbClr val="8A7D62"/>
+                </a:solidFill>
+                <a:latin typeface="Arial"/>
+                <a:cs typeface="Arial"/>
+              </a:rPr>
+              <a:t> </a:t>
+            </a:r>
+            <a:r>
+              <a:rPr sz="2650" b="1" spc="985">
                 <a:solidFill>
                   <a:srgbClr val="8A7D62"/>
                 </a:solidFill>
@@ -4191,17 +5014,17 @@
               <a:t>A</a:t>
             </a:r>
             <a:r>
-              <a:rPr sz="2650" b="1" spc="-350" dirty="0">
-                <a:solidFill>
-                  <a:srgbClr val="8A7D62"/>
-                </a:solidFill>
-                <a:latin typeface="Arial"/>
-                <a:cs typeface="Arial"/>
-              </a:rPr>
-              <a:t> </a:t>
-            </a:r>
-            <a:r>
-              <a:rPr sz="2650" b="1" spc="975" dirty="0">
+              <a:rPr sz="2650" b="1" spc="-350">
+                <a:solidFill>
+                  <a:srgbClr val="8A7D62"/>
+                </a:solidFill>
+                <a:latin typeface="Arial"/>
+                <a:cs typeface="Arial"/>
+              </a:rPr>
+              <a:t> </a:t>
+            </a:r>
+            <a:r>
+              <a:rPr sz="2650" b="1" spc="975">
                 <a:solidFill>
                   <a:srgbClr val="8A7D62"/>
                 </a:solidFill>
@@ -4211,17 +5034,17 @@
               <a:t>D</a:t>
             </a:r>
             <a:r>
-              <a:rPr sz="2650" b="1" spc="-350" dirty="0">
-                <a:solidFill>
-                  <a:srgbClr val="8A7D62"/>
-                </a:solidFill>
-                <a:latin typeface="Arial"/>
-                <a:cs typeface="Arial"/>
-              </a:rPr>
-              <a:t> </a:t>
-            </a:r>
-            <a:r>
-              <a:rPr sz="2650" b="1" spc="805" dirty="0">
+              <a:rPr sz="2650" b="1" spc="-350">
+                <a:solidFill>
+                  <a:srgbClr val="8A7D62"/>
+                </a:solidFill>
+                <a:latin typeface="Arial"/>
+                <a:cs typeface="Arial"/>
+              </a:rPr>
+              <a:t> </a:t>
+            </a:r>
+            <a:r>
+              <a:rPr sz="2650" b="1" spc="805">
                 <a:solidFill>
                   <a:srgbClr val="8A7D62"/>
                 </a:solidFill>
@@ -4230,7 +5053,7 @@
               </a:rPr>
               <a:t>V</a:t>
             </a:r>
-            <a:endParaRPr sz="2650" b="1" dirty="0">
+            <a:endParaRPr sz="2650" b="1">
               <a:latin typeface="Arial"/>
               <a:cs typeface="Arial"/>
             </a:endParaRPr>
@@ -4245,15 +5068,15 @@
         </p:nvSpPr>
         <p:spPr>
           <a:xfrm>
-            <a:off x="6209490" y="4450595"/>
-            <a:ext cx="9952355" cy="1153160"/>
+            <a:off x="6209490" y="5241903"/>
+            <a:ext cx="9952355" cy="550087"/>
           </a:xfrm>
           <a:prstGeom prst="rect">
             <a:avLst/>
           </a:prstGeom>
         </p:spPr>
         <p:txBody>
-          <a:bodyPr vert="horz" wrap="square" lIns="0" tIns="12700" rIns="0" bIns="0" rtlCol="0">
+          <a:bodyPr vert="horz" wrap="square" lIns="0" tIns="12700" rIns="0" bIns="0" rtlCol="0" anchor="t">
             <a:spAutoFit/>
           </a:bodyPr>
           <a:lstStyle/>
@@ -4267,7 +5090,7 @@
               </a:spcBef>
             </a:pPr>
             <a:r>
-              <a:rPr sz="2850" spc="195" dirty="0">
+              <a:rPr sz="2850" spc="195">
                 <a:solidFill>
                   <a:srgbClr val="D9DEDA"/>
                 </a:solidFill>
@@ -4277,17 +5100,17 @@
               <a:t>Used</a:t>
             </a:r>
             <a:r>
-              <a:rPr sz="2850" spc="-15" dirty="0">
-                <a:solidFill>
-                  <a:srgbClr val="D9DEDA"/>
-                </a:solidFill>
-                <a:latin typeface="Lucida Sans Unicode"/>
-                <a:cs typeface="Lucida Sans Unicode"/>
-              </a:rPr>
-              <a:t> </a:t>
-            </a:r>
-            <a:r>
-              <a:rPr sz="2850" spc="20" dirty="0">
+              <a:rPr sz="2850" spc="-15">
+                <a:solidFill>
+                  <a:srgbClr val="D9DEDA"/>
+                </a:solidFill>
+                <a:latin typeface="Lucida Sans Unicode"/>
+                <a:cs typeface="Lucida Sans Unicode"/>
+              </a:rPr>
+              <a:t> </a:t>
+            </a:r>
+            <a:r>
+              <a:rPr sz="2850" spc="20">
                 <a:solidFill>
                   <a:srgbClr val="D9DEDA"/>
                 </a:solidFill>
@@ -4297,97 +5120,47 @@
               <a:t>for</a:t>
             </a:r>
             <a:r>
-              <a:rPr sz="2850" spc="-15" dirty="0">
-                <a:solidFill>
-                  <a:srgbClr val="D9DEDA"/>
-                </a:solidFill>
-                <a:latin typeface="Lucida Sans Unicode"/>
-                <a:cs typeface="Lucida Sans Unicode"/>
-              </a:rPr>
-              <a:t> </a:t>
-            </a:r>
-            <a:r>
-              <a:rPr sz="2850" spc="70" dirty="0">
-                <a:solidFill>
-                  <a:srgbClr val="D9DEDA"/>
-                </a:solidFill>
-                <a:latin typeface="Lucida Sans Unicode"/>
+              <a:rPr sz="2850" spc="-15">
+                <a:solidFill>
+                  <a:srgbClr val="D9DEDA"/>
+                </a:solidFill>
+                <a:latin typeface="Lucida Sans Unicode"/>
+                <a:cs typeface="Lucida Sans Unicode"/>
+              </a:rPr>
+              <a:t> </a:t>
+            </a:r>
+            <a:r>
+              <a:rPr sz="2850" spc="70">
+                <a:solidFill>
+                  <a:srgbClr val="D9DEDA"/>
+                </a:solidFill>
+                <a:latin typeface="Aharoni"/>
                 <a:cs typeface="Lucida Sans Unicode"/>
               </a:rPr>
               <a:t>existing</a:t>
             </a:r>
             <a:r>
-              <a:rPr sz="2850" spc="-10" dirty="0">
-                <a:solidFill>
-                  <a:srgbClr val="D9DEDA"/>
-                </a:solidFill>
-                <a:latin typeface="Lucida Sans Unicode"/>
-                <a:cs typeface="Lucida Sans Unicode"/>
-              </a:rPr>
-              <a:t> </a:t>
-            </a:r>
-            <a:r>
-              <a:rPr sz="2850" spc="180" dirty="0">
-                <a:solidFill>
-                  <a:srgbClr val="D9DEDA"/>
-                </a:solidFill>
-                <a:latin typeface="Lucida Sans Unicode"/>
-                <a:cs typeface="Lucida Sans Unicode"/>
-              </a:rPr>
-              <a:t>product</a:t>
-            </a:r>
-            <a:r>
-              <a:rPr sz="2850" spc="-15" dirty="0">
-                <a:solidFill>
-                  <a:srgbClr val="D9DEDA"/>
-                </a:solidFill>
-                <a:latin typeface="Lucida Sans Unicode"/>
-                <a:cs typeface="Lucida Sans Unicode"/>
-              </a:rPr>
-              <a:t> </a:t>
-            </a:r>
-            <a:r>
-              <a:rPr sz="2850" spc="50" dirty="0">
-                <a:solidFill>
-                  <a:srgbClr val="D9DEDA"/>
-                </a:solidFill>
-                <a:latin typeface="Lucida Sans Unicode"/>
-                <a:cs typeface="Lucida Sans Unicode"/>
-              </a:rPr>
-              <a:t>or</a:t>
-            </a:r>
-            <a:r>
-              <a:rPr sz="2850" spc="-10" dirty="0">
-                <a:solidFill>
-                  <a:srgbClr val="D9DEDA"/>
-                </a:solidFill>
-                <a:latin typeface="Lucida Sans Unicode"/>
-                <a:cs typeface="Lucida Sans Unicode"/>
-              </a:rPr>
-              <a:t> </a:t>
-            </a:r>
-            <a:r>
-              <a:rPr sz="2850" spc="105" dirty="0">
-                <a:solidFill>
-                  <a:srgbClr val="D9DEDA"/>
-                </a:solidFill>
-                <a:latin typeface="Lucida Sans Unicode"/>
-                <a:cs typeface="Lucida Sans Unicode"/>
-              </a:rPr>
-              <a:t>process</a:t>
-            </a:r>
-            <a:r>
-              <a:rPr sz="2850" spc="-15" dirty="0">
-                <a:solidFill>
-                  <a:srgbClr val="D9DEDA"/>
-                </a:solidFill>
-                <a:latin typeface="Lucida Sans Unicode"/>
-                <a:cs typeface="Lucida Sans Unicode"/>
-              </a:rPr>
-              <a:t> </a:t>
-            </a:r>
-            <a:r>
-              <a:rPr sz="2850" spc="175" dirty="0">
+              <a:rPr sz="2850" spc="-10">
+                <a:solidFill>
+                  <a:srgbClr val="D9DEDA"/>
+                </a:solidFill>
+                <a:latin typeface="Aharoni"/>
+                <a:cs typeface="Lucida Sans Unicode"/>
+              </a:rPr>
+              <a:t> </a:t>
+            </a:r>
+            <a:r>
+              <a:rPr lang="en-GB" sz="2850" spc="180">
+                <a:solidFill>
+                  <a:srgbClr val="D9DEDA"/>
+                </a:solidFill>
+                <a:latin typeface="Lucida Sans Unicode"/>
+                <a:cs typeface="Lucida Sans Unicode"/>
+              </a:rPr>
+              <a:t>product </a:t>
+            </a:r>
+            <a:r>
+              <a:rPr lang="en-GB" sz="2850" spc="175">
                 <a:solidFill>
                   <a:srgbClr val="D9DEDA"/>
                 </a:solidFill>
@@ -4397,17 +5170,17 @@
               <a:t>that</a:t>
             </a:r>
             <a:r>
-              <a:rPr sz="2850" spc="-10" dirty="0">
-                <a:solidFill>
-                  <a:srgbClr val="D9DEDA"/>
-                </a:solidFill>
-                <a:latin typeface="Lucida Sans Unicode"/>
-                <a:cs typeface="Lucida Sans Unicode"/>
-              </a:rPr>
-              <a:t> </a:t>
-            </a:r>
-            <a:r>
-              <a:rPr sz="2850" spc="90" dirty="0">
+              <a:rPr sz="2850" spc="-10">
+                <a:solidFill>
+                  <a:srgbClr val="D9DEDA"/>
+                </a:solidFill>
+                <a:latin typeface="Lucida Sans Unicode"/>
+                <a:cs typeface="Lucida Sans Unicode"/>
+              </a:rPr>
+              <a:t> </a:t>
+            </a:r>
+            <a:r>
+              <a:rPr sz="2850" spc="90">
                 <a:solidFill>
                   <a:srgbClr val="D9DEDA"/>
                 </a:solidFill>
@@ -4417,7 +5190,7 @@
               <a:t>isn</a:t>
             </a:r>
             <a:r>
-              <a:rPr sz="2300" spc="90" dirty="0">
+              <a:rPr sz="2300" spc="90">
                 <a:solidFill>
                   <a:srgbClr val="D9DEDA"/>
                 </a:solidFill>
@@ -4427,7 +5200,7 @@
               <a:t>'</a:t>
             </a:r>
             <a:r>
-              <a:rPr sz="2850" spc="90" dirty="0">
+              <a:rPr sz="2850" spc="90">
                 <a:solidFill>
                   <a:srgbClr val="D9DEDA"/>
                 </a:solidFill>
@@ -4437,47 +5210,37 @@
               <a:t>t</a:t>
             </a:r>
             <a:r>
-              <a:rPr sz="2850" spc="-15" dirty="0">
-                <a:solidFill>
-                  <a:srgbClr val="D9DEDA"/>
-                </a:solidFill>
-                <a:latin typeface="Lucida Sans Unicode"/>
-                <a:cs typeface="Lucida Sans Unicode"/>
-              </a:rPr>
-              <a:t> </a:t>
-            </a:r>
-            <a:r>
-              <a:rPr sz="2850" spc="105" dirty="0">
-                <a:solidFill>
-                  <a:srgbClr val="D9DEDA"/>
-                </a:solidFill>
-                <a:latin typeface="Lucida Sans Unicode"/>
-                <a:cs typeface="Lucida Sans Unicode"/>
-              </a:rPr>
-              <a:t>giving  </a:t>
-            </a:r>
-            <a:r>
-              <a:rPr sz="2850" spc="180" dirty="0">
-                <a:solidFill>
-                  <a:srgbClr val="D9DEDA"/>
-                </a:solidFill>
-                <a:latin typeface="Lucida Sans Unicode"/>
-                <a:cs typeface="Lucida Sans Unicode"/>
-              </a:rPr>
-              <a:t>expected</a:t>
-            </a:r>
-            <a:r>
-              <a:rPr sz="2850" spc="-20" dirty="0">
-                <a:solidFill>
-                  <a:srgbClr val="D9DEDA"/>
-                </a:solidFill>
-                <a:latin typeface="Lucida Sans Unicode"/>
-                <a:cs typeface="Lucida Sans Unicode"/>
-              </a:rPr>
-              <a:t> </a:t>
-            </a:r>
-            <a:r>
-              <a:rPr sz="2850" spc="70" dirty="0">
+              <a:rPr sz="2850" spc="-15">
+                <a:solidFill>
+                  <a:srgbClr val="D9DEDA"/>
+                </a:solidFill>
+                <a:latin typeface="Lucida Sans Unicode"/>
+                <a:cs typeface="Lucida Sans Unicode"/>
+              </a:rPr>
+              <a:t> </a:t>
+            </a:r>
+            <a:r>
+              <a:rPr sz="2850" spc="105">
+                <a:solidFill>
+                  <a:srgbClr val="D9DEDA"/>
+                </a:solidFill>
+                <a:latin typeface="Lucida Sans Unicode"/>
+                <a:cs typeface="Lucida Sans Unicode"/>
+              </a:rPr>
+              <a:t>giving</a:t>
+            </a:r>
+            <a:r>
+              <a:rPr sz="2850" spc="-20">
+                <a:solidFill>
+                  <a:srgbClr val="D9DEDA"/>
+                </a:solidFill>
+                <a:latin typeface="Lucida Sans Unicode"/>
+                <a:cs typeface="Lucida Sans Unicode"/>
+              </a:rPr>
+              <a:t> </a:t>
+            </a:r>
+            <a:r>
+              <a:rPr sz="2850" spc="70">
                 <a:solidFill>
                   <a:srgbClr val="D9DEDA"/>
                 </a:solidFill>
@@ -4487,7 +5250,7 @@
               <a:t>results</a:t>
             </a:r>
             <a:r>
-              <a:rPr sz="2300" spc="70" dirty="0">
+              <a:rPr sz="2300" spc="70">
                 <a:solidFill>
                   <a:srgbClr val="D9DEDA"/>
                 </a:solidFill>
@@ -4511,7 +5274,7 @@
         </p:nvSpPr>
         <p:spPr>
           <a:xfrm>
-            <a:off x="6209490" y="6799867"/>
+            <a:off x="6209490" y="6785212"/>
             <a:ext cx="9032875" cy="459740"/>
           </a:xfrm>
           <a:prstGeom prst="rect">
@@ -4519,7 +5282,7 @@
           </a:prstGeom>
         </p:spPr>
         <p:txBody>
-          <a:bodyPr vert="horz" wrap="square" lIns="0" tIns="12700" rIns="0" bIns="0" rtlCol="0">
+          <a:bodyPr vert="horz" wrap="square" lIns="0" tIns="12700" rIns="0" bIns="0" rtlCol="0" anchor="t">
             <a:spAutoFit/>
           </a:bodyPr>
           <a:lstStyle/>
@@ -4533,7 +5296,7 @@
               </a:spcBef>
             </a:pPr>
             <a:r>
-              <a:rPr sz="2850" spc="195" dirty="0">
+              <a:rPr sz="2850" spc="195">
                 <a:solidFill>
                   <a:srgbClr val="D9DEDA"/>
                 </a:solidFill>
@@ -4543,17 +5306,17 @@
               <a:t>Used</a:t>
             </a:r>
             <a:r>
-              <a:rPr sz="2850" spc="-10" dirty="0">
-                <a:solidFill>
-                  <a:srgbClr val="D9DEDA"/>
-                </a:solidFill>
-                <a:latin typeface="Lucida Sans Unicode"/>
-                <a:cs typeface="Lucida Sans Unicode"/>
-              </a:rPr>
-              <a:t> </a:t>
-            </a:r>
-            <a:r>
-              <a:rPr sz="2850" spc="20" dirty="0">
+              <a:rPr sz="2850" spc="-10">
+                <a:solidFill>
+                  <a:srgbClr val="D9DEDA"/>
+                </a:solidFill>
+                <a:latin typeface="Lucida Sans Unicode"/>
+                <a:cs typeface="Lucida Sans Unicode"/>
+              </a:rPr>
+              <a:t> </a:t>
+            </a:r>
+            <a:r>
+              <a:rPr sz="2850" spc="20">
                 <a:solidFill>
                   <a:srgbClr val="D9DEDA"/>
                 </a:solidFill>
@@ -4563,17 +5326,17 @@
               <a:t>for</a:t>
             </a:r>
             <a:r>
-              <a:rPr sz="2850" spc="-10" dirty="0">
-                <a:solidFill>
-                  <a:srgbClr val="D9DEDA"/>
-                </a:solidFill>
-                <a:latin typeface="Lucida Sans Unicode"/>
-                <a:cs typeface="Lucida Sans Unicode"/>
-              </a:rPr>
-              <a:t> </a:t>
-            </a:r>
-            <a:r>
-              <a:rPr sz="2850" spc="160" dirty="0">
+              <a:rPr sz="2850" spc="-10">
+                <a:solidFill>
+                  <a:srgbClr val="D9DEDA"/>
+                </a:solidFill>
+                <a:latin typeface="Lucida Sans Unicode"/>
+                <a:cs typeface="Lucida Sans Unicode"/>
+              </a:rPr>
+              <a:t> </a:t>
+            </a:r>
+            <a:r>
+              <a:rPr sz="2850" spc="160">
                 <a:solidFill>
                   <a:srgbClr val="D9DEDA"/>
                 </a:solidFill>
@@ -4583,17 +5346,17 @@
               <a:t>developing</a:t>
             </a:r>
             <a:r>
-              <a:rPr sz="2850" spc="-10" dirty="0">
-                <a:solidFill>
-                  <a:srgbClr val="D9DEDA"/>
-                </a:solidFill>
-                <a:latin typeface="Lucida Sans Unicode"/>
-                <a:cs typeface="Lucida Sans Unicode"/>
-              </a:rPr>
-              <a:t> </a:t>
-            </a:r>
-            <a:r>
-              <a:rPr sz="2850" spc="165" dirty="0">
+              <a:rPr sz="2850" spc="-10">
+                <a:solidFill>
+                  <a:srgbClr val="D9DEDA"/>
+                </a:solidFill>
+                <a:latin typeface="Lucida Sans Unicode"/>
+                <a:cs typeface="Lucida Sans Unicode"/>
+              </a:rPr>
+              <a:t> </a:t>
+            </a:r>
+            <a:r>
+              <a:rPr sz="2850" spc="165">
                 <a:solidFill>
                   <a:srgbClr val="D9DEDA"/>
                 </a:solidFill>
@@ -4603,37 +5366,37 @@
               <a:t>a</a:t>
             </a:r>
             <a:r>
-              <a:rPr sz="2850" spc="-10" dirty="0">
-                <a:solidFill>
-                  <a:srgbClr val="D9DEDA"/>
-                </a:solidFill>
-                <a:latin typeface="Lucida Sans Unicode"/>
-                <a:cs typeface="Lucida Sans Unicode"/>
-              </a:rPr>
-              <a:t> </a:t>
-            </a:r>
-            <a:r>
-              <a:rPr sz="2850" spc="65" dirty="0">
-                <a:solidFill>
-                  <a:srgbClr val="D9DEDA"/>
-                </a:solidFill>
-                <a:latin typeface="Lucida Sans Unicode"/>
+              <a:rPr sz="2850" spc="-10">
+                <a:solidFill>
+                  <a:srgbClr val="D9DEDA"/>
+                </a:solidFill>
+                <a:latin typeface="Lucida Sans Unicode"/>
+                <a:cs typeface="Lucida Sans Unicode"/>
+              </a:rPr>
+              <a:t> </a:t>
+            </a:r>
+            <a:r>
+              <a:rPr sz="2850" spc="65">
+                <a:solidFill>
+                  <a:srgbClr val="D9DEDA"/>
+                </a:solidFill>
+                <a:latin typeface="Aharoni"/>
                 <a:cs typeface="Lucida Sans Unicode"/>
               </a:rPr>
               <a:t>fresh</a:t>
             </a:r>
             <a:r>
-              <a:rPr sz="2850" spc="-10" dirty="0">
-                <a:solidFill>
-                  <a:srgbClr val="D9DEDA"/>
-                </a:solidFill>
-                <a:latin typeface="Lucida Sans Unicode"/>
-                <a:cs typeface="Lucida Sans Unicode"/>
-              </a:rPr>
-              <a:t> </a:t>
-            </a:r>
-            <a:r>
-              <a:rPr sz="2850" spc="180" dirty="0">
+              <a:rPr sz="2850" spc="-10">
+                <a:solidFill>
+                  <a:srgbClr val="D9DEDA"/>
+                </a:solidFill>
+                <a:latin typeface="Aharoni"/>
+                <a:cs typeface="Lucida Sans Unicode"/>
+              </a:rPr>
+              <a:t> </a:t>
+            </a:r>
+            <a:r>
+              <a:rPr sz="2850" spc="180">
                 <a:solidFill>
                   <a:srgbClr val="D9DEDA"/>
                 </a:solidFill>
@@ -4643,17 +5406,17 @@
               <a:t>product</a:t>
             </a:r>
             <a:r>
-              <a:rPr sz="2850" spc="-10" dirty="0">
-                <a:solidFill>
-                  <a:srgbClr val="D9DEDA"/>
-                </a:solidFill>
-                <a:latin typeface="Lucida Sans Unicode"/>
-                <a:cs typeface="Lucida Sans Unicode"/>
-              </a:rPr>
-              <a:t> </a:t>
-            </a:r>
-            <a:r>
-              <a:rPr sz="2850" spc="50" dirty="0">
+              <a:rPr sz="2850" spc="-10">
+                <a:solidFill>
+                  <a:srgbClr val="D9DEDA"/>
+                </a:solidFill>
+                <a:latin typeface="Lucida Sans Unicode"/>
+                <a:cs typeface="Lucida Sans Unicode"/>
+              </a:rPr>
+              <a:t> </a:t>
+            </a:r>
+            <a:r>
+              <a:rPr sz="2850" spc="50">
                 <a:solidFill>
                   <a:srgbClr val="D9DEDA"/>
                 </a:solidFill>
@@ -4663,17 +5426,17 @@
               <a:t>or</a:t>
             </a:r>
             <a:r>
-              <a:rPr sz="2850" spc="-10" dirty="0">
-                <a:solidFill>
-                  <a:srgbClr val="D9DEDA"/>
-                </a:solidFill>
-                <a:latin typeface="Lucida Sans Unicode"/>
-                <a:cs typeface="Lucida Sans Unicode"/>
-              </a:rPr>
-              <a:t> </a:t>
-            </a:r>
-            <a:r>
-              <a:rPr sz="2850" spc="105" dirty="0">
+              <a:rPr sz="2850" spc="-10">
+                <a:solidFill>
+                  <a:srgbClr val="D9DEDA"/>
+                </a:solidFill>
+                <a:latin typeface="Lucida Sans Unicode"/>
+                <a:cs typeface="Lucida Sans Unicode"/>
+              </a:rPr>
+              <a:t> </a:t>
+            </a:r>
+            <a:r>
+              <a:rPr sz="2850" spc="105">
                 <a:solidFill>
                   <a:srgbClr val="D9DEDA"/>
                 </a:solidFill>
@@ -4683,7 +5446,7 @@
               <a:t>process</a:t>
             </a:r>
             <a:r>
-              <a:rPr sz="2300" spc="105" dirty="0">
+              <a:rPr sz="2300" spc="105">
                 <a:solidFill>
                   <a:srgbClr val="D9DEDA"/>
                 </a:solidFill>
@@ -4704,12 +5467,256 @@
   <p:clrMapOvr>
     <a:masterClrMapping/>
   </p:clrMapOvr>
+  <p:transition spd="slow">
+    <p:push dir="u"/>
+  </p:transition>
   <p:timing>
     <p:tnLst>
       <p:par>
-        <p:cTn id="1" dur="indefinite" restart="never" nodeType="tmRoot"/>
+        <p:cTn id="1" dur="indefinite" restart="never" nodeType="tmRoot">
+          <p:childTnLst>
+            <p:seq concurrent="1" nextAc="seek">
+              <p:cTn id="2" dur="indefinite" nodeType="mainSeq">
+                <p:childTnLst>
+                  <p:par>
+                    <p:cTn id="3" fill="hold">
+                      <p:stCondLst>
+                        <p:cond delay="indefinite"/>
+                      </p:stCondLst>
+                      <p:childTnLst>
+                        <p:par>
+                          <p:cTn id="4" fill="hold">
+                            <p:stCondLst>
+                              <p:cond delay="0"/>
+                            </p:stCondLst>
+                            <p:childTnLst>
+                              <p:par>
+                                <p:cTn id="5" presetID="10" presetClass="entr" presetSubtype="0" fill="hold" grpId="0" nodeType="clickEffect">
+                                  <p:stCondLst>
+                                    <p:cond delay="0"/>
+                                  </p:stCondLst>
+                                  <p:childTnLst>
+                                    <p:set>
+                                      <p:cBhvr>
+                                        <p:cTn id="6" dur="1" fill="hold">
+                                          <p:stCondLst>
+                                            <p:cond delay="0"/>
+                                          </p:stCondLst>
+                                        </p:cTn>
+                                        <p:tgtEl>
+                                          <p:spTgt spid="4"/>
+                                        </p:tgtEl>
+                                        <p:attrNameLst>
+                                          <p:attrName>style.visibility</p:attrName>
+                                        </p:attrNameLst>
+                                      </p:cBhvr>
+                                      <p:to>
+                                        <p:strVal val="visible"/>
+                                      </p:to>
+                                    </p:set>
+                                    <p:animEffect transition="in" filter="fade">
+                                      <p:cBhvr>
+                                        <p:cTn id="7" dur="500"/>
+                                        <p:tgtEl>
+                                          <p:spTgt spid="4"/>
+                                        </p:tgtEl>
+                                      </p:cBhvr>
+                                    </p:animEffect>
+                                  </p:childTnLst>
+                                </p:cTn>
+                              </p:par>
+                            </p:childTnLst>
+                          </p:cTn>
+                        </p:par>
+                      </p:childTnLst>
+                    </p:cTn>
+                  </p:par>
+                  <p:par>
+                    <p:cTn id="8" fill="hold">
+                      <p:stCondLst>
+                        <p:cond delay="indefinite"/>
+                      </p:stCondLst>
+                      <p:childTnLst>
+                        <p:par>
+                          <p:cTn id="9" fill="hold">
+                            <p:stCondLst>
+                              <p:cond delay="0"/>
+                            </p:stCondLst>
+                            <p:childTnLst>
+                              <p:par>
+                                <p:cTn id="10" presetID="10" presetClass="entr" presetSubtype="0" fill="hold" grpId="0" nodeType="clickEffect">
+                                  <p:stCondLst>
+                                    <p:cond delay="0"/>
+                                  </p:stCondLst>
+                                  <p:childTnLst>
+                                    <p:set>
+                                      <p:cBhvr>
+                                        <p:cTn id="11" dur="1" fill="hold">
+                                          <p:stCondLst>
+                                            <p:cond delay="0"/>
+                                          </p:stCondLst>
+                                        </p:cTn>
+                                        <p:tgtEl>
+                                          <p:spTgt spid="6"/>
+                                        </p:tgtEl>
+                                        <p:attrNameLst>
+                                          <p:attrName>style.visibility</p:attrName>
+                                        </p:attrNameLst>
+                                      </p:cBhvr>
+                                      <p:to>
+                                        <p:strVal val="visible"/>
+                                      </p:to>
+                                    </p:set>
+                                    <p:animEffect transition="in" filter="fade">
+                                      <p:cBhvr>
+                                        <p:cTn id="12" dur="500"/>
+                                        <p:tgtEl>
+                                          <p:spTgt spid="6"/>
+                                        </p:tgtEl>
+                                      </p:cBhvr>
+                                    </p:animEffect>
+                                  </p:childTnLst>
+                                </p:cTn>
+                              </p:par>
+                            </p:childTnLst>
+                          </p:cTn>
+                        </p:par>
+                      </p:childTnLst>
+                    </p:cTn>
+                  </p:par>
+                  <p:par>
+                    <p:cTn id="13" fill="hold">
+                      <p:stCondLst>
+                        <p:cond delay="indefinite"/>
+                      </p:stCondLst>
+                      <p:childTnLst>
+                        <p:par>
+                          <p:cTn id="14" fill="hold">
+                            <p:stCondLst>
+                              <p:cond delay="0"/>
+                            </p:stCondLst>
+                            <p:childTnLst>
+                              <p:par>
+                                <p:cTn id="15" presetID="10" presetClass="entr" presetSubtype="0" fill="hold" grpId="0" nodeType="clickEffect">
+                                  <p:stCondLst>
+                                    <p:cond delay="0"/>
+                                  </p:stCondLst>
+                                  <p:childTnLst>
+                                    <p:set>
+                                      <p:cBhvr>
+                                        <p:cTn id="16" dur="1" fill="hold">
+                                          <p:stCondLst>
+                                            <p:cond delay="0"/>
+                                          </p:stCondLst>
+                                        </p:cTn>
+                                        <p:tgtEl>
+                                          <p:spTgt spid="5"/>
+                                        </p:tgtEl>
+                                        <p:attrNameLst>
+                                          <p:attrName>style.visibility</p:attrName>
+                                        </p:attrNameLst>
+                                      </p:cBhvr>
+                                      <p:to>
+                                        <p:strVal val="visible"/>
+                                      </p:to>
+                                    </p:set>
+                                    <p:animEffect transition="in" filter="fade">
+                                      <p:cBhvr>
+                                        <p:cTn id="17" dur="500"/>
+                                        <p:tgtEl>
+                                          <p:spTgt spid="5"/>
+                                        </p:tgtEl>
+                                      </p:cBhvr>
+                                    </p:animEffect>
+                                  </p:childTnLst>
+                                </p:cTn>
+                              </p:par>
+                            </p:childTnLst>
+                          </p:cTn>
+                        </p:par>
+                      </p:childTnLst>
+                    </p:cTn>
+                  </p:par>
+                  <p:par>
+                    <p:cTn id="18" fill="hold">
+                      <p:stCondLst>
+                        <p:cond delay="indefinite"/>
+                      </p:stCondLst>
+                      <p:childTnLst>
+                        <p:par>
+                          <p:cTn id="19" fill="hold">
+                            <p:stCondLst>
+                              <p:cond delay="0"/>
+                            </p:stCondLst>
+                            <p:childTnLst>
+                              <p:par>
+                                <p:cTn id="20" presetID="10" presetClass="entr" presetSubtype="0" fill="hold" grpId="0" nodeType="clickEffect">
+                                  <p:stCondLst>
+                                    <p:cond delay="0"/>
+                                  </p:stCondLst>
+                                  <p:childTnLst>
+                                    <p:set>
+                                      <p:cBhvr>
+                                        <p:cTn id="21" dur="1" fill="hold">
+                                          <p:stCondLst>
+                                            <p:cond delay="0"/>
+                                          </p:stCondLst>
+                                        </p:cTn>
+                                        <p:tgtEl>
+                                          <p:spTgt spid="7"/>
+                                        </p:tgtEl>
+                                        <p:attrNameLst>
+                                          <p:attrName>style.visibility</p:attrName>
+                                        </p:attrNameLst>
+                                      </p:cBhvr>
+                                      <p:to>
+                                        <p:strVal val="visible"/>
+                                      </p:to>
+                                    </p:set>
+                                    <p:animEffect transition="in" filter="fade">
+                                      <p:cBhvr>
+                                        <p:cTn id="22" dur="500"/>
+                                        <p:tgtEl>
+                                          <p:spTgt spid="7"/>
+                                        </p:tgtEl>
+                                      </p:cBhvr>
+                                    </p:animEffect>
+                                  </p:childTnLst>
+                                </p:cTn>
+                              </p:par>
+                            </p:childTnLst>
+                          </p:cTn>
+                        </p:par>
+                      </p:childTnLst>
+                    </p:cTn>
+                  </p:par>
+                </p:childTnLst>
+              </p:cTn>
+              <p:prevCondLst>
+                <p:cond evt="onPrev" delay="0">
+                  <p:tgtEl>
+                    <p:sldTgt/>
+                  </p:tgtEl>
+                </p:cond>
+              </p:prevCondLst>
+              <p:nextCondLst>
+                <p:cond evt="onNext" delay="0">
+                  <p:tgtEl>
+                    <p:sldTgt/>
+                  </p:tgtEl>
+                </p:cond>
+              </p:nextCondLst>
+            </p:seq>
+          </p:childTnLst>
+        </p:cTn>
       </p:par>
     </p:tnLst>
+    <p:bldLst>
+      <p:bldP spid="4" grpId="0"/>
+      <p:bldP spid="5" grpId="0"/>
+      <p:bldP spid="6" grpId="0"/>
+      <p:bldP spid="7" grpId="0"/>
+    </p:bldLst>
   </p:timing>
 </p:sld>
 </file>
@@ -4751,7 +5758,7 @@
           </a:prstGeom>
         </p:spPr>
         <p:txBody>
-          <a:bodyPr vert="horz" wrap="square" lIns="0" tIns="13335" rIns="0" bIns="0" rtlCol="0">
+          <a:bodyPr vert="horz" wrap="square" lIns="0" tIns="13335" rIns="0" bIns="0" rtlCol="0" anchor="t">
             <a:spAutoFit/>
           </a:bodyPr>
           <a:lstStyle/>
@@ -4774,7 +5781,7 @@
             </a:r>
             <a:r>
               <a:rPr sz="10200" spc="990" dirty="0" smtClean="0"/>
-              <a:t>A  </a:t>
+              <a:t>A</a:t>
             </a:r>
             <a:r>
               <a:rPr sz="10200" spc="-1005" dirty="0" smtClean="0"/>
@@ -4784,7 +5791,9 @@
               <a:rPr sz="10200" spc="35" dirty="0"/>
               <a:t>C</a:t>
             </a:r>
-            <a:endParaRPr sz="10200" dirty="0"/>
+            <a:endParaRPr lang="en-US" sz="10200" dirty="0">
+              <a:ea typeface="Verdana"/>
+            </a:endParaRPr>
           </a:p>
         </p:txBody>
       </p:sp>
@@ -4868,7 +5877,7 @@
               </a:spcBef>
             </a:pPr>
             <a:r>
-              <a:rPr sz="2600" spc="114" dirty="0">
+              <a:rPr sz="2600" spc="114">
                 <a:solidFill>
                   <a:srgbClr val="D9DEDA"/>
                 </a:solidFill>
@@ -4878,7 +5887,7 @@
               <a:t>The </a:t>
             </a:r>
             <a:r>
-              <a:rPr sz="2600" spc="150" dirty="0">
+              <a:rPr sz="2600" spc="150">
                 <a:solidFill>
                   <a:srgbClr val="D9DEDA"/>
                 </a:solidFill>
@@ -4888,7 +5897,7 @@
               <a:t>requirements</a:t>
             </a:r>
             <a:r>
-              <a:rPr sz="2100" spc="150" dirty="0">
+              <a:rPr sz="2100" spc="150">
                 <a:solidFill>
                   <a:srgbClr val="D9DEDA"/>
                 </a:solidFill>
@@ -4898,7 +5907,7 @@
               <a:t>, </a:t>
             </a:r>
             <a:r>
-              <a:rPr sz="2600" spc="160" dirty="0">
+              <a:rPr sz="2600" spc="160">
                 <a:solidFill>
                   <a:srgbClr val="D9DEDA"/>
                 </a:solidFill>
@@ -4908,7 +5917,7 @@
               <a:t>problems </a:t>
             </a:r>
             <a:r>
-              <a:rPr sz="2600" spc="215" dirty="0">
+              <a:rPr sz="2600" spc="215">
                 <a:solidFill>
                   <a:srgbClr val="D9DEDA"/>
                 </a:solidFill>
@@ -4918,7 +5927,7 @@
               <a:t>and </a:t>
             </a:r>
             <a:r>
-              <a:rPr sz="2600" spc="170" dirty="0">
+              <a:rPr sz="2600" spc="170">
                 <a:solidFill>
                   <a:srgbClr val="D9DEDA"/>
                 </a:solidFill>
@@ -4928,17 +5937,17 @@
               <a:t>ultimate</a:t>
             </a:r>
             <a:r>
-              <a:rPr sz="2600" spc="-470" dirty="0">
-                <a:solidFill>
-                  <a:srgbClr val="D9DEDA"/>
-                </a:solidFill>
-                <a:latin typeface="Lucida Sans Unicode"/>
-                <a:cs typeface="Lucida Sans Unicode"/>
-              </a:rPr>
-              <a:t> </a:t>
-            </a:r>
-            <a:r>
-              <a:rPr sz="2600" spc="95" dirty="0">
+              <a:rPr sz="2600" spc="-470">
+                <a:solidFill>
+                  <a:srgbClr val="D9DEDA"/>
+                </a:solidFill>
+                <a:latin typeface="Lucida Sans Unicode"/>
+                <a:cs typeface="Lucida Sans Unicode"/>
+              </a:rPr>
+              <a:t> </a:t>
+            </a:r>
+            <a:r>
+              <a:rPr sz="2600" spc="95">
                 <a:solidFill>
                   <a:srgbClr val="D9DEDA"/>
                 </a:solidFill>
@@ -4948,7 +5957,7 @@
               <a:t>goals</a:t>
             </a:r>
             <a:r>
-              <a:rPr sz="2100" spc="95" dirty="0">
+              <a:rPr sz="2100" spc="95">
                 <a:solidFill>
                   <a:srgbClr val="D9DEDA"/>
                 </a:solidFill>
@@ -4957,7 +5966,7 @@
               </a:rPr>
               <a:t>.</a:t>
             </a:r>
-            <a:endParaRPr sz="2100" dirty="0">
+            <a:endParaRPr sz="2100">
               <a:latin typeface="Gill Sans MT"/>
               <a:cs typeface="Gill Sans MT"/>
             </a:endParaRPr>
@@ -4972,7 +5981,7 @@
         </p:nvSpPr>
         <p:spPr>
           <a:xfrm>
-            <a:off x="4662393" y="1587017"/>
+            <a:off x="4602068" y="1557988"/>
             <a:ext cx="1809750" cy="378460"/>
           </a:xfrm>
           <a:prstGeom prst="rect">
@@ -5103,7 +6112,7 @@
               </a:rPr>
               <a:t>E</a:t>
             </a:r>
-            <a:endParaRPr sz="2300">
+            <a:endParaRPr sz="2300" dirty="0">
               <a:latin typeface="Arial"/>
               <a:cs typeface="Arial"/>
             </a:endParaRPr>
@@ -5126,7 +6135,7 @@
           </a:prstGeom>
         </p:spPr>
         <p:txBody>
-          <a:bodyPr vert="horz" wrap="square" lIns="0" tIns="13970" rIns="0" bIns="0" rtlCol="0">
+          <a:bodyPr vert="horz" wrap="square" lIns="0" tIns="13970" rIns="0" bIns="0" rtlCol="0" anchor="t">
             <a:spAutoFit/>
           </a:bodyPr>
           <a:lstStyle/>
@@ -5160,14 +6169,14 @@
               <a:t>of </a:t>
             </a:r>
             <a:r>
-              <a:rPr sz="2600" spc="120" dirty="0">
-                <a:solidFill>
-                  <a:srgbClr val="D9DEDA"/>
-                </a:solidFill>
-                <a:latin typeface="Lucida Sans Unicode"/>
-                <a:cs typeface="Lucida Sans Unicode"/>
-              </a:rPr>
-              <a:t>currrent</a:t>
+              <a:rPr lang="en-GB" sz="2600" spc="120" dirty="0">
+                <a:solidFill>
+                  <a:srgbClr val="D9DEDA"/>
+                </a:solidFill>
+                <a:latin typeface="Lucida Sans Unicode"/>
+                <a:cs typeface="Lucida Sans Unicode"/>
+              </a:rPr>
+              <a:t>current</a:t>
             </a:r>
             <a:r>
               <a:rPr sz="2600" spc="-280" dirty="0">
@@ -5199,7 +6208,7 @@
               </a:rPr>
               <a:t>.</a:t>
             </a:r>
-            <a:endParaRPr sz="2100">
+            <a:endParaRPr sz="2100" dirty="0">
               <a:latin typeface="Gill Sans MT"/>
               <a:cs typeface="Gill Sans MT"/>
             </a:endParaRPr>
@@ -5214,7 +6223,7 @@
         </p:nvSpPr>
         <p:spPr>
           <a:xfrm>
-            <a:off x="4662393" y="3258839"/>
+            <a:off x="4602068" y="3156262"/>
             <a:ext cx="2406015" cy="378460"/>
           </a:xfrm>
           <a:prstGeom prst="rect">
@@ -5365,7 +6374,7 @@
               </a:rPr>
               <a:t>E</a:t>
             </a:r>
-            <a:endParaRPr sz="2300">
+            <a:endParaRPr sz="2300" dirty="0">
               <a:latin typeface="Arial"/>
               <a:cs typeface="Arial"/>
             </a:endParaRPr>
@@ -5380,7 +6389,7 @@
         </p:nvSpPr>
         <p:spPr>
           <a:xfrm>
-            <a:off x="7564717" y="4973598"/>
+            <a:off x="7564717" y="4900329"/>
             <a:ext cx="7018020" cy="424180"/>
           </a:xfrm>
           <a:prstGeom prst="rect">
@@ -5402,7 +6411,7 @@
               </a:spcBef>
             </a:pPr>
             <a:r>
-              <a:rPr sz="2600" spc="165" dirty="0">
+              <a:rPr sz="2600" spc="165">
                 <a:solidFill>
                   <a:srgbClr val="D9DEDA"/>
                 </a:solidFill>
@@ -5412,17 +6421,17 @@
               <a:t>Find</a:t>
             </a:r>
             <a:r>
-              <a:rPr sz="2600" spc="-10" dirty="0">
-                <a:solidFill>
-                  <a:srgbClr val="D9DEDA"/>
-                </a:solidFill>
-                <a:latin typeface="Lucida Sans Unicode"/>
-                <a:cs typeface="Lucida Sans Unicode"/>
-              </a:rPr>
-              <a:t> </a:t>
-            </a:r>
-            <a:r>
-              <a:rPr sz="2600" spc="90" dirty="0">
+              <a:rPr sz="2600" spc="-10">
+                <a:solidFill>
+                  <a:srgbClr val="D9DEDA"/>
+                </a:solidFill>
+                <a:latin typeface="Lucida Sans Unicode"/>
+                <a:cs typeface="Lucida Sans Unicode"/>
+              </a:rPr>
+              <a:t> </a:t>
+            </a:r>
+            <a:r>
+              <a:rPr sz="2600" spc="90">
                 <a:solidFill>
                   <a:srgbClr val="D9DEDA"/>
                 </a:solidFill>
@@ -5432,17 +6441,17 @@
               <a:t>root</a:t>
             </a:r>
             <a:r>
-              <a:rPr sz="2600" spc="-5" dirty="0">
-                <a:solidFill>
-                  <a:srgbClr val="D9DEDA"/>
-                </a:solidFill>
-                <a:latin typeface="Lucida Sans Unicode"/>
-                <a:cs typeface="Lucida Sans Unicode"/>
-              </a:rPr>
-              <a:t> </a:t>
-            </a:r>
-            <a:r>
-              <a:rPr sz="2600" spc="150" dirty="0">
+              <a:rPr sz="2600" spc="-5">
+                <a:solidFill>
+                  <a:srgbClr val="D9DEDA"/>
+                </a:solidFill>
+                <a:latin typeface="Lucida Sans Unicode"/>
+                <a:cs typeface="Lucida Sans Unicode"/>
+              </a:rPr>
+              <a:t> </a:t>
+            </a:r>
+            <a:r>
+              <a:rPr sz="2600" spc="150">
                 <a:solidFill>
                   <a:srgbClr val="D9DEDA"/>
                 </a:solidFill>
@@ -5452,17 +6461,17 @@
               <a:t>cause</a:t>
             </a:r>
             <a:r>
-              <a:rPr sz="2600" spc="-5" dirty="0">
-                <a:solidFill>
-                  <a:srgbClr val="D9DEDA"/>
-                </a:solidFill>
-                <a:latin typeface="Lucida Sans Unicode"/>
-                <a:cs typeface="Lucida Sans Unicode"/>
-              </a:rPr>
-              <a:t> </a:t>
-            </a:r>
-            <a:r>
-              <a:rPr sz="2600" spc="35" dirty="0">
+              <a:rPr sz="2600" spc="-5">
+                <a:solidFill>
+                  <a:srgbClr val="D9DEDA"/>
+                </a:solidFill>
+                <a:latin typeface="Lucida Sans Unicode"/>
+                <a:cs typeface="Lucida Sans Unicode"/>
+              </a:rPr>
+              <a:t> </a:t>
+            </a:r>
+            <a:r>
+              <a:rPr sz="2600" spc="35">
                 <a:solidFill>
                   <a:srgbClr val="D9DEDA"/>
                 </a:solidFill>
@@ -5472,17 +6481,17 @@
               <a:t>of</a:t>
             </a:r>
             <a:r>
-              <a:rPr sz="2600" spc="-5" dirty="0">
-                <a:solidFill>
-                  <a:srgbClr val="D9DEDA"/>
-                </a:solidFill>
-                <a:latin typeface="Lucida Sans Unicode"/>
-                <a:cs typeface="Lucida Sans Unicode"/>
-              </a:rPr>
-              <a:t> </a:t>
-            </a:r>
-            <a:r>
-              <a:rPr sz="2600" spc="165" dirty="0">
+              <a:rPr sz="2600" spc="-5">
+                <a:solidFill>
+                  <a:srgbClr val="D9DEDA"/>
+                </a:solidFill>
+                <a:latin typeface="Lucida Sans Unicode"/>
+                <a:cs typeface="Lucida Sans Unicode"/>
+              </a:rPr>
+              <a:t> </a:t>
+            </a:r>
+            <a:r>
+              <a:rPr sz="2600" spc="165">
                 <a:solidFill>
                   <a:srgbClr val="D9DEDA"/>
                 </a:solidFill>
@@ -5492,17 +6501,17 @@
               <a:t>defect</a:t>
             </a:r>
             <a:r>
-              <a:rPr sz="2600" spc="-5" dirty="0">
-                <a:solidFill>
-                  <a:srgbClr val="D9DEDA"/>
-                </a:solidFill>
-                <a:latin typeface="Lucida Sans Unicode"/>
-                <a:cs typeface="Lucida Sans Unicode"/>
-              </a:rPr>
-              <a:t> </a:t>
-            </a:r>
-            <a:r>
-              <a:rPr sz="2600" spc="215" dirty="0">
+              <a:rPr sz="2600" spc="-5">
+                <a:solidFill>
+                  <a:srgbClr val="D9DEDA"/>
+                </a:solidFill>
+                <a:latin typeface="Lucida Sans Unicode"/>
+                <a:cs typeface="Lucida Sans Unicode"/>
+              </a:rPr>
+              <a:t> </a:t>
+            </a:r>
+            <a:r>
+              <a:rPr sz="2600" spc="215">
                 <a:solidFill>
                   <a:srgbClr val="D9DEDA"/>
                 </a:solidFill>
@@ -5512,17 +6521,17 @@
               <a:t>and</a:t>
             </a:r>
             <a:r>
-              <a:rPr sz="2600" spc="-5" dirty="0">
-                <a:solidFill>
-                  <a:srgbClr val="D9DEDA"/>
-                </a:solidFill>
-                <a:latin typeface="Lucida Sans Unicode"/>
-                <a:cs typeface="Lucida Sans Unicode"/>
-              </a:rPr>
-              <a:t> </a:t>
-            </a:r>
-            <a:r>
-              <a:rPr sz="2600" spc="85" dirty="0">
+              <a:rPr sz="2600" spc="-5">
+                <a:solidFill>
+                  <a:srgbClr val="D9DEDA"/>
+                </a:solidFill>
+                <a:latin typeface="Lucida Sans Unicode"/>
+                <a:cs typeface="Lucida Sans Unicode"/>
+              </a:rPr>
+              <a:t> </a:t>
+            </a:r>
+            <a:r>
+              <a:rPr sz="2600" spc="85">
                 <a:solidFill>
                   <a:srgbClr val="D9DEDA"/>
                 </a:solidFill>
@@ -5532,7 +6541,7 @@
               <a:t>variations</a:t>
             </a:r>
             <a:r>
-              <a:rPr sz="2100" spc="85" dirty="0">
+              <a:rPr sz="2100" spc="85">
                 <a:solidFill>
                   <a:srgbClr val="D9DEDA"/>
                 </a:solidFill>
@@ -5556,7 +6565,7 @@
         </p:nvSpPr>
         <p:spPr>
           <a:xfrm>
-            <a:off x="4662393" y="4996762"/>
+            <a:off x="4636358" y="4894185"/>
             <a:ext cx="2253615" cy="378460"/>
           </a:xfrm>
           <a:prstGeom prst="rect">
@@ -5707,7 +6716,7 @@
               </a:rPr>
               <a:t>E</a:t>
             </a:r>
-            <a:endParaRPr sz="2300">
+            <a:endParaRPr sz="2300" dirty="0">
               <a:latin typeface="Arial"/>
               <a:cs typeface="Arial"/>
             </a:endParaRPr>
@@ -5722,7 +6731,7 @@
         </p:nvSpPr>
         <p:spPr>
           <a:xfrm>
-            <a:off x="4662393" y="6677862"/>
+            <a:off x="4636358" y="6427096"/>
             <a:ext cx="2279650" cy="378460"/>
           </a:xfrm>
           <a:prstGeom prst="rect">
@@ -5744,7 +6753,7 @@
               </a:spcBef>
             </a:pPr>
             <a:r>
-              <a:rPr sz="2300" spc="345" dirty="0">
+              <a:rPr sz="2300" spc="345">
                 <a:solidFill>
                   <a:srgbClr val="8A7D62"/>
                 </a:solidFill>
@@ -5754,17 +6763,17 @@
               <a:t>I</a:t>
             </a:r>
             <a:r>
-              <a:rPr sz="2300" spc="-300" dirty="0">
-                <a:solidFill>
-                  <a:srgbClr val="8A7D62"/>
-                </a:solidFill>
-                <a:latin typeface="Arial"/>
-                <a:cs typeface="Arial"/>
-              </a:rPr>
-              <a:t> </a:t>
-            </a:r>
-            <a:r>
-              <a:rPr sz="2300" spc="1100" dirty="0">
+              <a:rPr sz="2300" spc="-300">
+                <a:solidFill>
+                  <a:srgbClr val="8A7D62"/>
+                </a:solidFill>
+                <a:latin typeface="Arial"/>
+                <a:cs typeface="Arial"/>
+              </a:rPr>
+              <a:t> </a:t>
+            </a:r>
+            <a:r>
+              <a:rPr sz="2300" spc="1100">
                 <a:solidFill>
                   <a:srgbClr val="8A7D62"/>
                 </a:solidFill>
@@ -5774,17 +6783,17 @@
               <a:t>M</a:t>
             </a:r>
             <a:r>
-              <a:rPr sz="2300" spc="-300" dirty="0">
-                <a:solidFill>
-                  <a:srgbClr val="8A7D62"/>
-                </a:solidFill>
-                <a:latin typeface="Arial"/>
-                <a:cs typeface="Arial"/>
-              </a:rPr>
-              <a:t> </a:t>
-            </a:r>
-            <a:r>
-              <a:rPr sz="2300" spc="660" dirty="0">
+              <a:rPr sz="2300" spc="-300">
+                <a:solidFill>
+                  <a:srgbClr val="8A7D62"/>
+                </a:solidFill>
+                <a:latin typeface="Arial"/>
+                <a:cs typeface="Arial"/>
+              </a:rPr>
+              <a:t> </a:t>
+            </a:r>
+            <a:r>
+              <a:rPr sz="2300" spc="660">
                 <a:solidFill>
                   <a:srgbClr val="8A7D62"/>
                 </a:solidFill>
@@ -5794,17 +6803,17 @@
               <a:t>P</a:t>
             </a:r>
             <a:r>
-              <a:rPr sz="2300" spc="-295" dirty="0">
-                <a:solidFill>
-                  <a:srgbClr val="8A7D62"/>
-                </a:solidFill>
-                <a:latin typeface="Arial"/>
-                <a:cs typeface="Arial"/>
-              </a:rPr>
-              <a:t> </a:t>
-            </a:r>
-            <a:r>
-              <a:rPr sz="2300" spc="695" dirty="0">
+              <a:rPr sz="2300" spc="-295">
+                <a:solidFill>
+                  <a:srgbClr val="8A7D62"/>
+                </a:solidFill>
+                <a:latin typeface="Arial"/>
+                <a:cs typeface="Arial"/>
+              </a:rPr>
+              <a:t> </a:t>
+            </a:r>
+            <a:r>
+              <a:rPr sz="2300" spc="695">
                 <a:solidFill>
                   <a:srgbClr val="8A7D62"/>
                 </a:solidFill>
@@ -5814,17 +6823,17 @@
               <a:t>R</a:t>
             </a:r>
             <a:r>
-              <a:rPr sz="2300" spc="-300" dirty="0">
-                <a:solidFill>
-                  <a:srgbClr val="8A7D62"/>
-                </a:solidFill>
-                <a:latin typeface="Arial"/>
-                <a:cs typeface="Arial"/>
-              </a:rPr>
-              <a:t> </a:t>
-            </a:r>
-            <a:r>
-              <a:rPr sz="2300" spc="850" dirty="0">
+              <a:rPr sz="2300" spc="-300">
+                <a:solidFill>
+                  <a:srgbClr val="8A7D62"/>
+                </a:solidFill>
+                <a:latin typeface="Arial"/>
+                <a:cs typeface="Arial"/>
+              </a:rPr>
+              <a:t> </a:t>
+            </a:r>
+            <a:r>
+              <a:rPr sz="2300" spc="850">
                 <a:solidFill>
                   <a:srgbClr val="8A7D62"/>
                 </a:solidFill>
@@ -5834,17 +6843,17 @@
               <a:t>O</a:t>
             </a:r>
             <a:r>
-              <a:rPr sz="2300" spc="-300" dirty="0">
-                <a:solidFill>
-                  <a:srgbClr val="8A7D62"/>
-                </a:solidFill>
-                <a:latin typeface="Arial"/>
-                <a:cs typeface="Arial"/>
-              </a:rPr>
-              <a:t> </a:t>
-            </a:r>
-            <a:r>
-              <a:rPr sz="2300" spc="715" dirty="0">
+              <a:rPr sz="2300" spc="-300">
+                <a:solidFill>
+                  <a:srgbClr val="8A7D62"/>
+                </a:solidFill>
+                <a:latin typeface="Arial"/>
+                <a:cs typeface="Arial"/>
+              </a:rPr>
+              <a:t> </a:t>
+            </a:r>
+            <a:r>
+              <a:rPr sz="2300" spc="715">
                 <a:solidFill>
                   <a:srgbClr val="8A7D62"/>
                 </a:solidFill>
@@ -5854,17 +6863,17 @@
               <a:t>V</a:t>
             </a:r>
             <a:r>
-              <a:rPr sz="2300" spc="-295" dirty="0">
-                <a:solidFill>
-                  <a:srgbClr val="8A7D62"/>
-                </a:solidFill>
-                <a:latin typeface="Arial"/>
-                <a:cs typeface="Arial"/>
-              </a:rPr>
-              <a:t> </a:t>
-            </a:r>
-            <a:r>
-              <a:rPr sz="2300" spc="605" dirty="0">
+              <a:rPr sz="2300" spc="-295">
+                <a:solidFill>
+                  <a:srgbClr val="8A7D62"/>
+                </a:solidFill>
+                <a:latin typeface="Arial"/>
+                <a:cs typeface="Arial"/>
+              </a:rPr>
+              <a:t> </a:t>
+            </a:r>
+            <a:r>
+              <a:rPr sz="2300" spc="605">
                 <a:solidFill>
                   <a:srgbClr val="8A7D62"/>
                 </a:solidFill>
@@ -5888,7 +6897,7 @@
         </p:nvSpPr>
         <p:spPr>
           <a:xfrm>
-            <a:off x="7564717" y="6617596"/>
+            <a:off x="7564717" y="6427096"/>
             <a:ext cx="9013190" cy="424180"/>
           </a:xfrm>
           <a:prstGeom prst="rect">
@@ -5910,7 +6919,7 @@
               </a:spcBef>
             </a:pPr>
             <a:r>
-              <a:rPr sz="2600" spc="185" dirty="0">
+              <a:rPr sz="2600" spc="185">
                 <a:solidFill>
                   <a:srgbClr val="D9DEDA"/>
                 </a:solidFill>
@@ -5920,17 +6929,17 @@
               <a:t>Eliminate</a:t>
             </a:r>
             <a:r>
-              <a:rPr sz="2600" spc="-5" dirty="0">
-                <a:solidFill>
-                  <a:srgbClr val="D9DEDA"/>
-                </a:solidFill>
-                <a:latin typeface="Lucida Sans Unicode"/>
-                <a:cs typeface="Lucida Sans Unicode"/>
-              </a:rPr>
-              <a:t> </a:t>
-            </a:r>
-            <a:r>
-              <a:rPr sz="2600" spc="185" dirty="0">
+              <a:rPr sz="2600" spc="-5">
+                <a:solidFill>
+                  <a:srgbClr val="D9DEDA"/>
+                </a:solidFill>
+                <a:latin typeface="Lucida Sans Unicode"/>
+                <a:cs typeface="Lucida Sans Unicode"/>
+              </a:rPr>
+              <a:t> </a:t>
+            </a:r>
+            <a:r>
+              <a:rPr sz="2600" spc="185">
                 <a:solidFill>
                   <a:srgbClr val="D9DEDA"/>
                 </a:solidFill>
@@ -5940,17 +6949,17 @@
               <a:t>the</a:t>
             </a:r>
             <a:r>
-              <a:rPr sz="2600" spc="-5" dirty="0">
-                <a:solidFill>
-                  <a:srgbClr val="D9DEDA"/>
-                </a:solidFill>
-                <a:latin typeface="Lucida Sans Unicode"/>
-                <a:cs typeface="Lucida Sans Unicode"/>
-              </a:rPr>
-              <a:t> </a:t>
-            </a:r>
-            <a:r>
-              <a:rPr sz="2600" spc="90" dirty="0">
+              <a:rPr sz="2600" spc="-5">
+                <a:solidFill>
+                  <a:srgbClr val="D9DEDA"/>
+                </a:solidFill>
+                <a:latin typeface="Lucida Sans Unicode"/>
+                <a:cs typeface="Lucida Sans Unicode"/>
+              </a:rPr>
+              <a:t> </a:t>
+            </a:r>
+            <a:r>
+              <a:rPr sz="2600" spc="90">
                 <a:solidFill>
                   <a:srgbClr val="D9DEDA"/>
                 </a:solidFill>
@@ -5960,17 +6969,17 @@
               <a:t>root</a:t>
             </a:r>
             <a:r>
-              <a:rPr sz="2600" spc="-5" dirty="0">
-                <a:solidFill>
-                  <a:srgbClr val="D9DEDA"/>
-                </a:solidFill>
-                <a:latin typeface="Lucida Sans Unicode"/>
-                <a:cs typeface="Lucida Sans Unicode"/>
-              </a:rPr>
-              <a:t> </a:t>
-            </a:r>
-            <a:r>
-              <a:rPr sz="2600" spc="120" dirty="0">
+              <a:rPr sz="2600" spc="-5">
+                <a:solidFill>
+                  <a:srgbClr val="D9DEDA"/>
+                </a:solidFill>
+                <a:latin typeface="Lucida Sans Unicode"/>
+                <a:cs typeface="Lucida Sans Unicode"/>
+              </a:rPr>
+              <a:t> </a:t>
+            </a:r>
+            <a:r>
+              <a:rPr sz="2600" spc="120">
                 <a:solidFill>
                   <a:srgbClr val="D9DEDA"/>
                 </a:solidFill>
@@ -5980,17 +6989,17 @@
               <a:t>causes</a:t>
             </a:r>
             <a:r>
-              <a:rPr sz="2600" dirty="0">
-                <a:solidFill>
-                  <a:srgbClr val="D9DEDA"/>
-                </a:solidFill>
-                <a:latin typeface="Lucida Sans Unicode"/>
-                <a:cs typeface="Lucida Sans Unicode"/>
-              </a:rPr>
-              <a:t> </a:t>
-            </a:r>
-            <a:r>
-              <a:rPr sz="2600" spc="190" dirty="0">
+              <a:rPr sz="2600">
+                <a:solidFill>
+                  <a:srgbClr val="D9DEDA"/>
+                </a:solidFill>
+                <a:latin typeface="Lucida Sans Unicode"/>
+                <a:cs typeface="Lucida Sans Unicode"/>
+              </a:rPr>
+              <a:t> </a:t>
+            </a:r>
+            <a:r>
+              <a:rPr sz="2600" spc="190">
                 <a:solidFill>
                   <a:srgbClr val="D9DEDA"/>
                 </a:solidFill>
@@ -6000,17 +7009,17 @@
               <a:t>with</a:t>
             </a:r>
             <a:r>
-              <a:rPr sz="2600" spc="-5" dirty="0">
-                <a:solidFill>
-                  <a:srgbClr val="D9DEDA"/>
-                </a:solidFill>
-                <a:latin typeface="Lucida Sans Unicode"/>
-                <a:cs typeface="Lucida Sans Unicode"/>
-              </a:rPr>
-              <a:t> </a:t>
-            </a:r>
-            <a:r>
-              <a:rPr sz="2600" spc="120" dirty="0">
+              <a:rPr sz="2600" spc="-5">
+                <a:solidFill>
+                  <a:srgbClr val="D9DEDA"/>
+                </a:solidFill>
+                <a:latin typeface="Lucida Sans Unicode"/>
+                <a:cs typeface="Lucida Sans Unicode"/>
+              </a:rPr>
+              <a:t> </a:t>
+            </a:r>
+            <a:r>
+              <a:rPr sz="2600" spc="120">
                 <a:solidFill>
                   <a:srgbClr val="D9DEDA"/>
                 </a:solidFill>
@@ -6020,17 +7029,17 @@
               <a:t>innovative</a:t>
             </a:r>
             <a:r>
-              <a:rPr sz="2600" spc="-5" dirty="0">
-                <a:solidFill>
-                  <a:srgbClr val="D9DEDA"/>
-                </a:solidFill>
-                <a:latin typeface="Lucida Sans Unicode"/>
-                <a:cs typeface="Lucida Sans Unicode"/>
-              </a:rPr>
-              <a:t> </a:t>
-            </a:r>
-            <a:r>
-              <a:rPr sz="2600" spc="85" dirty="0">
+              <a:rPr sz="2600" spc="-5">
+                <a:solidFill>
+                  <a:srgbClr val="D9DEDA"/>
+                </a:solidFill>
+                <a:latin typeface="Lucida Sans Unicode"/>
+                <a:cs typeface="Lucida Sans Unicode"/>
+              </a:rPr>
+              <a:t> </a:t>
+            </a:r>
+            <a:r>
+              <a:rPr sz="2600" spc="85">
                 <a:solidFill>
                   <a:srgbClr val="D9DEDA"/>
                 </a:solidFill>
@@ -6040,7 +7049,7 @@
               <a:t>solutions</a:t>
             </a:r>
             <a:r>
-              <a:rPr sz="2100" spc="85" dirty="0">
+              <a:rPr sz="2100" spc="85">
                 <a:solidFill>
                   <a:srgbClr val="D9DEDA"/>
                 </a:solidFill>
@@ -6064,7 +7073,7 @@
         </p:nvSpPr>
         <p:spPr>
           <a:xfrm>
-            <a:off x="4662393" y="8413903"/>
+            <a:off x="4602068" y="8058589"/>
             <a:ext cx="2348230" cy="378460"/>
           </a:xfrm>
           <a:prstGeom prst="rect">
@@ -6215,7 +7224,7 @@
               </a:rPr>
               <a:t>L</a:t>
             </a:r>
-            <a:endParaRPr sz="2300">
+            <a:endParaRPr sz="2300" dirty="0">
               <a:latin typeface="Arial"/>
               <a:cs typeface="Arial"/>
             </a:endParaRPr>
@@ -6230,7 +7239,7 @@
         </p:nvSpPr>
         <p:spPr>
           <a:xfrm>
-            <a:off x="7564717" y="8358352"/>
+            <a:off x="7564717" y="8167852"/>
             <a:ext cx="9241790" cy="424180"/>
           </a:xfrm>
           <a:prstGeom prst="rect">
@@ -6252,7 +7261,7 @@
               </a:spcBef>
             </a:pPr>
             <a:r>
-              <a:rPr sz="2600" spc="130" dirty="0">
+              <a:rPr sz="2600" spc="130">
                 <a:solidFill>
                   <a:srgbClr val="D9DEDA"/>
                 </a:solidFill>
@@ -6262,17 +7271,17 @@
               <a:t>Establish</a:t>
             </a:r>
             <a:r>
-              <a:rPr sz="2600" spc="-15" dirty="0">
-                <a:solidFill>
-                  <a:srgbClr val="D9DEDA"/>
-                </a:solidFill>
-                <a:latin typeface="Lucida Sans Unicode"/>
-                <a:cs typeface="Lucida Sans Unicode"/>
-              </a:rPr>
-              <a:t> </a:t>
-            </a:r>
-            <a:r>
-              <a:rPr sz="2600" spc="215" dirty="0">
+              <a:rPr sz="2600" spc="-15">
+                <a:solidFill>
+                  <a:srgbClr val="D9DEDA"/>
+                </a:solidFill>
+                <a:latin typeface="Lucida Sans Unicode"/>
+                <a:cs typeface="Lucida Sans Unicode"/>
+              </a:rPr>
+              <a:t> </a:t>
+            </a:r>
+            <a:r>
+              <a:rPr sz="2600" spc="215">
                 <a:solidFill>
                   <a:srgbClr val="D9DEDA"/>
                 </a:solidFill>
@@ -6282,17 +7291,17 @@
               <a:t>and</a:t>
             </a:r>
             <a:r>
-              <a:rPr sz="2600" spc="-15" dirty="0">
-                <a:solidFill>
-                  <a:srgbClr val="D9DEDA"/>
-                </a:solidFill>
-                <a:latin typeface="Lucida Sans Unicode"/>
-                <a:cs typeface="Lucida Sans Unicode"/>
-              </a:rPr>
-              <a:t> </a:t>
-            </a:r>
-            <a:r>
-              <a:rPr sz="2600" spc="125" dirty="0">
+              <a:rPr sz="2600" spc="-15">
+                <a:solidFill>
+                  <a:srgbClr val="D9DEDA"/>
+                </a:solidFill>
+                <a:latin typeface="Lucida Sans Unicode"/>
+                <a:cs typeface="Lucida Sans Unicode"/>
+              </a:rPr>
+              <a:t> </a:t>
+            </a:r>
+            <a:r>
+              <a:rPr sz="2600" spc="125">
                 <a:solidFill>
                   <a:srgbClr val="D9DEDA"/>
                 </a:solidFill>
@@ -6302,17 +7311,17 @@
               <a:t>ensure</a:t>
             </a:r>
             <a:r>
-              <a:rPr sz="2600" spc="-15" dirty="0">
-                <a:solidFill>
-                  <a:srgbClr val="D9DEDA"/>
-                </a:solidFill>
-                <a:latin typeface="Lucida Sans Unicode"/>
-                <a:cs typeface="Lucida Sans Unicode"/>
-              </a:rPr>
-              <a:t> </a:t>
-            </a:r>
-            <a:r>
-              <a:rPr sz="2600" spc="165" dirty="0">
+              <a:rPr sz="2600" spc="-15">
+                <a:solidFill>
+                  <a:srgbClr val="D9DEDA"/>
+                </a:solidFill>
+                <a:latin typeface="Lucida Sans Unicode"/>
+                <a:cs typeface="Lucida Sans Unicode"/>
+              </a:rPr>
+              <a:t> </a:t>
+            </a:r>
+            <a:r>
+              <a:rPr sz="2600" spc="165">
                 <a:solidFill>
                   <a:srgbClr val="D9DEDA"/>
                 </a:solidFill>
@@ -6322,17 +7331,17 @@
               <a:t>that</a:t>
             </a:r>
             <a:r>
-              <a:rPr sz="2600" spc="-10" dirty="0">
-                <a:solidFill>
-                  <a:srgbClr val="D9DEDA"/>
-                </a:solidFill>
-                <a:latin typeface="Lucida Sans Unicode"/>
-                <a:cs typeface="Lucida Sans Unicode"/>
-              </a:rPr>
-              <a:t> </a:t>
-            </a:r>
-            <a:r>
-              <a:rPr sz="2600" spc="195" dirty="0">
+              <a:rPr sz="2600" spc="-10">
+                <a:solidFill>
+                  <a:srgbClr val="D9DEDA"/>
+                </a:solidFill>
+                <a:latin typeface="Lucida Sans Unicode"/>
+                <a:cs typeface="Lucida Sans Unicode"/>
+              </a:rPr>
+              <a:t> </a:t>
+            </a:r>
+            <a:r>
+              <a:rPr sz="2600" spc="195">
                 <a:solidFill>
                   <a:srgbClr val="D9DEDA"/>
                 </a:solidFill>
@@ -6342,17 +7351,17 @@
               <a:t>implementation</a:t>
             </a:r>
             <a:r>
-              <a:rPr sz="2600" spc="-15" dirty="0">
-                <a:solidFill>
-                  <a:srgbClr val="D9DEDA"/>
-                </a:solidFill>
-                <a:latin typeface="Lucida Sans Unicode"/>
-                <a:cs typeface="Lucida Sans Unicode"/>
-              </a:rPr>
-              <a:t> </a:t>
-            </a:r>
-            <a:r>
-              <a:rPr sz="2600" spc="-30" dirty="0">
+              <a:rPr sz="2600" spc="-15">
+                <a:solidFill>
+                  <a:srgbClr val="D9DEDA"/>
+                </a:solidFill>
+                <a:latin typeface="Lucida Sans Unicode"/>
+                <a:cs typeface="Lucida Sans Unicode"/>
+              </a:rPr>
+              <a:t> </a:t>
+            </a:r>
+            <a:r>
+              <a:rPr sz="2600" spc="-30">
                 <a:solidFill>
                   <a:srgbClr val="D9DEDA"/>
                 </a:solidFill>
@@ -6362,17 +7371,17 @@
               <a:t>is</a:t>
             </a:r>
             <a:r>
-              <a:rPr sz="2600" spc="-15" dirty="0">
-                <a:solidFill>
-                  <a:srgbClr val="D9DEDA"/>
-                </a:solidFill>
-                <a:latin typeface="Lucida Sans Unicode"/>
-                <a:cs typeface="Lucida Sans Unicode"/>
-              </a:rPr>
-              <a:t> </a:t>
-            </a:r>
-            <a:r>
-              <a:rPr sz="2600" spc="125" dirty="0">
+              <a:rPr sz="2600" spc="-15">
+                <a:solidFill>
+                  <a:srgbClr val="D9DEDA"/>
+                </a:solidFill>
+                <a:latin typeface="Lucida Sans Unicode"/>
+                <a:cs typeface="Lucida Sans Unicode"/>
+              </a:rPr>
+              <a:t> </a:t>
+            </a:r>
+            <a:r>
+              <a:rPr sz="2600" spc="125">
                 <a:solidFill>
                   <a:srgbClr val="D9DEDA"/>
                 </a:solidFill>
@@ -6382,7 +7391,7 @@
               <a:t>correct</a:t>
             </a:r>
             <a:r>
-              <a:rPr sz="2100" spc="125" dirty="0">
+              <a:rPr sz="2100" spc="125">
                 <a:solidFill>
                   <a:srgbClr val="D9DEDA"/>
                 </a:solidFill>
@@ -6403,12 +7412,580 @@
   <p:clrMapOvr>
     <a:masterClrMapping/>
   </p:clrMapOvr>
+  <p:transition spd="slow">
+    <p:push dir="u"/>
+  </p:transition>
   <p:timing>
     <p:tnLst>
       <p:par>
-        <p:cTn id="1" dur="indefinite" restart="never" nodeType="tmRoot"/>
+        <p:cTn id="1" dur="indefinite" restart="never" nodeType="tmRoot">
+          <p:childTnLst>
+            <p:seq concurrent="1" nextAc="seek">
+              <p:cTn id="2" dur="indefinite" nodeType="mainSeq">
+                <p:childTnLst>
+                  <p:par>
+                    <p:cTn id="3" fill="hold">
+                      <p:stCondLst>
+                        <p:cond delay="indefinite"/>
+                      </p:stCondLst>
+                      <p:childTnLst>
+                        <p:par>
+                          <p:cTn id="4" fill="hold">
+                            <p:stCondLst>
+                              <p:cond delay="0"/>
+                            </p:stCondLst>
+                            <p:childTnLst>
+                              <p:par>
+                                <p:cTn id="5" presetID="10" presetClass="entr" presetSubtype="0" fill="hold" grpId="0" nodeType="clickEffect">
+                                  <p:stCondLst>
+                                    <p:cond delay="0"/>
+                                  </p:stCondLst>
+                                  <p:childTnLst>
+                                    <p:set>
+                                      <p:cBhvr>
+                                        <p:cTn id="6" dur="1" fill="hold">
+                                          <p:stCondLst>
+                                            <p:cond delay="0"/>
+                                          </p:stCondLst>
+                                        </p:cTn>
+                                        <p:tgtEl>
+                                          <p:spTgt spid="5"/>
+                                        </p:tgtEl>
+                                        <p:attrNameLst>
+                                          <p:attrName>style.visibility</p:attrName>
+                                        </p:attrNameLst>
+                                      </p:cBhvr>
+                                      <p:to>
+                                        <p:strVal val="visible"/>
+                                      </p:to>
+                                    </p:set>
+                                    <p:animEffect transition="in" filter="fade">
+                                      <p:cBhvr>
+                                        <p:cTn id="7" dur="500"/>
+                                        <p:tgtEl>
+                                          <p:spTgt spid="5"/>
+                                        </p:tgtEl>
+                                      </p:cBhvr>
+                                    </p:animEffect>
+                                  </p:childTnLst>
+                                </p:cTn>
+                              </p:par>
+                            </p:childTnLst>
+                          </p:cTn>
+                        </p:par>
+                      </p:childTnLst>
+                    </p:cTn>
+                  </p:par>
+                  <p:par>
+                    <p:cTn id="8" fill="hold">
+                      <p:stCondLst>
+                        <p:cond delay="indefinite"/>
+                      </p:stCondLst>
+                      <p:childTnLst>
+                        <p:par>
+                          <p:cTn id="9" fill="hold">
+                            <p:stCondLst>
+                              <p:cond delay="0"/>
+                            </p:stCondLst>
+                            <p:childTnLst>
+                              <p:par>
+                                <p:cTn id="10" presetID="10" presetClass="entr" presetSubtype="0" fill="hold" grpId="0" nodeType="clickEffect">
+                                  <p:stCondLst>
+                                    <p:cond delay="0"/>
+                                  </p:stCondLst>
+                                  <p:childTnLst>
+                                    <p:set>
+                                      <p:cBhvr>
+                                        <p:cTn id="11" dur="1" fill="hold">
+                                          <p:stCondLst>
+                                            <p:cond delay="0"/>
+                                          </p:stCondLst>
+                                        </p:cTn>
+                                        <p:tgtEl>
+                                          <p:spTgt spid="4"/>
+                                        </p:tgtEl>
+                                        <p:attrNameLst>
+                                          <p:attrName>style.visibility</p:attrName>
+                                        </p:attrNameLst>
+                                      </p:cBhvr>
+                                      <p:to>
+                                        <p:strVal val="visible"/>
+                                      </p:to>
+                                    </p:set>
+                                    <p:animEffect transition="in" filter="fade">
+                                      <p:cBhvr>
+                                        <p:cTn id="12" dur="500"/>
+                                        <p:tgtEl>
+                                          <p:spTgt spid="4"/>
+                                        </p:tgtEl>
+                                      </p:cBhvr>
+                                    </p:animEffect>
+                                  </p:childTnLst>
+                                </p:cTn>
+                              </p:par>
+                            </p:childTnLst>
+                          </p:cTn>
+                        </p:par>
+                      </p:childTnLst>
+                    </p:cTn>
+                  </p:par>
+                  <p:par>
+                    <p:cTn id="13" fill="hold">
+                      <p:stCondLst>
+                        <p:cond delay="indefinite"/>
+                      </p:stCondLst>
+                      <p:childTnLst>
+                        <p:par>
+                          <p:cTn id="14" fill="hold">
+                            <p:stCondLst>
+                              <p:cond delay="0"/>
+                            </p:stCondLst>
+                            <p:childTnLst>
+                              <p:par>
+                                <p:cTn id="15" presetID="10" presetClass="entr" presetSubtype="0" fill="hold" grpId="0" nodeType="clickEffect">
+                                  <p:stCondLst>
+                                    <p:cond delay="0"/>
+                                  </p:stCondLst>
+                                  <p:childTnLst>
+                                    <p:set>
+                                      <p:cBhvr>
+                                        <p:cTn id="16" dur="1" fill="hold">
+                                          <p:stCondLst>
+                                            <p:cond delay="0"/>
+                                          </p:stCondLst>
+                                        </p:cTn>
+                                        <p:tgtEl>
+                                          <p:spTgt spid="7"/>
+                                        </p:tgtEl>
+                                        <p:attrNameLst>
+                                          <p:attrName>style.visibility</p:attrName>
+                                        </p:attrNameLst>
+                                      </p:cBhvr>
+                                      <p:to>
+                                        <p:strVal val="visible"/>
+                                      </p:to>
+                                    </p:set>
+                                    <p:animEffect transition="in" filter="fade">
+                                      <p:cBhvr>
+                                        <p:cTn id="17" dur="500"/>
+                                        <p:tgtEl>
+                                          <p:spTgt spid="7"/>
+                                        </p:tgtEl>
+                                      </p:cBhvr>
+                                    </p:animEffect>
+                                  </p:childTnLst>
+                                </p:cTn>
+                              </p:par>
+                            </p:childTnLst>
+                          </p:cTn>
+                        </p:par>
+                      </p:childTnLst>
+                    </p:cTn>
+                  </p:par>
+                  <p:par>
+                    <p:cTn id="18" fill="hold">
+                      <p:stCondLst>
+                        <p:cond delay="indefinite"/>
+                      </p:stCondLst>
+                      <p:childTnLst>
+                        <p:par>
+                          <p:cTn id="19" fill="hold">
+                            <p:stCondLst>
+                              <p:cond delay="0"/>
+                            </p:stCondLst>
+                            <p:childTnLst>
+                              <p:par>
+                                <p:cTn id="20" presetID="10" presetClass="entr" presetSubtype="0" fill="hold" grpId="0" nodeType="clickEffect">
+                                  <p:stCondLst>
+                                    <p:cond delay="0"/>
+                                  </p:stCondLst>
+                                  <p:childTnLst>
+                                    <p:set>
+                                      <p:cBhvr>
+                                        <p:cTn id="21" dur="1" fill="hold">
+                                          <p:stCondLst>
+                                            <p:cond delay="0"/>
+                                          </p:stCondLst>
+                                        </p:cTn>
+                                        <p:tgtEl>
+                                          <p:spTgt spid="6"/>
+                                        </p:tgtEl>
+                                        <p:attrNameLst>
+                                          <p:attrName>style.visibility</p:attrName>
+                                        </p:attrNameLst>
+                                      </p:cBhvr>
+                                      <p:to>
+                                        <p:strVal val="visible"/>
+                                      </p:to>
+                                    </p:set>
+                                    <p:animEffect transition="in" filter="fade">
+                                      <p:cBhvr>
+                                        <p:cTn id="22" dur="500"/>
+                                        <p:tgtEl>
+                                          <p:spTgt spid="6"/>
+                                        </p:tgtEl>
+                                      </p:cBhvr>
+                                    </p:animEffect>
+                                  </p:childTnLst>
+                                </p:cTn>
+                              </p:par>
+                            </p:childTnLst>
+                          </p:cTn>
+                        </p:par>
+                      </p:childTnLst>
+                    </p:cTn>
+                  </p:par>
+                  <p:par>
+                    <p:cTn id="23" fill="hold">
+                      <p:stCondLst>
+                        <p:cond delay="indefinite"/>
+                      </p:stCondLst>
+                      <p:childTnLst>
+                        <p:par>
+                          <p:cTn id="24" fill="hold">
+                            <p:stCondLst>
+                              <p:cond delay="0"/>
+                            </p:stCondLst>
+                            <p:childTnLst>
+                              <p:par>
+                                <p:cTn id="25" presetID="10" presetClass="entr" presetSubtype="0" fill="hold" grpId="0" nodeType="clickEffect">
+                                  <p:stCondLst>
+                                    <p:cond delay="0"/>
+                                  </p:stCondLst>
+                                  <p:childTnLst>
+                                    <p:set>
+                                      <p:cBhvr>
+                                        <p:cTn id="26" dur="1" fill="hold">
+                                          <p:stCondLst>
+                                            <p:cond delay="0"/>
+                                          </p:stCondLst>
+                                        </p:cTn>
+                                        <p:tgtEl>
+                                          <p:spTgt spid="9"/>
+                                        </p:tgtEl>
+                                        <p:attrNameLst>
+                                          <p:attrName>style.visibility</p:attrName>
+                                        </p:attrNameLst>
+                                      </p:cBhvr>
+                                      <p:to>
+                                        <p:strVal val="visible"/>
+                                      </p:to>
+                                    </p:set>
+                                    <p:animEffect transition="in" filter="fade">
+                                      <p:cBhvr>
+                                        <p:cTn id="27" dur="500"/>
+                                        <p:tgtEl>
+                                          <p:spTgt spid="9"/>
+                                        </p:tgtEl>
+                                      </p:cBhvr>
+                                    </p:animEffect>
+                                  </p:childTnLst>
+                                </p:cTn>
+                              </p:par>
+                            </p:childTnLst>
+                          </p:cTn>
+                        </p:par>
+                      </p:childTnLst>
+                    </p:cTn>
+                  </p:par>
+                  <p:par>
+                    <p:cTn id="28" fill="hold">
+                      <p:stCondLst>
+                        <p:cond delay="indefinite"/>
+                      </p:stCondLst>
+                      <p:childTnLst>
+                        <p:par>
+                          <p:cTn id="29" fill="hold">
+                            <p:stCondLst>
+                              <p:cond delay="0"/>
+                            </p:stCondLst>
+                            <p:childTnLst>
+                              <p:par>
+                                <p:cTn id="30" presetID="10" presetClass="entr" presetSubtype="0" fill="hold" grpId="0" nodeType="clickEffect">
+                                  <p:stCondLst>
+                                    <p:cond delay="0"/>
+                                  </p:stCondLst>
+                                  <p:childTnLst>
+                                    <p:set>
+                                      <p:cBhvr>
+                                        <p:cTn id="31" dur="1" fill="hold">
+                                          <p:stCondLst>
+                                            <p:cond delay="0"/>
+                                          </p:stCondLst>
+                                        </p:cTn>
+                                        <p:tgtEl>
+                                          <p:spTgt spid="8"/>
+                                        </p:tgtEl>
+                                        <p:attrNameLst>
+                                          <p:attrName>style.visibility</p:attrName>
+                                        </p:attrNameLst>
+                                      </p:cBhvr>
+                                      <p:to>
+                                        <p:strVal val="visible"/>
+                                      </p:to>
+                                    </p:set>
+                                    <p:animEffect transition="in" filter="fade">
+                                      <p:cBhvr>
+                                        <p:cTn id="32" dur="500"/>
+                                        <p:tgtEl>
+                                          <p:spTgt spid="8"/>
+                                        </p:tgtEl>
+                                      </p:cBhvr>
+                                    </p:animEffect>
+                                  </p:childTnLst>
+                                </p:cTn>
+                              </p:par>
+                            </p:childTnLst>
+                          </p:cTn>
+                        </p:par>
+                      </p:childTnLst>
+                    </p:cTn>
+                  </p:par>
+                  <p:par>
+                    <p:cTn id="33" fill="hold">
+                      <p:stCondLst>
+                        <p:cond delay="indefinite"/>
+                      </p:stCondLst>
+                      <p:childTnLst>
+                        <p:par>
+                          <p:cTn id="34" fill="hold">
+                            <p:stCondLst>
+                              <p:cond delay="0"/>
+                            </p:stCondLst>
+                            <p:childTnLst>
+                              <p:par>
+                                <p:cTn id="35" presetID="10" presetClass="entr" presetSubtype="0" fill="hold" grpId="0" nodeType="clickEffect">
+                                  <p:stCondLst>
+                                    <p:cond delay="0"/>
+                                  </p:stCondLst>
+                                  <p:childTnLst>
+                                    <p:set>
+                                      <p:cBhvr>
+                                        <p:cTn id="36" dur="1" fill="hold">
+                                          <p:stCondLst>
+                                            <p:cond delay="0"/>
+                                          </p:stCondLst>
+                                        </p:cTn>
+                                        <p:tgtEl>
+                                          <p:spTgt spid="10"/>
+                                        </p:tgtEl>
+                                        <p:attrNameLst>
+                                          <p:attrName>style.visibility</p:attrName>
+                                        </p:attrNameLst>
+                                      </p:cBhvr>
+                                      <p:to>
+                                        <p:strVal val="visible"/>
+                                      </p:to>
+                                    </p:set>
+                                    <p:animEffect transition="in" filter="fade">
+                                      <p:cBhvr>
+                                        <p:cTn id="37" dur="500"/>
+                                        <p:tgtEl>
+                                          <p:spTgt spid="10"/>
+                                        </p:tgtEl>
+                                      </p:cBhvr>
+                                    </p:animEffect>
+                                  </p:childTnLst>
+                                </p:cTn>
+                              </p:par>
+                            </p:childTnLst>
+                          </p:cTn>
+                        </p:par>
+                      </p:childTnLst>
+                    </p:cTn>
+                  </p:par>
+                  <p:par>
+                    <p:cTn id="38" fill="hold">
+                      <p:stCondLst>
+                        <p:cond delay="indefinite"/>
+                      </p:stCondLst>
+                      <p:childTnLst>
+                        <p:par>
+                          <p:cTn id="39" fill="hold">
+                            <p:stCondLst>
+                              <p:cond delay="0"/>
+                            </p:stCondLst>
+                            <p:childTnLst>
+                              <p:par>
+                                <p:cTn id="40" presetID="10" presetClass="entr" presetSubtype="0" fill="hold" grpId="0" nodeType="clickEffect">
+                                  <p:stCondLst>
+                                    <p:cond delay="0"/>
+                                  </p:stCondLst>
+                                  <p:childTnLst>
+                                    <p:set>
+                                      <p:cBhvr>
+                                        <p:cTn id="41" dur="1" fill="hold">
+                                          <p:stCondLst>
+                                            <p:cond delay="0"/>
+                                          </p:stCondLst>
+                                        </p:cTn>
+                                        <p:tgtEl>
+                                          <p:spTgt spid="11"/>
+                                        </p:tgtEl>
+                                        <p:attrNameLst>
+                                          <p:attrName>style.visibility</p:attrName>
+                                        </p:attrNameLst>
+                                      </p:cBhvr>
+                                      <p:to>
+                                        <p:strVal val="visible"/>
+                                      </p:to>
+                                    </p:set>
+                                    <p:animEffect transition="in" filter="fade">
+                                      <p:cBhvr>
+                                        <p:cTn id="42" dur="500"/>
+                                        <p:tgtEl>
+                                          <p:spTgt spid="11"/>
+                                        </p:tgtEl>
+                                      </p:cBhvr>
+                                    </p:animEffect>
+                                  </p:childTnLst>
+                                </p:cTn>
+                              </p:par>
+                            </p:childTnLst>
+                          </p:cTn>
+                        </p:par>
+                      </p:childTnLst>
+                    </p:cTn>
+                  </p:par>
+                  <p:par>
+                    <p:cTn id="43" fill="hold">
+                      <p:stCondLst>
+                        <p:cond delay="indefinite"/>
+                      </p:stCondLst>
+                      <p:childTnLst>
+                        <p:par>
+                          <p:cTn id="44" fill="hold">
+                            <p:stCondLst>
+                              <p:cond delay="0"/>
+                            </p:stCondLst>
+                            <p:childTnLst>
+                              <p:par>
+                                <p:cTn id="45" presetID="10" presetClass="entr" presetSubtype="0" fill="hold" grpId="0" nodeType="clickEffect">
+                                  <p:stCondLst>
+                                    <p:cond delay="0"/>
+                                  </p:stCondLst>
+                                  <p:childTnLst>
+                                    <p:set>
+                                      <p:cBhvr>
+                                        <p:cTn id="46" dur="1" fill="hold">
+                                          <p:stCondLst>
+                                            <p:cond delay="0"/>
+                                          </p:stCondLst>
+                                        </p:cTn>
+                                        <p:tgtEl>
+                                          <p:spTgt spid="12"/>
+                                        </p:tgtEl>
+                                        <p:attrNameLst>
+                                          <p:attrName>style.visibility</p:attrName>
+                                        </p:attrNameLst>
+                                      </p:cBhvr>
+                                      <p:to>
+                                        <p:strVal val="visible"/>
+                                      </p:to>
+                                    </p:set>
+                                    <p:animEffect transition="in" filter="fade">
+                                      <p:cBhvr>
+                                        <p:cTn id="47" dur="500"/>
+                                        <p:tgtEl>
+                                          <p:spTgt spid="12"/>
+                                        </p:tgtEl>
+                                      </p:cBhvr>
+                                    </p:animEffect>
+                                  </p:childTnLst>
+                                </p:cTn>
+                              </p:par>
+                            </p:childTnLst>
+                          </p:cTn>
+                        </p:par>
+                      </p:childTnLst>
+                    </p:cTn>
+                  </p:par>
+                  <p:par>
+                    <p:cTn id="48" fill="hold">
+                      <p:stCondLst>
+                        <p:cond delay="indefinite"/>
+                      </p:stCondLst>
+                      <p:childTnLst>
+                        <p:par>
+                          <p:cTn id="49" fill="hold">
+                            <p:stCondLst>
+                              <p:cond delay="0"/>
+                            </p:stCondLst>
+                            <p:childTnLst>
+                              <p:par>
+                                <p:cTn id="50" presetID="10" presetClass="entr" presetSubtype="0" fill="hold" grpId="0" nodeType="clickEffect">
+                                  <p:stCondLst>
+                                    <p:cond delay="0"/>
+                                  </p:stCondLst>
+                                  <p:childTnLst>
+                                    <p:set>
+                                      <p:cBhvr>
+                                        <p:cTn id="51" dur="1" fill="hold">
+                                          <p:stCondLst>
+                                            <p:cond delay="0"/>
+                                          </p:stCondLst>
+                                        </p:cTn>
+                                        <p:tgtEl>
+                                          <p:spTgt spid="13"/>
+                                        </p:tgtEl>
+                                        <p:attrNameLst>
+                                          <p:attrName>style.visibility</p:attrName>
+                                        </p:attrNameLst>
+                                      </p:cBhvr>
+                                      <p:to>
+                                        <p:strVal val="visible"/>
+                                      </p:to>
+                                    </p:set>
+                                    <p:animEffect transition="in" filter="fade">
+                                      <p:cBhvr>
+                                        <p:cTn id="52" dur="500"/>
+                                        <p:tgtEl>
+                                          <p:spTgt spid="13"/>
+                                        </p:tgtEl>
+                                      </p:cBhvr>
+                                    </p:animEffect>
+                                  </p:childTnLst>
+                                </p:cTn>
+                              </p:par>
+                            </p:childTnLst>
+                          </p:cTn>
+                        </p:par>
+                      </p:childTnLst>
+                    </p:cTn>
+                  </p:par>
+                </p:childTnLst>
+              </p:cTn>
+              <p:prevCondLst>
+                <p:cond evt="onPrev" delay="0">
+                  <p:tgtEl>
+                    <p:sldTgt/>
+                  </p:tgtEl>
+                </p:cond>
+              </p:prevCondLst>
+              <p:nextCondLst>
+                <p:cond evt="onNext" delay="0">
+                  <p:tgtEl>
+                    <p:sldTgt/>
+                  </p:tgtEl>
+                </p:cond>
+              </p:nextCondLst>
+            </p:seq>
+          </p:childTnLst>
+        </p:cTn>
       </p:par>
     </p:tnLst>
+    <p:bldLst>
+      <p:bldP spid="4" grpId="0"/>
+      <p:bldP spid="5" grpId="0"/>
+      <p:bldP spid="6" grpId="0"/>
+      <p:bldP spid="7" grpId="0"/>
+      <p:bldP spid="8" grpId="0"/>
+      <p:bldP spid="9" grpId="0"/>
+      <p:bldP spid="10" grpId="0"/>
+      <p:bldP spid="11" grpId="0"/>
+      <p:bldP spid="12" grpId="0"/>
+      <p:bldP spid="13" grpId="0"/>
+    </p:bldLst>
   </p:timing>
 </p:sld>
 </file>
@@ -6464,23 +8041,23 @@
               </a:spcBef>
             </a:pPr>
             <a:r>
-              <a:rPr sz="10200" spc="70" dirty="0"/>
+              <a:rPr sz="10200" spc="70"/>
               <a:t>D  </a:t>
             </a:r>
             <a:r>
-              <a:rPr sz="10200" spc="495" dirty="0"/>
+              <a:rPr sz="10200" spc="495"/>
               <a:t>M  </a:t>
             </a:r>
             <a:r>
-              <a:rPr sz="10200" spc="990" dirty="0"/>
+              <a:rPr sz="10200" spc="990"/>
               <a:t>A  </a:t>
             </a:r>
             <a:r>
-              <a:rPr sz="10200" spc="70" dirty="0"/>
+              <a:rPr sz="10200" spc="70"/>
               <a:t>D  </a:t>
             </a:r>
             <a:r>
-              <a:rPr sz="10200" spc="565" dirty="0"/>
+              <a:rPr sz="10200" spc="565"/>
               <a:t>V</a:t>
             </a:r>
             <a:endParaRPr sz="10200"/>
@@ -6545,7 +8122,7 @@
         </p:nvSpPr>
         <p:spPr>
           <a:xfrm>
-            <a:off x="7587129" y="1580261"/>
+            <a:off x="7587129" y="1624222"/>
             <a:ext cx="10368915" cy="424180"/>
           </a:xfrm>
           <a:prstGeom prst="rect">
@@ -6567,7 +8144,7 @@
               </a:spcBef>
             </a:pPr>
             <a:r>
-              <a:rPr sz="2600" spc="125" dirty="0">
+              <a:rPr sz="2600" spc="125">
                 <a:solidFill>
                   <a:srgbClr val="D9DEDA"/>
                 </a:solidFill>
@@ -6577,17 +8154,17 @@
               <a:t>Realistic</a:t>
             </a:r>
             <a:r>
-              <a:rPr sz="2600" spc="-10" dirty="0">
-                <a:solidFill>
-                  <a:srgbClr val="D9DEDA"/>
-                </a:solidFill>
-                <a:latin typeface="Lucida Sans Unicode"/>
-                <a:cs typeface="Lucida Sans Unicode"/>
-              </a:rPr>
-              <a:t> </a:t>
-            </a:r>
-            <a:r>
-              <a:rPr sz="2600" spc="90" dirty="0">
+              <a:rPr sz="2600" spc="-10">
+                <a:solidFill>
+                  <a:srgbClr val="D9DEDA"/>
+                </a:solidFill>
+                <a:latin typeface="Lucida Sans Unicode"/>
+                <a:cs typeface="Lucida Sans Unicode"/>
+              </a:rPr>
+              <a:t> </a:t>
+            </a:r>
+            <a:r>
+              <a:rPr sz="2600" spc="90">
                 <a:solidFill>
                   <a:srgbClr val="D9DEDA"/>
                 </a:solidFill>
@@ -6597,17 +8174,17 @@
               <a:t>goals</a:t>
             </a:r>
             <a:r>
-              <a:rPr sz="2600" spc="-10" dirty="0">
-                <a:solidFill>
-                  <a:srgbClr val="D9DEDA"/>
-                </a:solidFill>
-                <a:latin typeface="Lucida Sans Unicode"/>
-                <a:cs typeface="Lucida Sans Unicode"/>
-              </a:rPr>
-              <a:t> </a:t>
-            </a:r>
-            <a:r>
-              <a:rPr sz="2600" spc="165" dirty="0">
+              <a:rPr sz="2600" spc="-10">
+                <a:solidFill>
+                  <a:srgbClr val="D9DEDA"/>
+                </a:solidFill>
+                <a:latin typeface="Lucida Sans Unicode"/>
+                <a:cs typeface="Lucida Sans Unicode"/>
+              </a:rPr>
+              <a:t> </a:t>
+            </a:r>
+            <a:r>
+              <a:rPr sz="2600" spc="165">
                 <a:solidFill>
                   <a:srgbClr val="D9DEDA"/>
                 </a:solidFill>
@@ -6617,17 +8194,17 @@
               <a:t>that</a:t>
             </a:r>
             <a:r>
-              <a:rPr sz="2600" spc="-10" dirty="0">
-                <a:solidFill>
-                  <a:srgbClr val="D9DEDA"/>
-                </a:solidFill>
-                <a:latin typeface="Lucida Sans Unicode"/>
-                <a:cs typeface="Lucida Sans Unicode"/>
-              </a:rPr>
-              <a:t> </a:t>
-            </a:r>
-            <a:r>
-              <a:rPr sz="2600" spc="65" dirty="0">
+              <a:rPr sz="2600" spc="-10">
+                <a:solidFill>
+                  <a:srgbClr val="D9DEDA"/>
+                </a:solidFill>
+                <a:latin typeface="Lucida Sans Unicode"/>
+                <a:cs typeface="Lucida Sans Unicode"/>
+              </a:rPr>
+              <a:t> </a:t>
+            </a:r>
+            <a:r>
+              <a:rPr sz="2600" spc="65">
                 <a:solidFill>
                   <a:srgbClr val="D9DEDA"/>
                 </a:solidFill>
@@ -6637,17 +8214,17 @@
               <a:t>suit</a:t>
             </a:r>
             <a:r>
-              <a:rPr sz="2600" spc="-5" dirty="0">
-                <a:solidFill>
-                  <a:srgbClr val="D9DEDA"/>
-                </a:solidFill>
-                <a:latin typeface="Lucida Sans Unicode"/>
-                <a:cs typeface="Lucida Sans Unicode"/>
-              </a:rPr>
-              <a:t> </a:t>
-            </a:r>
-            <a:r>
-              <a:rPr sz="2600" spc="165" dirty="0">
+              <a:rPr sz="2600" spc="-5">
+                <a:solidFill>
+                  <a:srgbClr val="D9DEDA"/>
+                </a:solidFill>
+                <a:latin typeface="Lucida Sans Unicode"/>
+                <a:cs typeface="Lucida Sans Unicode"/>
+              </a:rPr>
+              <a:t> </a:t>
+            </a:r>
+            <a:r>
+              <a:rPr sz="2600" spc="165">
                 <a:solidFill>
                   <a:srgbClr val="D9DEDA"/>
                 </a:solidFill>
@@ -6657,17 +8234,17 @@
               <a:t>customer</a:t>
             </a:r>
             <a:r>
-              <a:rPr sz="2600" spc="-10" dirty="0">
-                <a:solidFill>
-                  <a:srgbClr val="D9DEDA"/>
-                </a:solidFill>
-                <a:latin typeface="Lucida Sans Unicode"/>
-                <a:cs typeface="Lucida Sans Unicode"/>
-              </a:rPr>
-              <a:t> </a:t>
-            </a:r>
-            <a:r>
-              <a:rPr sz="2600" spc="50" dirty="0">
+              <a:rPr sz="2600" spc="-10">
+                <a:solidFill>
+                  <a:srgbClr val="D9DEDA"/>
+                </a:solidFill>
+                <a:latin typeface="Lucida Sans Unicode"/>
+                <a:cs typeface="Lucida Sans Unicode"/>
+              </a:rPr>
+              <a:t> </a:t>
+            </a:r>
+            <a:r>
+              <a:rPr sz="2600" spc="50">
                 <a:solidFill>
                   <a:srgbClr val="D9DEDA"/>
                 </a:solidFill>
@@ -6677,17 +8254,17 @@
               <a:t>or</a:t>
             </a:r>
             <a:r>
-              <a:rPr sz="2600" spc="-10" dirty="0">
-                <a:solidFill>
-                  <a:srgbClr val="D9DEDA"/>
-                </a:solidFill>
-                <a:latin typeface="Lucida Sans Unicode"/>
-                <a:cs typeface="Lucida Sans Unicode"/>
-              </a:rPr>
-              <a:t> </a:t>
-            </a:r>
-            <a:r>
-              <a:rPr sz="2600" spc="100" dirty="0">
+              <a:rPr sz="2600" spc="-10">
+                <a:solidFill>
+                  <a:srgbClr val="D9DEDA"/>
+                </a:solidFill>
+                <a:latin typeface="Lucida Sans Unicode"/>
+                <a:cs typeface="Lucida Sans Unicode"/>
+              </a:rPr>
+              <a:t> </a:t>
+            </a:r>
+            <a:r>
+              <a:rPr sz="2600" spc="100">
                 <a:solidFill>
                   <a:srgbClr val="D9DEDA"/>
                 </a:solidFill>
@@ -6697,17 +8274,17 @@
               <a:t>industry</a:t>
             </a:r>
             <a:r>
-              <a:rPr sz="2600" spc="-10" dirty="0">
-                <a:solidFill>
-                  <a:srgbClr val="D9DEDA"/>
-                </a:solidFill>
-                <a:latin typeface="Lucida Sans Unicode"/>
-                <a:cs typeface="Lucida Sans Unicode"/>
-              </a:rPr>
-              <a:t> </a:t>
-            </a:r>
-            <a:r>
-              <a:rPr sz="2600" spc="150" dirty="0">
+              <a:rPr sz="2600" spc="-10">
+                <a:solidFill>
+                  <a:srgbClr val="D9DEDA"/>
+                </a:solidFill>
+                <a:latin typeface="Lucida Sans Unicode"/>
+                <a:cs typeface="Lucida Sans Unicode"/>
+              </a:rPr>
+              <a:t> </a:t>
+            </a:r>
+            <a:r>
+              <a:rPr sz="2600" spc="150">
                 <a:solidFill>
                   <a:srgbClr val="D9DEDA"/>
                 </a:solidFill>
@@ -6717,7 +8294,7 @@
               <a:t>requirements</a:t>
             </a:r>
             <a:r>
-              <a:rPr sz="2100" spc="150" dirty="0">
+              <a:rPr sz="2100" spc="150">
                 <a:solidFill>
                   <a:srgbClr val="D9DEDA"/>
                 </a:solidFill>
@@ -6741,7 +8318,7 @@
         </p:nvSpPr>
         <p:spPr>
           <a:xfrm>
-            <a:off x="4684805" y="1603421"/>
+            <a:off x="4684805" y="1618075"/>
             <a:ext cx="1809750" cy="378460"/>
           </a:xfrm>
           <a:prstGeom prst="rect">
@@ -6872,7 +8449,7 @@
               </a:rPr>
               <a:t>E</a:t>
             </a:r>
-            <a:endParaRPr sz="2300">
+            <a:endParaRPr sz="2300" dirty="0">
               <a:latin typeface="Arial"/>
               <a:cs typeface="Arial"/>
             </a:endParaRPr>
@@ -6887,7 +8464,7 @@
         </p:nvSpPr>
         <p:spPr>
           <a:xfrm>
-            <a:off x="7587129" y="3177871"/>
+            <a:off x="7587129" y="3236486"/>
             <a:ext cx="8940800" cy="424180"/>
           </a:xfrm>
           <a:prstGeom prst="rect">
@@ -6909,7 +8486,7 @@
               </a:spcBef>
             </a:pPr>
             <a:r>
-              <a:rPr sz="2600" spc="114" dirty="0">
+              <a:rPr sz="2600" spc="114">
                 <a:solidFill>
                   <a:srgbClr val="D9DEDA"/>
                 </a:solidFill>
@@ -6919,7 +8496,7 @@
               <a:t>Identify </a:t>
             </a:r>
             <a:r>
-              <a:rPr sz="2600" spc="140" dirty="0">
+              <a:rPr sz="2600" spc="140">
                 <a:solidFill>
                   <a:srgbClr val="D9DEDA"/>
                 </a:solidFill>
@@ -6929,7 +8506,7 @@
               <a:t>customer</a:t>
             </a:r>
             <a:r>
-              <a:rPr sz="2100" spc="140" dirty="0">
+              <a:rPr sz="2100" spc="140">
                 <a:solidFill>
                   <a:srgbClr val="D9DEDA"/>
                 </a:solidFill>
@@ -6939,7 +8516,7 @@
               <a:t>'</a:t>
             </a:r>
             <a:r>
-              <a:rPr sz="2600" spc="140" dirty="0">
+              <a:rPr sz="2600" spc="140">
                 <a:solidFill>
                   <a:srgbClr val="D9DEDA"/>
                 </a:solidFill>
@@ -6949,7 +8526,7 @@
               <a:t>s </a:t>
             </a:r>
             <a:r>
-              <a:rPr sz="2600" spc="105" dirty="0">
+              <a:rPr sz="2600" spc="105">
                 <a:solidFill>
                   <a:srgbClr val="D9DEDA"/>
                 </a:solidFill>
@@ -6959,7 +8536,7 @@
               <a:t>critical </a:t>
             </a:r>
             <a:r>
-              <a:rPr sz="2600" spc="120" dirty="0">
+              <a:rPr sz="2600" spc="120">
                 <a:solidFill>
                   <a:srgbClr val="D9DEDA"/>
                 </a:solidFill>
@@ -6969,7 +8546,7 @@
               <a:t>to </a:t>
             </a:r>
             <a:r>
-              <a:rPr sz="2600" spc="125" dirty="0">
+              <a:rPr sz="2600" spc="125">
                 <a:solidFill>
                   <a:srgbClr val="D9DEDA"/>
                 </a:solidFill>
@@ -6979,17 +8556,17 @@
               <a:t>quality</a:t>
             </a:r>
             <a:r>
-              <a:rPr sz="2600" spc="-575" dirty="0">
-                <a:solidFill>
-                  <a:srgbClr val="D9DEDA"/>
-                </a:solidFill>
-                <a:latin typeface="Lucida Sans Unicode"/>
-                <a:cs typeface="Lucida Sans Unicode"/>
-              </a:rPr>
-              <a:t> </a:t>
-            </a:r>
-            <a:r>
-              <a:rPr sz="2600" spc="150" dirty="0">
+              <a:rPr sz="2600" spc="-575">
+                <a:solidFill>
+                  <a:srgbClr val="D9DEDA"/>
+                </a:solidFill>
+                <a:latin typeface="Lucida Sans Unicode"/>
+                <a:cs typeface="Lucida Sans Unicode"/>
+              </a:rPr>
+              <a:t> </a:t>
+            </a:r>
+            <a:r>
+              <a:rPr sz="2600" spc="150">
                 <a:solidFill>
                   <a:srgbClr val="D9DEDA"/>
                 </a:solidFill>
@@ -6999,7 +8576,7 @@
               <a:t>requirements</a:t>
             </a:r>
             <a:r>
-              <a:rPr sz="2100" spc="150" dirty="0">
+              <a:rPr sz="2100" spc="150">
                 <a:solidFill>
                   <a:srgbClr val="D9DEDA"/>
                 </a:solidFill>
@@ -7023,7 +8600,7 @@
         </p:nvSpPr>
         <p:spPr>
           <a:xfrm>
-            <a:off x="4684805" y="3275240"/>
+            <a:off x="4684805" y="3231278"/>
             <a:ext cx="2406015" cy="378460"/>
           </a:xfrm>
           <a:prstGeom prst="rect">
@@ -7045,7 +8622,7 @@
               </a:spcBef>
             </a:pPr>
             <a:r>
-              <a:rPr sz="2300" spc="1100" dirty="0">
+              <a:rPr sz="2300" spc="1100">
                 <a:solidFill>
                   <a:srgbClr val="8A7D62"/>
                 </a:solidFill>
@@ -7055,17 +8632,17 @@
               <a:t>M</a:t>
             </a:r>
             <a:r>
-              <a:rPr sz="2300" spc="-300" dirty="0">
-                <a:solidFill>
-                  <a:srgbClr val="8A7D62"/>
-                </a:solidFill>
-                <a:latin typeface="Arial"/>
-                <a:cs typeface="Arial"/>
-              </a:rPr>
-              <a:t> </a:t>
-            </a:r>
-            <a:r>
-              <a:rPr sz="2300" spc="605" dirty="0">
+              <a:rPr sz="2300" spc="-300">
+                <a:solidFill>
+                  <a:srgbClr val="8A7D62"/>
+                </a:solidFill>
+                <a:latin typeface="Arial"/>
+                <a:cs typeface="Arial"/>
+              </a:rPr>
+              <a:t> </a:t>
+            </a:r>
+            <a:r>
+              <a:rPr sz="2300" spc="605">
                 <a:solidFill>
                   <a:srgbClr val="8A7D62"/>
                 </a:solidFill>
@@ -7075,17 +8652,17 @@
               <a:t>E</a:t>
             </a:r>
             <a:r>
-              <a:rPr sz="2300" spc="-300" dirty="0">
-                <a:solidFill>
-                  <a:srgbClr val="8A7D62"/>
-                </a:solidFill>
-                <a:latin typeface="Arial"/>
-                <a:cs typeface="Arial"/>
-              </a:rPr>
-              <a:t> </a:t>
-            </a:r>
-            <a:r>
-              <a:rPr sz="2300" spc="869" dirty="0">
+              <a:rPr sz="2300" spc="-300">
+                <a:solidFill>
+                  <a:srgbClr val="8A7D62"/>
+                </a:solidFill>
+                <a:latin typeface="Arial"/>
+                <a:cs typeface="Arial"/>
+              </a:rPr>
+              <a:t> </a:t>
+            </a:r>
+            <a:r>
+              <a:rPr sz="2300" spc="869">
                 <a:solidFill>
                   <a:srgbClr val="8A7D62"/>
                 </a:solidFill>
@@ -7095,17 +8672,17 @@
               <a:t>A</a:t>
             </a:r>
             <a:r>
-              <a:rPr sz="2300" spc="-300" dirty="0">
-                <a:solidFill>
-                  <a:srgbClr val="8A7D62"/>
-                </a:solidFill>
-                <a:latin typeface="Arial"/>
-                <a:cs typeface="Arial"/>
-              </a:rPr>
-              <a:t> </a:t>
-            </a:r>
-            <a:r>
-              <a:rPr sz="2300" spc="495" dirty="0">
+              <a:rPr sz="2300" spc="-300">
+                <a:solidFill>
+                  <a:srgbClr val="8A7D62"/>
+                </a:solidFill>
+                <a:latin typeface="Arial"/>
+                <a:cs typeface="Arial"/>
+              </a:rPr>
+              <a:t> </a:t>
+            </a:r>
+            <a:r>
+              <a:rPr sz="2300" spc="495">
                 <a:solidFill>
                   <a:srgbClr val="8A7D62"/>
                 </a:solidFill>
@@ -7115,17 +8692,17 @@
               <a:t>S</a:t>
             </a:r>
             <a:r>
-              <a:rPr sz="2300" spc="-295" dirty="0">
-                <a:solidFill>
-                  <a:srgbClr val="8A7D62"/>
-                </a:solidFill>
-                <a:latin typeface="Arial"/>
-                <a:cs typeface="Arial"/>
-              </a:rPr>
-              <a:t> </a:t>
-            </a:r>
-            <a:r>
-              <a:rPr sz="2300" spc="830" dirty="0">
+              <a:rPr sz="2300" spc="-295">
+                <a:solidFill>
+                  <a:srgbClr val="8A7D62"/>
+                </a:solidFill>
+                <a:latin typeface="Arial"/>
+                <a:cs typeface="Arial"/>
+              </a:rPr>
+              <a:t> </a:t>
+            </a:r>
+            <a:r>
+              <a:rPr sz="2300" spc="830">
                 <a:solidFill>
                   <a:srgbClr val="8A7D62"/>
                 </a:solidFill>
@@ -7135,17 +8712,17 @@
               <a:t>U</a:t>
             </a:r>
             <a:r>
-              <a:rPr sz="2300" spc="-300" dirty="0">
-                <a:solidFill>
-                  <a:srgbClr val="8A7D62"/>
-                </a:solidFill>
-                <a:latin typeface="Arial"/>
-                <a:cs typeface="Arial"/>
-              </a:rPr>
-              <a:t> </a:t>
-            </a:r>
-            <a:r>
-              <a:rPr sz="2300" spc="695" dirty="0">
+              <a:rPr sz="2300" spc="-300">
+                <a:solidFill>
+                  <a:srgbClr val="8A7D62"/>
+                </a:solidFill>
+                <a:latin typeface="Arial"/>
+                <a:cs typeface="Arial"/>
+              </a:rPr>
+              <a:t> </a:t>
+            </a:r>
+            <a:r>
+              <a:rPr sz="2300" spc="695">
                 <a:solidFill>
                   <a:srgbClr val="8A7D62"/>
                 </a:solidFill>
@@ -7155,17 +8732,17 @@
               <a:t>R</a:t>
             </a:r>
             <a:r>
-              <a:rPr sz="2300" spc="-300" dirty="0">
-                <a:solidFill>
-                  <a:srgbClr val="8A7D62"/>
-                </a:solidFill>
-                <a:latin typeface="Arial"/>
-                <a:cs typeface="Arial"/>
-              </a:rPr>
-              <a:t> </a:t>
-            </a:r>
-            <a:r>
-              <a:rPr sz="2300" spc="605" dirty="0">
+              <a:rPr sz="2300" spc="-300">
+                <a:solidFill>
+                  <a:srgbClr val="8A7D62"/>
+                </a:solidFill>
+                <a:latin typeface="Arial"/>
+                <a:cs typeface="Arial"/>
+              </a:rPr>
+              <a:t> </a:t>
+            </a:r>
+            <a:r>
+              <a:rPr sz="2300" spc="605">
                 <a:solidFill>
                   <a:srgbClr val="8A7D62"/>
                 </a:solidFill>
@@ -7189,7 +8766,7 @@
         </p:nvSpPr>
         <p:spPr>
           <a:xfrm>
-            <a:off x="7587129" y="4990005"/>
+            <a:off x="7587129" y="4960697"/>
             <a:ext cx="5868035" cy="424180"/>
           </a:xfrm>
           <a:prstGeom prst="rect">
@@ -7211,7 +8788,7 @@
               </a:spcBef>
             </a:pPr>
             <a:r>
-              <a:rPr sz="2600" spc="150" dirty="0">
+              <a:rPr sz="2600" spc="150">
                 <a:solidFill>
                   <a:srgbClr val="D9DEDA"/>
                 </a:solidFill>
@@ -7221,7 +8798,7 @@
               <a:t>Multiple </a:t>
             </a:r>
             <a:r>
-              <a:rPr sz="2600" spc="114" dirty="0">
+              <a:rPr sz="2600" spc="114">
                 <a:solidFill>
                   <a:srgbClr val="D9DEDA"/>
                 </a:solidFill>
@@ -7231,7 +8808,7 @@
               <a:t>options </a:t>
             </a:r>
             <a:r>
-              <a:rPr sz="2600" spc="215" dirty="0">
+              <a:rPr sz="2600" spc="215">
                 <a:solidFill>
                   <a:srgbClr val="D9DEDA"/>
                 </a:solidFill>
@@ -7241,17 +8818,17 @@
               <a:t>and</a:t>
             </a:r>
             <a:r>
-              <a:rPr sz="2600" spc="-290" dirty="0">
-                <a:solidFill>
-                  <a:srgbClr val="D9DEDA"/>
-                </a:solidFill>
-                <a:latin typeface="Lucida Sans Unicode"/>
-                <a:cs typeface="Lucida Sans Unicode"/>
-              </a:rPr>
-              <a:t> </a:t>
-            </a:r>
-            <a:r>
-              <a:rPr sz="2600" spc="105" dirty="0">
+              <a:rPr sz="2600" spc="-290">
+                <a:solidFill>
+                  <a:srgbClr val="D9DEDA"/>
+                </a:solidFill>
+                <a:latin typeface="Lucida Sans Unicode"/>
+                <a:cs typeface="Lucida Sans Unicode"/>
+              </a:rPr>
+              <a:t> </a:t>
+            </a:r>
+            <a:r>
+              <a:rPr sz="2600" spc="105">
                 <a:solidFill>
                   <a:srgbClr val="D9DEDA"/>
                 </a:solidFill>
@@ -7261,7 +8838,7 @@
               <a:t>alternatives</a:t>
             </a:r>
             <a:r>
-              <a:rPr sz="2100" spc="105" dirty="0">
+              <a:rPr sz="2100" spc="105">
                 <a:solidFill>
                   <a:srgbClr val="D9DEDA"/>
                 </a:solidFill>
@@ -7285,7 +8862,7 @@
         </p:nvSpPr>
         <p:spPr>
           <a:xfrm>
-            <a:off x="4684805" y="5013165"/>
+            <a:off x="4684804" y="4954550"/>
             <a:ext cx="2253615" cy="378460"/>
           </a:xfrm>
           <a:prstGeom prst="rect">
@@ -7436,7 +9013,7 @@
               </a:rPr>
               <a:t>E</a:t>
             </a:r>
-            <a:endParaRPr sz="2300">
+            <a:endParaRPr sz="2300" dirty="0">
               <a:latin typeface="Arial"/>
               <a:cs typeface="Arial"/>
             </a:endParaRPr>
@@ -7451,7 +9028,7 @@
         </p:nvSpPr>
         <p:spPr>
           <a:xfrm>
-            <a:off x="4684805" y="6694262"/>
+            <a:off x="4684805" y="6443499"/>
             <a:ext cx="1868170" cy="378460"/>
           </a:xfrm>
           <a:prstGeom prst="rect">
@@ -7582,7 +9159,7 @@
               </a:rPr>
               <a:t>N</a:t>
             </a:r>
-            <a:endParaRPr sz="2300">
+            <a:endParaRPr sz="2300" dirty="0">
               <a:latin typeface="Arial"/>
               <a:cs typeface="Arial"/>
             </a:endParaRPr>
@@ -7597,7 +9174,7 @@
         </p:nvSpPr>
         <p:spPr>
           <a:xfrm>
-            <a:off x="7587129" y="6633999"/>
+            <a:off x="7587129" y="6443499"/>
             <a:ext cx="7117080" cy="424180"/>
           </a:xfrm>
           <a:prstGeom prst="rect">
@@ -7619,7 +9196,7 @@
               </a:spcBef>
             </a:pPr>
             <a:r>
-              <a:rPr sz="2600" spc="160" dirty="0">
+              <a:rPr sz="2600" spc="160">
                 <a:solidFill>
                   <a:srgbClr val="D9DEDA"/>
                 </a:solidFill>
@@ -7629,7 +9206,7 @@
               <a:t>Prototype </a:t>
             </a:r>
             <a:r>
-              <a:rPr sz="2600" spc="80" dirty="0">
+              <a:rPr sz="2600" spc="80">
                 <a:solidFill>
                   <a:srgbClr val="D9DEDA"/>
                 </a:solidFill>
@@ -7639,7 +9216,7 @@
               <a:t>version </a:t>
             </a:r>
             <a:r>
-              <a:rPr sz="2600" spc="35" dirty="0">
+              <a:rPr sz="2600" spc="35">
                 <a:solidFill>
                   <a:srgbClr val="D9DEDA"/>
                 </a:solidFill>
@@ -7649,7 +9226,7 @@
               <a:t>of </a:t>
             </a:r>
             <a:r>
-              <a:rPr sz="2600" spc="100" dirty="0">
+              <a:rPr sz="2600" spc="100">
                 <a:solidFill>
                   <a:srgbClr val="D9DEDA"/>
                 </a:solidFill>
@@ -7659,7 +9236,7 @@
               <a:t>process </a:t>
             </a:r>
             <a:r>
-              <a:rPr sz="2600" spc="-30" dirty="0">
+              <a:rPr sz="2600" spc="-30">
                 <a:solidFill>
                   <a:srgbClr val="D9DEDA"/>
                 </a:solidFill>
@@ -7669,17 +9246,17 @@
               <a:t>is</a:t>
             </a:r>
             <a:r>
-              <a:rPr sz="2600" spc="-425" dirty="0">
-                <a:solidFill>
-                  <a:srgbClr val="D9DEDA"/>
-                </a:solidFill>
-                <a:latin typeface="Lucida Sans Unicode"/>
-                <a:cs typeface="Lucida Sans Unicode"/>
-              </a:rPr>
-              <a:t> </a:t>
-            </a:r>
-            <a:r>
-              <a:rPr sz="2600" spc="150" dirty="0">
+              <a:rPr sz="2600" spc="-425">
+                <a:solidFill>
+                  <a:srgbClr val="D9DEDA"/>
+                </a:solidFill>
+                <a:latin typeface="Lucida Sans Unicode"/>
+                <a:cs typeface="Lucida Sans Unicode"/>
+              </a:rPr>
+              <a:t> </a:t>
+            </a:r>
+            <a:r>
+              <a:rPr sz="2600" spc="150">
                 <a:solidFill>
                   <a:srgbClr val="D9DEDA"/>
                 </a:solidFill>
@@ -7689,7 +9266,7 @@
               <a:t>designed</a:t>
             </a:r>
             <a:r>
-              <a:rPr sz="2100" spc="150" dirty="0">
+              <a:rPr sz="2100" spc="150">
                 <a:solidFill>
                   <a:srgbClr val="D9DEDA"/>
                 </a:solidFill>
@@ -7713,7 +9290,7 @@
         </p:nvSpPr>
         <p:spPr>
           <a:xfrm>
-            <a:off x="4684805" y="8430310"/>
+            <a:off x="4684804" y="8181194"/>
             <a:ext cx="1737995" cy="378460"/>
           </a:xfrm>
           <a:prstGeom prst="rect">
@@ -7735,7 +9312,7 @@
               </a:spcBef>
             </a:pPr>
             <a:r>
-              <a:rPr sz="2300" spc="715" dirty="0">
+              <a:rPr sz="2300" spc="715">
                 <a:solidFill>
                   <a:srgbClr val="8A7D62"/>
                 </a:solidFill>
@@ -7745,17 +9322,17 @@
               <a:t>V</a:t>
             </a:r>
             <a:r>
-              <a:rPr sz="2300" spc="-305" dirty="0">
-                <a:solidFill>
-                  <a:srgbClr val="8A7D62"/>
-                </a:solidFill>
-                <a:latin typeface="Arial"/>
-                <a:cs typeface="Arial"/>
-              </a:rPr>
-              <a:t> </a:t>
-            </a:r>
-            <a:r>
-              <a:rPr sz="2300" spc="605" dirty="0">
+              <a:rPr sz="2300" spc="-305">
+                <a:solidFill>
+                  <a:srgbClr val="8A7D62"/>
+                </a:solidFill>
+                <a:latin typeface="Arial"/>
+                <a:cs typeface="Arial"/>
+              </a:rPr>
+              <a:t> </a:t>
+            </a:r>
+            <a:r>
+              <a:rPr sz="2300" spc="605">
                 <a:solidFill>
                   <a:srgbClr val="8A7D62"/>
                 </a:solidFill>
@@ -7765,17 +9342,17 @@
               <a:t>E</a:t>
             </a:r>
             <a:r>
-              <a:rPr sz="2300" spc="-300" dirty="0">
-                <a:solidFill>
-                  <a:srgbClr val="8A7D62"/>
-                </a:solidFill>
-                <a:latin typeface="Arial"/>
-                <a:cs typeface="Arial"/>
-              </a:rPr>
-              <a:t> </a:t>
-            </a:r>
-            <a:r>
-              <a:rPr sz="2300" spc="695" dirty="0">
+              <a:rPr sz="2300" spc="-300">
+                <a:solidFill>
+                  <a:srgbClr val="8A7D62"/>
+                </a:solidFill>
+                <a:latin typeface="Arial"/>
+                <a:cs typeface="Arial"/>
+              </a:rPr>
+              <a:t> </a:t>
+            </a:r>
+            <a:r>
+              <a:rPr sz="2300" spc="695">
                 <a:solidFill>
                   <a:srgbClr val="8A7D62"/>
                 </a:solidFill>
@@ -7785,17 +9362,17 @@
               <a:t>R</a:t>
             </a:r>
             <a:r>
-              <a:rPr sz="2300" spc="-300" dirty="0">
-                <a:solidFill>
-                  <a:srgbClr val="8A7D62"/>
-                </a:solidFill>
-                <a:latin typeface="Arial"/>
-                <a:cs typeface="Arial"/>
-              </a:rPr>
-              <a:t> </a:t>
-            </a:r>
-            <a:r>
-              <a:rPr sz="2300" spc="345" dirty="0">
+              <a:rPr sz="2300" spc="-300">
+                <a:solidFill>
+                  <a:srgbClr val="8A7D62"/>
+                </a:solidFill>
+                <a:latin typeface="Arial"/>
+                <a:cs typeface="Arial"/>
+              </a:rPr>
+              <a:t> </a:t>
+            </a:r>
+            <a:r>
+              <a:rPr sz="2300" spc="345">
                 <a:solidFill>
                   <a:srgbClr val="8A7D62"/>
                 </a:solidFill>
@@ -7805,17 +9382,17 @@
               <a:t>I</a:t>
             </a:r>
             <a:r>
-              <a:rPr sz="2300" spc="-300" dirty="0">
-                <a:solidFill>
-                  <a:srgbClr val="8A7D62"/>
-                </a:solidFill>
-                <a:latin typeface="Arial"/>
-                <a:cs typeface="Arial"/>
-              </a:rPr>
-              <a:t> </a:t>
-            </a:r>
-            <a:r>
-              <a:rPr sz="2300" spc="470" dirty="0">
+              <a:rPr sz="2300" spc="-300">
+                <a:solidFill>
+                  <a:srgbClr val="8A7D62"/>
+                </a:solidFill>
+                <a:latin typeface="Arial"/>
+                <a:cs typeface="Arial"/>
+              </a:rPr>
+              <a:t> </a:t>
+            </a:r>
+            <a:r>
+              <a:rPr sz="2300" spc="470">
                 <a:solidFill>
                   <a:srgbClr val="8A7D62"/>
                 </a:solidFill>
@@ -7825,17 +9402,17 @@
               <a:t>F</a:t>
             </a:r>
             <a:r>
-              <a:rPr sz="2300" spc="-305" dirty="0">
-                <a:solidFill>
-                  <a:srgbClr val="8A7D62"/>
-                </a:solidFill>
-                <a:latin typeface="Arial"/>
-                <a:cs typeface="Arial"/>
-              </a:rPr>
-              <a:t> </a:t>
-            </a:r>
-            <a:r>
-              <a:rPr sz="2300" spc="540" dirty="0">
+              <a:rPr sz="2300" spc="-305">
+                <a:solidFill>
+                  <a:srgbClr val="8A7D62"/>
+                </a:solidFill>
+                <a:latin typeface="Arial"/>
+                <a:cs typeface="Arial"/>
+              </a:rPr>
+              <a:t> </a:t>
+            </a:r>
+            <a:r>
+              <a:rPr sz="2300" spc="540">
                 <a:solidFill>
                   <a:srgbClr val="8A7D62"/>
                 </a:solidFill>
@@ -7859,7 +9436,7 @@
         </p:nvSpPr>
         <p:spPr>
           <a:xfrm>
-            <a:off x="7587129" y="8374753"/>
+            <a:off x="7587129" y="8184253"/>
             <a:ext cx="8231505" cy="424180"/>
           </a:xfrm>
           <a:prstGeom prst="rect">
@@ -7881,7 +9458,7 @@
               </a:spcBef>
             </a:pPr>
             <a:r>
-              <a:rPr sz="2600" spc="125" dirty="0">
+              <a:rPr sz="2600" spc="125">
                 <a:solidFill>
                   <a:srgbClr val="D9DEDA"/>
                 </a:solidFill>
@@ -7891,17 +9468,17 @@
               <a:t>Final</a:t>
             </a:r>
             <a:r>
-              <a:rPr sz="2600" spc="-15" dirty="0">
-                <a:solidFill>
-                  <a:srgbClr val="D9DEDA"/>
-                </a:solidFill>
-                <a:latin typeface="Lucida Sans Unicode"/>
-                <a:cs typeface="Lucida Sans Unicode"/>
-              </a:rPr>
-              <a:t> </a:t>
-            </a:r>
-            <a:r>
-              <a:rPr sz="2600" spc="170" dirty="0">
+              <a:rPr sz="2600" spc="-15">
+                <a:solidFill>
+                  <a:srgbClr val="D9DEDA"/>
+                </a:solidFill>
+                <a:latin typeface="Lucida Sans Unicode"/>
+                <a:cs typeface="Lucida Sans Unicode"/>
+              </a:rPr>
+              <a:t> </a:t>
+            </a:r>
+            <a:r>
+              <a:rPr sz="2600" spc="170">
                 <a:solidFill>
                   <a:srgbClr val="D9DEDA"/>
                 </a:solidFill>
@@ -7911,17 +9488,17 @@
               <a:t>product</a:t>
             </a:r>
             <a:r>
-              <a:rPr sz="2600" spc="-15" dirty="0">
-                <a:solidFill>
-                  <a:srgbClr val="D9DEDA"/>
-                </a:solidFill>
-                <a:latin typeface="Lucida Sans Unicode"/>
-                <a:cs typeface="Lucida Sans Unicode"/>
-              </a:rPr>
-              <a:t> </a:t>
-            </a:r>
-            <a:r>
-              <a:rPr sz="2600" spc="185" dirty="0">
+              <a:rPr sz="2600" spc="-15">
+                <a:solidFill>
+                  <a:srgbClr val="D9DEDA"/>
+                </a:solidFill>
+                <a:latin typeface="Lucida Sans Unicode"/>
+                <a:cs typeface="Lucida Sans Unicode"/>
+              </a:rPr>
+              <a:t> </a:t>
+            </a:r>
+            <a:r>
+              <a:rPr sz="2600" spc="185">
                 <a:solidFill>
                   <a:srgbClr val="D9DEDA"/>
                 </a:solidFill>
@@ -7931,17 +9508,17 @@
               <a:t>must</a:t>
             </a:r>
             <a:r>
-              <a:rPr sz="2600" spc="-15" dirty="0">
-                <a:solidFill>
-                  <a:srgbClr val="D9DEDA"/>
-                </a:solidFill>
-                <a:latin typeface="Lucida Sans Unicode"/>
-                <a:cs typeface="Lucida Sans Unicode"/>
-              </a:rPr>
-              <a:t> </a:t>
-            </a:r>
-            <a:r>
-              <a:rPr sz="2600" spc="215" dirty="0">
+              <a:rPr sz="2600" spc="-15">
+                <a:solidFill>
+                  <a:srgbClr val="D9DEDA"/>
+                </a:solidFill>
+                <a:latin typeface="Lucida Sans Unicode"/>
+                <a:cs typeface="Lucida Sans Unicode"/>
+              </a:rPr>
+              <a:t> </a:t>
+            </a:r>
+            <a:r>
+              <a:rPr sz="2600" spc="215">
                 <a:solidFill>
                   <a:srgbClr val="D9DEDA"/>
                 </a:solidFill>
@@ -7951,17 +9528,17 @@
               <a:t>be</a:t>
             </a:r>
             <a:r>
-              <a:rPr sz="2600" spc="-15" dirty="0">
-                <a:solidFill>
-                  <a:srgbClr val="D9DEDA"/>
-                </a:solidFill>
-                <a:latin typeface="Lucida Sans Unicode"/>
-                <a:cs typeface="Lucida Sans Unicode"/>
-              </a:rPr>
-              <a:t> </a:t>
-            </a:r>
-            <a:r>
-              <a:rPr sz="2600" spc="165" dirty="0">
+              <a:rPr sz="2600" spc="-15">
+                <a:solidFill>
+                  <a:srgbClr val="D9DEDA"/>
+                </a:solidFill>
+                <a:latin typeface="Lucida Sans Unicode"/>
+                <a:cs typeface="Lucida Sans Unicode"/>
+              </a:rPr>
+              <a:t> </a:t>
+            </a:r>
+            <a:r>
+              <a:rPr sz="2600" spc="165">
                 <a:solidFill>
                   <a:srgbClr val="D9DEDA"/>
                 </a:solidFill>
@@ -7971,17 +9548,17 @@
               <a:t>approved</a:t>
             </a:r>
             <a:r>
-              <a:rPr sz="2600" spc="-15" dirty="0">
-                <a:solidFill>
-                  <a:srgbClr val="D9DEDA"/>
-                </a:solidFill>
-                <a:latin typeface="Lucida Sans Unicode"/>
-                <a:cs typeface="Lucida Sans Unicode"/>
-              </a:rPr>
-              <a:t> </a:t>
-            </a:r>
-            <a:r>
-              <a:rPr sz="2600" spc="145" dirty="0">
+              <a:rPr sz="2600" spc="-15">
+                <a:solidFill>
+                  <a:srgbClr val="D9DEDA"/>
+                </a:solidFill>
+                <a:latin typeface="Lucida Sans Unicode"/>
+                <a:cs typeface="Lucida Sans Unicode"/>
+              </a:rPr>
+              <a:t> </a:t>
+            </a:r>
+            <a:r>
+              <a:rPr sz="2600" spc="145">
                 <a:solidFill>
                   <a:srgbClr val="D9DEDA"/>
                 </a:solidFill>
@@ -7991,17 +9568,17 @@
               <a:t>by</a:t>
             </a:r>
             <a:r>
-              <a:rPr sz="2600" spc="-15" dirty="0">
-                <a:solidFill>
-                  <a:srgbClr val="D9DEDA"/>
-                </a:solidFill>
-                <a:latin typeface="Lucida Sans Unicode"/>
-                <a:cs typeface="Lucida Sans Unicode"/>
-              </a:rPr>
-              <a:t> </a:t>
-            </a:r>
-            <a:r>
-              <a:rPr sz="2600" spc="140" dirty="0">
+              <a:rPr sz="2600" spc="-15">
+                <a:solidFill>
+                  <a:srgbClr val="D9DEDA"/>
+                </a:solidFill>
+                <a:latin typeface="Lucida Sans Unicode"/>
+                <a:cs typeface="Lucida Sans Unicode"/>
+              </a:rPr>
+              <a:t> </a:t>
+            </a:r>
+            <a:r>
+              <a:rPr sz="2600" spc="140">
                 <a:solidFill>
                   <a:srgbClr val="D9DEDA"/>
                 </a:solidFill>
@@ -8011,7 +9588,7 @@
               <a:t>customers</a:t>
             </a:r>
             <a:r>
-              <a:rPr sz="2100" spc="140" dirty="0">
+              <a:rPr sz="2100" spc="140">
                 <a:solidFill>
                   <a:srgbClr val="D9DEDA"/>
                 </a:solidFill>
@@ -8032,12 +9609,580 @@
   <p:clrMapOvr>
     <a:masterClrMapping/>
   </p:clrMapOvr>
+  <p:transition spd="slow">
+    <p:push dir="u"/>
+  </p:transition>
   <p:timing>
     <p:tnLst>
       <p:par>
-        <p:cTn id="1" dur="indefinite" restart="never" nodeType="tmRoot"/>
+        <p:cTn id="1" dur="indefinite" restart="never" nodeType="tmRoot">
+          <p:childTnLst>
+            <p:seq concurrent="1" nextAc="seek">
+              <p:cTn id="2" dur="indefinite" nodeType="mainSeq">
+                <p:childTnLst>
+                  <p:par>
+                    <p:cTn id="3" fill="hold">
+                      <p:stCondLst>
+                        <p:cond delay="indefinite"/>
+                      </p:stCondLst>
+                      <p:childTnLst>
+                        <p:par>
+                          <p:cTn id="4" fill="hold">
+                            <p:stCondLst>
+                              <p:cond delay="0"/>
+                            </p:stCondLst>
+                            <p:childTnLst>
+                              <p:par>
+                                <p:cTn id="5" presetID="10" presetClass="entr" presetSubtype="0" fill="hold" grpId="0" nodeType="clickEffect">
+                                  <p:stCondLst>
+                                    <p:cond delay="0"/>
+                                  </p:stCondLst>
+                                  <p:childTnLst>
+                                    <p:set>
+                                      <p:cBhvr>
+                                        <p:cTn id="6" dur="1" fill="hold">
+                                          <p:stCondLst>
+                                            <p:cond delay="0"/>
+                                          </p:stCondLst>
+                                        </p:cTn>
+                                        <p:tgtEl>
+                                          <p:spTgt spid="5"/>
+                                        </p:tgtEl>
+                                        <p:attrNameLst>
+                                          <p:attrName>style.visibility</p:attrName>
+                                        </p:attrNameLst>
+                                      </p:cBhvr>
+                                      <p:to>
+                                        <p:strVal val="visible"/>
+                                      </p:to>
+                                    </p:set>
+                                    <p:animEffect transition="in" filter="fade">
+                                      <p:cBhvr>
+                                        <p:cTn id="7" dur="500"/>
+                                        <p:tgtEl>
+                                          <p:spTgt spid="5"/>
+                                        </p:tgtEl>
+                                      </p:cBhvr>
+                                    </p:animEffect>
+                                  </p:childTnLst>
+                                </p:cTn>
+                              </p:par>
+                            </p:childTnLst>
+                          </p:cTn>
+                        </p:par>
+                      </p:childTnLst>
+                    </p:cTn>
+                  </p:par>
+                  <p:par>
+                    <p:cTn id="8" fill="hold">
+                      <p:stCondLst>
+                        <p:cond delay="indefinite"/>
+                      </p:stCondLst>
+                      <p:childTnLst>
+                        <p:par>
+                          <p:cTn id="9" fill="hold">
+                            <p:stCondLst>
+                              <p:cond delay="0"/>
+                            </p:stCondLst>
+                            <p:childTnLst>
+                              <p:par>
+                                <p:cTn id="10" presetID="10" presetClass="entr" presetSubtype="0" fill="hold" grpId="0" nodeType="clickEffect">
+                                  <p:stCondLst>
+                                    <p:cond delay="0"/>
+                                  </p:stCondLst>
+                                  <p:childTnLst>
+                                    <p:set>
+                                      <p:cBhvr>
+                                        <p:cTn id="11" dur="1" fill="hold">
+                                          <p:stCondLst>
+                                            <p:cond delay="0"/>
+                                          </p:stCondLst>
+                                        </p:cTn>
+                                        <p:tgtEl>
+                                          <p:spTgt spid="4"/>
+                                        </p:tgtEl>
+                                        <p:attrNameLst>
+                                          <p:attrName>style.visibility</p:attrName>
+                                        </p:attrNameLst>
+                                      </p:cBhvr>
+                                      <p:to>
+                                        <p:strVal val="visible"/>
+                                      </p:to>
+                                    </p:set>
+                                    <p:animEffect transition="in" filter="fade">
+                                      <p:cBhvr>
+                                        <p:cTn id="12" dur="500"/>
+                                        <p:tgtEl>
+                                          <p:spTgt spid="4"/>
+                                        </p:tgtEl>
+                                      </p:cBhvr>
+                                    </p:animEffect>
+                                  </p:childTnLst>
+                                </p:cTn>
+                              </p:par>
+                            </p:childTnLst>
+                          </p:cTn>
+                        </p:par>
+                      </p:childTnLst>
+                    </p:cTn>
+                  </p:par>
+                  <p:par>
+                    <p:cTn id="13" fill="hold">
+                      <p:stCondLst>
+                        <p:cond delay="indefinite"/>
+                      </p:stCondLst>
+                      <p:childTnLst>
+                        <p:par>
+                          <p:cTn id="14" fill="hold">
+                            <p:stCondLst>
+                              <p:cond delay="0"/>
+                            </p:stCondLst>
+                            <p:childTnLst>
+                              <p:par>
+                                <p:cTn id="15" presetID="10" presetClass="entr" presetSubtype="0" fill="hold" grpId="0" nodeType="clickEffect">
+                                  <p:stCondLst>
+                                    <p:cond delay="0"/>
+                                  </p:stCondLst>
+                                  <p:childTnLst>
+                                    <p:set>
+                                      <p:cBhvr>
+                                        <p:cTn id="16" dur="1" fill="hold">
+                                          <p:stCondLst>
+                                            <p:cond delay="0"/>
+                                          </p:stCondLst>
+                                        </p:cTn>
+                                        <p:tgtEl>
+                                          <p:spTgt spid="7"/>
+                                        </p:tgtEl>
+                                        <p:attrNameLst>
+                                          <p:attrName>style.visibility</p:attrName>
+                                        </p:attrNameLst>
+                                      </p:cBhvr>
+                                      <p:to>
+                                        <p:strVal val="visible"/>
+                                      </p:to>
+                                    </p:set>
+                                    <p:animEffect transition="in" filter="fade">
+                                      <p:cBhvr>
+                                        <p:cTn id="17" dur="500"/>
+                                        <p:tgtEl>
+                                          <p:spTgt spid="7"/>
+                                        </p:tgtEl>
+                                      </p:cBhvr>
+                                    </p:animEffect>
+                                  </p:childTnLst>
+                                </p:cTn>
+                              </p:par>
+                            </p:childTnLst>
+                          </p:cTn>
+                        </p:par>
+                      </p:childTnLst>
+                    </p:cTn>
+                  </p:par>
+                  <p:par>
+                    <p:cTn id="18" fill="hold">
+                      <p:stCondLst>
+                        <p:cond delay="indefinite"/>
+                      </p:stCondLst>
+                      <p:childTnLst>
+                        <p:par>
+                          <p:cTn id="19" fill="hold">
+                            <p:stCondLst>
+                              <p:cond delay="0"/>
+                            </p:stCondLst>
+                            <p:childTnLst>
+                              <p:par>
+                                <p:cTn id="20" presetID="10" presetClass="entr" presetSubtype="0" fill="hold" grpId="0" nodeType="clickEffect">
+                                  <p:stCondLst>
+                                    <p:cond delay="0"/>
+                                  </p:stCondLst>
+                                  <p:childTnLst>
+                                    <p:set>
+                                      <p:cBhvr>
+                                        <p:cTn id="21" dur="1" fill="hold">
+                                          <p:stCondLst>
+                                            <p:cond delay="0"/>
+                                          </p:stCondLst>
+                                        </p:cTn>
+                                        <p:tgtEl>
+                                          <p:spTgt spid="6"/>
+                                        </p:tgtEl>
+                                        <p:attrNameLst>
+                                          <p:attrName>style.visibility</p:attrName>
+                                        </p:attrNameLst>
+                                      </p:cBhvr>
+                                      <p:to>
+                                        <p:strVal val="visible"/>
+                                      </p:to>
+                                    </p:set>
+                                    <p:animEffect transition="in" filter="fade">
+                                      <p:cBhvr>
+                                        <p:cTn id="22" dur="500"/>
+                                        <p:tgtEl>
+                                          <p:spTgt spid="6"/>
+                                        </p:tgtEl>
+                                      </p:cBhvr>
+                                    </p:animEffect>
+                                  </p:childTnLst>
+                                </p:cTn>
+                              </p:par>
+                            </p:childTnLst>
+                          </p:cTn>
+                        </p:par>
+                      </p:childTnLst>
+                    </p:cTn>
+                  </p:par>
+                  <p:par>
+                    <p:cTn id="23" fill="hold">
+                      <p:stCondLst>
+                        <p:cond delay="indefinite"/>
+                      </p:stCondLst>
+                      <p:childTnLst>
+                        <p:par>
+                          <p:cTn id="24" fill="hold">
+                            <p:stCondLst>
+                              <p:cond delay="0"/>
+                            </p:stCondLst>
+                            <p:childTnLst>
+                              <p:par>
+                                <p:cTn id="25" presetID="10" presetClass="entr" presetSubtype="0" fill="hold" grpId="0" nodeType="clickEffect">
+                                  <p:stCondLst>
+                                    <p:cond delay="0"/>
+                                  </p:stCondLst>
+                                  <p:childTnLst>
+                                    <p:set>
+                                      <p:cBhvr>
+                                        <p:cTn id="26" dur="1" fill="hold">
+                                          <p:stCondLst>
+                                            <p:cond delay="0"/>
+                                          </p:stCondLst>
+                                        </p:cTn>
+                                        <p:tgtEl>
+                                          <p:spTgt spid="9"/>
+                                        </p:tgtEl>
+                                        <p:attrNameLst>
+                                          <p:attrName>style.visibility</p:attrName>
+                                        </p:attrNameLst>
+                                      </p:cBhvr>
+                                      <p:to>
+                                        <p:strVal val="visible"/>
+                                      </p:to>
+                                    </p:set>
+                                    <p:animEffect transition="in" filter="fade">
+                                      <p:cBhvr>
+                                        <p:cTn id="27" dur="500"/>
+                                        <p:tgtEl>
+                                          <p:spTgt spid="9"/>
+                                        </p:tgtEl>
+                                      </p:cBhvr>
+                                    </p:animEffect>
+                                  </p:childTnLst>
+                                </p:cTn>
+                              </p:par>
+                            </p:childTnLst>
+                          </p:cTn>
+                        </p:par>
+                      </p:childTnLst>
+                    </p:cTn>
+                  </p:par>
+                  <p:par>
+                    <p:cTn id="28" fill="hold">
+                      <p:stCondLst>
+                        <p:cond delay="indefinite"/>
+                      </p:stCondLst>
+                      <p:childTnLst>
+                        <p:par>
+                          <p:cTn id="29" fill="hold">
+                            <p:stCondLst>
+                              <p:cond delay="0"/>
+                            </p:stCondLst>
+                            <p:childTnLst>
+                              <p:par>
+                                <p:cTn id="30" presetID="10" presetClass="entr" presetSubtype="0" fill="hold" grpId="0" nodeType="clickEffect">
+                                  <p:stCondLst>
+                                    <p:cond delay="0"/>
+                                  </p:stCondLst>
+                                  <p:childTnLst>
+                                    <p:set>
+                                      <p:cBhvr>
+                                        <p:cTn id="31" dur="1" fill="hold">
+                                          <p:stCondLst>
+                                            <p:cond delay="0"/>
+                                          </p:stCondLst>
+                                        </p:cTn>
+                                        <p:tgtEl>
+                                          <p:spTgt spid="8"/>
+                                        </p:tgtEl>
+                                        <p:attrNameLst>
+                                          <p:attrName>style.visibility</p:attrName>
+                                        </p:attrNameLst>
+                                      </p:cBhvr>
+                                      <p:to>
+                                        <p:strVal val="visible"/>
+                                      </p:to>
+                                    </p:set>
+                                    <p:animEffect transition="in" filter="fade">
+                                      <p:cBhvr>
+                                        <p:cTn id="32" dur="500"/>
+                                        <p:tgtEl>
+                                          <p:spTgt spid="8"/>
+                                        </p:tgtEl>
+                                      </p:cBhvr>
+                                    </p:animEffect>
+                                  </p:childTnLst>
+                                </p:cTn>
+                              </p:par>
+                            </p:childTnLst>
+                          </p:cTn>
+                        </p:par>
+                      </p:childTnLst>
+                    </p:cTn>
+                  </p:par>
+                  <p:par>
+                    <p:cTn id="33" fill="hold">
+                      <p:stCondLst>
+                        <p:cond delay="indefinite"/>
+                      </p:stCondLst>
+                      <p:childTnLst>
+                        <p:par>
+                          <p:cTn id="34" fill="hold">
+                            <p:stCondLst>
+                              <p:cond delay="0"/>
+                            </p:stCondLst>
+                            <p:childTnLst>
+                              <p:par>
+                                <p:cTn id="35" presetID="10" presetClass="entr" presetSubtype="0" fill="hold" grpId="0" nodeType="clickEffect">
+                                  <p:stCondLst>
+                                    <p:cond delay="0"/>
+                                  </p:stCondLst>
+                                  <p:childTnLst>
+                                    <p:set>
+                                      <p:cBhvr>
+                                        <p:cTn id="36" dur="1" fill="hold">
+                                          <p:stCondLst>
+                                            <p:cond delay="0"/>
+                                          </p:stCondLst>
+                                        </p:cTn>
+                                        <p:tgtEl>
+                                          <p:spTgt spid="10"/>
+                                        </p:tgtEl>
+                                        <p:attrNameLst>
+                                          <p:attrName>style.visibility</p:attrName>
+                                        </p:attrNameLst>
+                                      </p:cBhvr>
+                                      <p:to>
+                                        <p:strVal val="visible"/>
+                                      </p:to>
+                                    </p:set>
+                                    <p:animEffect transition="in" filter="fade">
+                                      <p:cBhvr>
+                                        <p:cTn id="37" dur="500"/>
+                                        <p:tgtEl>
+                                          <p:spTgt spid="10"/>
+                                        </p:tgtEl>
+                                      </p:cBhvr>
+                                    </p:animEffect>
+                                  </p:childTnLst>
+                                </p:cTn>
+                              </p:par>
+                            </p:childTnLst>
+                          </p:cTn>
+                        </p:par>
+                      </p:childTnLst>
+                    </p:cTn>
+                  </p:par>
+                  <p:par>
+                    <p:cTn id="38" fill="hold">
+                      <p:stCondLst>
+                        <p:cond delay="indefinite"/>
+                      </p:stCondLst>
+                      <p:childTnLst>
+                        <p:par>
+                          <p:cTn id="39" fill="hold">
+                            <p:stCondLst>
+                              <p:cond delay="0"/>
+                            </p:stCondLst>
+                            <p:childTnLst>
+                              <p:par>
+                                <p:cTn id="40" presetID="10" presetClass="entr" presetSubtype="0" fill="hold" grpId="0" nodeType="clickEffect">
+                                  <p:stCondLst>
+                                    <p:cond delay="0"/>
+                                  </p:stCondLst>
+                                  <p:childTnLst>
+                                    <p:set>
+                                      <p:cBhvr>
+                                        <p:cTn id="41" dur="1" fill="hold">
+                                          <p:stCondLst>
+                                            <p:cond delay="0"/>
+                                          </p:stCondLst>
+                                        </p:cTn>
+                                        <p:tgtEl>
+                                          <p:spTgt spid="11"/>
+                                        </p:tgtEl>
+                                        <p:attrNameLst>
+                                          <p:attrName>style.visibility</p:attrName>
+                                        </p:attrNameLst>
+                                      </p:cBhvr>
+                                      <p:to>
+                                        <p:strVal val="visible"/>
+                                      </p:to>
+                                    </p:set>
+                                    <p:animEffect transition="in" filter="fade">
+                                      <p:cBhvr>
+                                        <p:cTn id="42" dur="500"/>
+                                        <p:tgtEl>
+                                          <p:spTgt spid="11"/>
+                                        </p:tgtEl>
+                                      </p:cBhvr>
+                                    </p:animEffect>
+                                  </p:childTnLst>
+                                </p:cTn>
+                              </p:par>
+                            </p:childTnLst>
+                          </p:cTn>
+                        </p:par>
+                      </p:childTnLst>
+                    </p:cTn>
+                  </p:par>
+                  <p:par>
+                    <p:cTn id="43" fill="hold">
+                      <p:stCondLst>
+                        <p:cond delay="indefinite"/>
+                      </p:stCondLst>
+                      <p:childTnLst>
+                        <p:par>
+                          <p:cTn id="44" fill="hold">
+                            <p:stCondLst>
+                              <p:cond delay="0"/>
+                            </p:stCondLst>
+                            <p:childTnLst>
+                              <p:par>
+                                <p:cTn id="45" presetID="10" presetClass="entr" presetSubtype="0" fill="hold" grpId="0" nodeType="clickEffect">
+                                  <p:stCondLst>
+                                    <p:cond delay="0"/>
+                                  </p:stCondLst>
+                                  <p:childTnLst>
+                                    <p:set>
+                                      <p:cBhvr>
+                                        <p:cTn id="46" dur="1" fill="hold">
+                                          <p:stCondLst>
+                                            <p:cond delay="0"/>
+                                          </p:stCondLst>
+                                        </p:cTn>
+                                        <p:tgtEl>
+                                          <p:spTgt spid="12"/>
+                                        </p:tgtEl>
+                                        <p:attrNameLst>
+                                          <p:attrName>style.visibility</p:attrName>
+                                        </p:attrNameLst>
+                                      </p:cBhvr>
+                                      <p:to>
+                                        <p:strVal val="visible"/>
+                                      </p:to>
+                                    </p:set>
+                                    <p:animEffect transition="in" filter="fade">
+                                      <p:cBhvr>
+                                        <p:cTn id="47" dur="500"/>
+                                        <p:tgtEl>
+                                          <p:spTgt spid="12"/>
+                                        </p:tgtEl>
+                                      </p:cBhvr>
+                                    </p:animEffect>
+                                  </p:childTnLst>
+                                </p:cTn>
+                              </p:par>
+                            </p:childTnLst>
+                          </p:cTn>
+                        </p:par>
+                      </p:childTnLst>
+                    </p:cTn>
+                  </p:par>
+                  <p:par>
+                    <p:cTn id="48" fill="hold">
+                      <p:stCondLst>
+                        <p:cond delay="indefinite"/>
+                      </p:stCondLst>
+                      <p:childTnLst>
+                        <p:par>
+                          <p:cTn id="49" fill="hold">
+                            <p:stCondLst>
+                              <p:cond delay="0"/>
+                            </p:stCondLst>
+                            <p:childTnLst>
+                              <p:par>
+                                <p:cTn id="50" presetID="10" presetClass="entr" presetSubtype="0" fill="hold" grpId="0" nodeType="clickEffect">
+                                  <p:stCondLst>
+                                    <p:cond delay="0"/>
+                                  </p:stCondLst>
+                                  <p:childTnLst>
+                                    <p:set>
+                                      <p:cBhvr>
+                                        <p:cTn id="51" dur="1" fill="hold">
+                                          <p:stCondLst>
+                                            <p:cond delay="0"/>
+                                          </p:stCondLst>
+                                        </p:cTn>
+                                        <p:tgtEl>
+                                          <p:spTgt spid="13"/>
+                                        </p:tgtEl>
+                                        <p:attrNameLst>
+                                          <p:attrName>style.visibility</p:attrName>
+                                        </p:attrNameLst>
+                                      </p:cBhvr>
+                                      <p:to>
+                                        <p:strVal val="visible"/>
+                                      </p:to>
+                                    </p:set>
+                                    <p:animEffect transition="in" filter="fade">
+                                      <p:cBhvr>
+                                        <p:cTn id="52" dur="500"/>
+                                        <p:tgtEl>
+                                          <p:spTgt spid="13"/>
+                                        </p:tgtEl>
+                                      </p:cBhvr>
+                                    </p:animEffect>
+                                  </p:childTnLst>
+                                </p:cTn>
+                              </p:par>
+                            </p:childTnLst>
+                          </p:cTn>
+                        </p:par>
+                      </p:childTnLst>
+                    </p:cTn>
+                  </p:par>
+                </p:childTnLst>
+              </p:cTn>
+              <p:prevCondLst>
+                <p:cond evt="onPrev" delay="0">
+                  <p:tgtEl>
+                    <p:sldTgt/>
+                  </p:tgtEl>
+                </p:cond>
+              </p:prevCondLst>
+              <p:nextCondLst>
+                <p:cond evt="onNext" delay="0">
+                  <p:tgtEl>
+                    <p:sldTgt/>
+                  </p:tgtEl>
+                </p:cond>
+              </p:nextCondLst>
+            </p:seq>
+          </p:childTnLst>
+        </p:cTn>
       </p:par>
     </p:tnLst>
+    <p:bldLst>
+      <p:bldP spid="4" grpId="0"/>
+      <p:bldP spid="5" grpId="0"/>
+      <p:bldP spid="6" grpId="0"/>
+      <p:bldP spid="7" grpId="0"/>
+      <p:bldP spid="8" grpId="0"/>
+      <p:bldP spid="9" grpId="0"/>
+      <p:bldP spid="10" grpId="0"/>
+      <p:bldP spid="11" grpId="0"/>
+      <p:bldP spid="12" grpId="0"/>
+      <p:bldP spid="13" grpId="0"/>
+    </p:bldLst>
   </p:timing>
 </p:sld>
 </file>
@@ -8072,19 +10217,26 @@
         <p:spPr>
           <a:xfrm>
             <a:off x="1262529" y="1560607"/>
-            <a:ext cx="5517515" cy="1077595"/>
+            <a:ext cx="5517515" cy="1074653"/>
           </a:xfrm>
           <a:prstGeom prst="rect">
             <a:avLst/>
           </a:prstGeom>
+          <a:ln>
+            <a:solidFill>
+              <a:schemeClr val="bg2">
+                <a:lumMod val="90000"/>
+              </a:schemeClr>
+            </a:solidFill>
+          </a:ln>
         </p:spPr>
         <p:txBody>
-          <a:bodyPr vert="horz" wrap="square" lIns="0" tIns="12700" rIns="0" bIns="0" rtlCol="0">
+          <a:bodyPr vert="horz" wrap="square" lIns="0" tIns="12700" rIns="0" bIns="0" rtlCol="0" anchor="t">
             <a:spAutoFit/>
           </a:bodyPr>
           <a:lstStyle/>
           <a:p>
-            <a:pPr marL="12700">
+            <a:pPr marL="12700" algn="ctr">
               <a:lnSpc>
                 <a:spcPct val="100000"/>
               </a:lnSpc>
@@ -8093,126 +10245,12 @@
               </a:spcBef>
             </a:pPr>
             <a:r>
-              <a:rPr sz="6900" spc="270" dirty="0"/>
-              <a:t>Advantages</a:t>
-            </a:r>
-            <a:endParaRPr sz="6900"/>
-          </a:p>
-        </p:txBody>
-      </p:sp>
-      <p:sp>
-        <p:nvSpPr>
-          <p:cNvPr id="3" name="object 3"/>
-          <p:cNvSpPr/>
-          <p:nvPr/>
-        </p:nvSpPr>
-        <p:spPr>
-          <a:xfrm>
-            <a:off x="1404681" y="4475189"/>
-            <a:ext cx="144758" cy="144758"/>
-          </a:xfrm>
-          <a:prstGeom prst="rect">
-            <a:avLst/>
-          </a:prstGeom>
-          <a:blipFill>
-            <a:blip r:embed="rId2" cstate="print"/>
-            <a:stretch>
-              <a:fillRect/>
-            </a:stretch>
-          </a:blipFill>
-        </p:spPr>
-        <p:txBody>
-          <a:bodyPr wrap="square" lIns="0" tIns="0" rIns="0" bIns="0" rtlCol="0"/>
-          <a:lstStyle/>
-          <a:p>
-            <a:endParaRPr/>
-          </a:p>
-        </p:txBody>
-      </p:sp>
-      <p:sp>
-        <p:nvSpPr>
-          <p:cNvPr id="4" name="object 4"/>
-          <p:cNvSpPr/>
-          <p:nvPr/>
-        </p:nvSpPr>
-        <p:spPr>
-          <a:xfrm>
-            <a:off x="1404681" y="5087630"/>
-            <a:ext cx="144758" cy="144758"/>
-          </a:xfrm>
-          <a:prstGeom prst="rect">
-            <a:avLst/>
-          </a:prstGeom>
-          <a:blipFill>
-            <a:blip r:embed="rId3" cstate="print"/>
-            <a:stretch>
-              <a:fillRect/>
-            </a:stretch>
-          </a:blipFill>
-        </p:spPr>
-        <p:txBody>
-          <a:bodyPr wrap="square" lIns="0" tIns="0" rIns="0" bIns="0" rtlCol="0"/>
-          <a:lstStyle/>
-          <a:p>
-            <a:endParaRPr/>
-          </a:p>
-        </p:txBody>
-      </p:sp>
-      <p:sp>
-        <p:nvSpPr>
-          <p:cNvPr id="5" name="object 5"/>
-          <p:cNvSpPr/>
-          <p:nvPr/>
-        </p:nvSpPr>
-        <p:spPr>
-          <a:xfrm>
-            <a:off x="1404681" y="5700071"/>
-            <a:ext cx="144758" cy="144758"/>
-          </a:xfrm>
-          <a:prstGeom prst="rect">
-            <a:avLst/>
-          </a:prstGeom>
-          <a:blipFill>
-            <a:blip r:embed="rId2" cstate="print"/>
-            <a:stretch>
-              <a:fillRect/>
-            </a:stretch>
-          </a:blipFill>
-        </p:spPr>
-        <p:txBody>
-          <a:bodyPr wrap="square" lIns="0" tIns="0" rIns="0" bIns="0" rtlCol="0"/>
-          <a:lstStyle/>
-          <a:p>
-            <a:endParaRPr/>
-          </a:p>
-        </p:txBody>
-      </p:sp>
-      <p:sp>
-        <p:nvSpPr>
-          <p:cNvPr id="6" name="object 6"/>
-          <p:cNvSpPr/>
-          <p:nvPr/>
-        </p:nvSpPr>
-        <p:spPr>
-          <a:xfrm>
-            <a:off x="1404681" y="6312511"/>
-            <a:ext cx="144758" cy="144758"/>
-          </a:xfrm>
-          <a:prstGeom prst="rect">
-            <a:avLst/>
-          </a:prstGeom>
-          <a:blipFill>
-            <a:blip r:embed="rId3" cstate="print"/>
-            <a:stretch>
-              <a:fillRect/>
-            </a:stretch>
-          </a:blipFill>
-        </p:spPr>
-        <p:txBody>
-          <a:bodyPr wrap="square" lIns="0" tIns="0" rIns="0" bIns="0" rtlCol="0"/>
-          <a:lstStyle/>
-          <a:p>
-            <a:endParaRPr/>
+              <a:rPr lang="en-GB" sz="6900" b="1" spc="270"/>
+              <a:t>Adv.</a:t>
+            </a:r>
+            <a:endParaRPr lang="en-GB" sz="6900" b="1" spc="270">
+              <a:ea typeface="Verdana"/>
+            </a:endParaRPr>
           </a:p>
         </p:txBody>
       </p:sp>
@@ -8224,39 +10262,41 @@
         </p:nvSpPr>
         <p:spPr>
           <a:xfrm>
-            <a:off x="1753356" y="4140099"/>
-            <a:ext cx="5565775" cy="3088005"/>
+            <a:off x="1255125" y="4140099"/>
+            <a:ext cx="7895736" cy="3141629"/>
           </a:xfrm>
           <a:prstGeom prst="rect">
             <a:avLst/>
           </a:prstGeom>
         </p:spPr>
         <p:txBody>
-          <a:bodyPr vert="horz" wrap="square" lIns="0" tIns="11430" rIns="0" bIns="0" rtlCol="0">
+          <a:bodyPr vert="horz" wrap="square" lIns="0" tIns="11430" rIns="0" bIns="0" rtlCol="0" anchor="t">
             <a:spAutoFit/>
           </a:bodyPr>
           <a:lstStyle/>
           <a:p>
-            <a:pPr marL="12700" marR="5080" algn="just">
+            <a:pPr marL="469900" marR="5080" indent="-457200">
               <a:lnSpc>
                 <a:spcPct val="131800"/>
               </a:lnSpc>
               <a:spcBef>
                 <a:spcPts val="90"/>
               </a:spcBef>
+              <a:buFont typeface="Arial"/>
+              <a:buChar char="•"/>
             </a:pPr>
             <a:r>
-              <a:rPr sz="3050" spc="180" dirty="0">
-                <a:solidFill>
-                  <a:srgbClr val="D9DEDA"/>
-                </a:solidFill>
-                <a:latin typeface="Lucida Sans Unicode"/>
-                <a:cs typeface="Lucida Sans Unicode"/>
-              </a:rPr>
-              <a:t>Improves </a:t>
-            </a:r>
-            <a:r>
-              <a:rPr sz="3050" spc="210" dirty="0">
+              <a:rPr lang="en-GB" sz="3050" spc="180">
+                <a:solidFill>
+                  <a:srgbClr val="D9DEDA"/>
+                </a:solidFill>
+                <a:latin typeface="Lucida Sans Unicode"/>
+                <a:cs typeface="Lucida Sans Unicode"/>
+              </a:rPr>
+              <a:t>Improves </a:t>
+            </a:r>
+            <a:r>
+              <a:rPr lang="en-GB" sz="3050" spc="210">
                 <a:solidFill>
                   <a:srgbClr val="D9DEDA"/>
                 </a:solidFill>
@@ -8266,101 +10306,151 @@
               <a:t>customer</a:t>
             </a:r>
             <a:r>
-              <a:rPr sz="3050" spc="-245" dirty="0">
-                <a:solidFill>
-                  <a:srgbClr val="D9DEDA"/>
-                </a:solidFill>
-                <a:latin typeface="Lucida Sans Unicode"/>
-                <a:cs typeface="Lucida Sans Unicode"/>
-              </a:rPr>
-              <a:t> </a:t>
-            </a:r>
-            <a:r>
-              <a:rPr sz="3050" spc="120" dirty="0">
-                <a:solidFill>
-                  <a:srgbClr val="D9DEDA"/>
-                </a:solidFill>
-                <a:latin typeface="Lucida Sans Unicode"/>
-                <a:cs typeface="Lucida Sans Unicode"/>
-              </a:rPr>
-              <a:t>service  </a:t>
-            </a:r>
-            <a:r>
-              <a:rPr sz="3050" spc="254" dirty="0">
-                <a:solidFill>
-                  <a:srgbClr val="D9DEDA"/>
-                </a:solidFill>
-                <a:latin typeface="Lucida Sans Unicode"/>
-                <a:cs typeface="Lucida Sans Unicode"/>
-              </a:rPr>
-              <a:t>Reduces </a:t>
-            </a:r>
-            <a:r>
-              <a:rPr sz="3050" spc="170" dirty="0">
-                <a:solidFill>
-                  <a:srgbClr val="D9DEDA"/>
-                </a:solidFill>
-                <a:latin typeface="Lucida Sans Unicode"/>
-                <a:cs typeface="Lucida Sans Unicode"/>
-              </a:rPr>
-              <a:t>operational </a:t>
-            </a:r>
-            <a:r>
-              <a:rPr sz="3050" spc="105" dirty="0">
-                <a:solidFill>
-                  <a:srgbClr val="D9DEDA"/>
-                </a:solidFill>
-                <a:latin typeface="Lucida Sans Unicode"/>
-                <a:cs typeface="Lucida Sans Unicode"/>
-              </a:rPr>
-              <a:t>costs  </a:t>
-            </a:r>
-            <a:r>
-              <a:rPr sz="3050" spc="180" dirty="0">
-                <a:solidFill>
-                  <a:srgbClr val="D9DEDA"/>
-                </a:solidFill>
-                <a:latin typeface="Lucida Sans Unicode"/>
-                <a:cs typeface="Lucida Sans Unicode"/>
-              </a:rPr>
-              <a:t>Improves</a:t>
-            </a:r>
-            <a:r>
-              <a:rPr sz="3050" spc="-10" dirty="0">
-                <a:solidFill>
-                  <a:srgbClr val="D9DEDA"/>
-                </a:solidFill>
-                <a:latin typeface="Lucida Sans Unicode"/>
-                <a:cs typeface="Lucida Sans Unicode"/>
-              </a:rPr>
-              <a:t> </a:t>
-            </a:r>
-            <a:r>
-              <a:rPr sz="3050" spc="140" dirty="0">
-                <a:solidFill>
-                  <a:srgbClr val="D9DEDA"/>
-                </a:solidFill>
-                <a:latin typeface="Lucida Sans Unicode"/>
-                <a:cs typeface="Lucida Sans Unicode"/>
-              </a:rPr>
-              <a:t>efficiency</a:t>
-            </a:r>
-            <a:endParaRPr sz="3050">
+              <a:rPr lang="en-GB" sz="3050" spc="-245">
+                <a:solidFill>
+                  <a:srgbClr val="D9DEDA"/>
+                </a:solidFill>
+                <a:latin typeface="Lucida Sans Unicode"/>
+                <a:cs typeface="Lucida Sans Unicode"/>
+              </a:rPr>
+              <a:t> </a:t>
+            </a:r>
+            <a:r>
+              <a:rPr lang="en-GB" sz="3050" spc="120">
+                <a:solidFill>
+                  <a:srgbClr val="D9DEDA"/>
+                </a:solidFill>
+                <a:latin typeface="Lucida Sans Unicode"/>
+                <a:cs typeface="Lucida Sans Unicode"/>
+              </a:rPr>
+              <a:t>service</a:t>
+            </a:r>
+            <a:endParaRPr lang="en-US" sz="3050">
+              <a:solidFill>
+                <a:srgbClr val="000000"/>
+              </a:solidFill>
               <a:latin typeface="Lucida Sans Unicode"/>
               <a:cs typeface="Lucida Sans Unicode"/>
             </a:endParaRPr>
           </a:p>
           <a:p>
-            <a:pPr marL="12700" marR="328295" algn="just">
+            <a:pPr marL="469900" marR="5080" indent="-457200">
+              <a:lnSpc>
+                <a:spcPct val="131800"/>
+              </a:lnSpc>
+              <a:spcBef>
+                <a:spcPts val="90"/>
+              </a:spcBef>
+              <a:buFont typeface="Arial"/>
+              <a:buChar char="•"/>
+            </a:pPr>
+            <a:r>
+              <a:rPr lang="en-GB" sz="3050" spc="254">
+                <a:solidFill>
+                  <a:srgbClr val="D9DEDA"/>
+                </a:solidFill>
+                <a:latin typeface="Lucida Sans Unicode"/>
+                <a:cs typeface="Lucida Sans Unicode"/>
+              </a:rPr>
+              <a:t>Reduces</a:t>
+            </a:r>
+            <a:r>
+              <a:rPr sz="3050" spc="254">
+                <a:solidFill>
+                  <a:srgbClr val="D9DEDA"/>
+                </a:solidFill>
+                <a:latin typeface="Lucida Sans Unicode"/>
+                <a:cs typeface="Lucida Sans Unicode"/>
+              </a:rPr>
+              <a:t> </a:t>
+            </a:r>
+            <a:r>
+              <a:rPr sz="3050" spc="170">
+                <a:solidFill>
+                  <a:srgbClr val="D9DEDA"/>
+                </a:solidFill>
+                <a:latin typeface="Lucida Sans Unicode"/>
+                <a:cs typeface="Lucida Sans Unicode"/>
+              </a:rPr>
+              <a:t>operational </a:t>
+            </a:r>
+            <a:r>
+              <a:rPr sz="3050" spc="105">
+                <a:solidFill>
+                  <a:srgbClr val="D9DEDA"/>
+                </a:solidFill>
+                <a:latin typeface="Lucida Sans Unicode"/>
+                <a:cs typeface="Lucida Sans Unicode"/>
+              </a:rPr>
+              <a:t>costs</a:t>
+            </a:r>
+            <a:endParaRPr lang="en-US" sz="3050">
+              <a:solidFill>
+                <a:srgbClr val="000000"/>
+              </a:solidFill>
+              <a:latin typeface="Lucida Sans Unicode"/>
+              <a:cs typeface="Lucida Sans Unicode"/>
+            </a:endParaRPr>
+          </a:p>
+          <a:p>
+            <a:pPr marL="469900" marR="5080" indent="-457200">
+              <a:lnSpc>
+                <a:spcPct val="131800"/>
+              </a:lnSpc>
+              <a:spcBef>
+                <a:spcPts val="90"/>
+              </a:spcBef>
+              <a:buFont typeface="Arial"/>
+              <a:buChar char="•"/>
+            </a:pPr>
+            <a:r>
+              <a:rPr sz="3050" spc="180">
+                <a:solidFill>
+                  <a:srgbClr val="D9DEDA"/>
+                </a:solidFill>
+                <a:latin typeface="Lucida Sans Unicode"/>
+                <a:cs typeface="Lucida Sans Unicode"/>
+              </a:rPr>
+              <a:t>Improves</a:t>
+            </a:r>
+            <a:r>
+              <a:rPr sz="3050" spc="-10">
+                <a:solidFill>
+                  <a:srgbClr val="D9DEDA"/>
+                </a:solidFill>
+                <a:latin typeface="Lucida Sans Unicode"/>
+                <a:cs typeface="Lucida Sans Unicode"/>
+              </a:rPr>
+              <a:t> </a:t>
+            </a:r>
+            <a:r>
+              <a:rPr sz="3050" spc="140">
+                <a:solidFill>
+                  <a:srgbClr val="D9DEDA"/>
+                </a:solidFill>
+                <a:latin typeface="Lucida Sans Unicode"/>
+                <a:cs typeface="Lucida Sans Unicode"/>
+              </a:rPr>
+              <a:t>efficiency</a:t>
+            </a:r>
+            <a:endParaRPr lang="en-US" sz="3050">
+              <a:latin typeface="Lucida Sans Unicode"/>
+              <a:cs typeface="Lucida Sans Unicode"/>
+            </a:endParaRPr>
+          </a:p>
+          <a:p>
+            <a:pPr marL="469900" marR="328295" indent="-457200">
               <a:lnSpc>
                 <a:spcPts val="4820"/>
               </a:lnSpc>
               <a:spcBef>
                 <a:spcPts val="355"/>
               </a:spcBef>
+              <a:buFont typeface="Arial"/>
+              <a:buChar char="•"/>
             </a:pPr>
             <a:r>
-              <a:rPr sz="3050" spc="120" dirty="0">
+              <a:rPr sz="3050" spc="120">
                 <a:solidFill>
                   <a:srgbClr val="D9DEDA"/>
                 </a:solidFill>
@@ -8370,7 +10460,7 @@
               <a:t>It </a:t>
             </a:r>
             <a:r>
-              <a:rPr sz="3050" spc="-25" dirty="0">
+              <a:rPr sz="3050" spc="-25">
                 <a:solidFill>
                   <a:srgbClr val="D9DEDA"/>
                 </a:solidFill>
@@ -8380,7 +10470,7 @@
               <a:t>is </a:t>
             </a:r>
             <a:r>
-              <a:rPr sz="3050" spc="170" dirty="0">
+              <a:rPr sz="3050" spc="170">
                 <a:solidFill>
                   <a:srgbClr val="D9DEDA"/>
                 </a:solidFill>
@@ -8390,7 +10480,7 @@
               <a:t>proactive </a:t>
             </a:r>
             <a:r>
-              <a:rPr sz="3050" spc="150" dirty="0">
+              <a:rPr sz="3050" spc="150">
                 <a:solidFill>
                   <a:srgbClr val="D9DEDA"/>
                 </a:solidFill>
@@ -8400,17 +10490,17 @@
               <a:t>rather</a:t>
             </a:r>
             <a:r>
-              <a:rPr sz="3050" spc="-330" dirty="0">
-                <a:solidFill>
-                  <a:srgbClr val="D9DEDA"/>
-                </a:solidFill>
-                <a:latin typeface="Lucida Sans Unicode"/>
-                <a:cs typeface="Lucida Sans Unicode"/>
-              </a:rPr>
-              <a:t> </a:t>
-            </a:r>
-            <a:r>
-              <a:rPr sz="3050" spc="235" dirty="0">
+              <a:rPr sz="3050" spc="-330">
+                <a:solidFill>
+                  <a:srgbClr val="D9DEDA"/>
+                </a:solidFill>
+                <a:latin typeface="Lucida Sans Unicode"/>
+                <a:cs typeface="Lucida Sans Unicode"/>
+              </a:rPr>
+              <a:t> </a:t>
+            </a:r>
+            <a:r>
+              <a:rPr sz="3050" spc="235">
                 <a:solidFill>
                   <a:srgbClr val="D9DEDA"/>
                 </a:solidFill>
@@ -8420,7 +10510,7 @@
               <a:t>than  </a:t>
             </a:r>
             <a:r>
-              <a:rPr sz="3050" spc="160" dirty="0">
+              <a:rPr sz="3050" spc="160">
                 <a:solidFill>
                   <a:srgbClr val="D9DEDA"/>
                 </a:solidFill>
@@ -8538,476 +10628,431 @@
       </p:sp>
       <p:sp>
         <p:nvSpPr>
-          <p:cNvPr id="10" name="object 10"/>
+          <p:cNvPr id="15" name="object 15"/>
           <p:cNvSpPr txBox="1"/>
           <p:nvPr/>
         </p:nvSpPr>
         <p:spPr>
           <a:xfrm>
-            <a:off x="10126381" y="1560607"/>
-            <a:ext cx="6804659" cy="1077595"/>
+            <a:off x="10334721" y="4140099"/>
+            <a:ext cx="7952298" cy="3145928"/>
           </a:xfrm>
           <a:prstGeom prst="rect">
             <a:avLst/>
           </a:prstGeom>
         </p:spPr>
         <p:txBody>
-          <a:bodyPr vert="horz" wrap="square" lIns="0" tIns="12700" rIns="0" bIns="0" rtlCol="0">
+          <a:bodyPr vert="horz" wrap="square" lIns="0" tIns="11430" rIns="0" bIns="0" rtlCol="0" anchor="t">
             <a:spAutoFit/>
           </a:bodyPr>
           <a:lstStyle/>
           <a:p>
-            <a:pPr marL="12700">
+            <a:pPr marL="469900" marR="255270" indent="-457200">
+              <a:lnSpc>
+                <a:spcPct val="131800"/>
+              </a:lnSpc>
+              <a:spcBef>
+                <a:spcPts val="90"/>
+              </a:spcBef>
+              <a:buFont typeface="Arial"/>
+              <a:buChar char="•"/>
+            </a:pPr>
+            <a:r>
+              <a:rPr sz="3050" spc="100">
+                <a:solidFill>
+                  <a:srgbClr val="D9DEDA"/>
+                </a:solidFill>
+                <a:latin typeface="Lucida Sans Unicode"/>
+                <a:cs typeface="Lucida Sans Unicode"/>
+              </a:rPr>
+              <a:t>Costly </a:t>
+            </a:r>
+            <a:r>
+              <a:rPr sz="3050" spc="35">
+                <a:solidFill>
+                  <a:srgbClr val="D9DEDA"/>
+                </a:solidFill>
+                <a:latin typeface="Lucida Sans Unicode"/>
+                <a:cs typeface="Lucida Sans Unicode"/>
+              </a:rPr>
+              <a:t>for </a:t>
+            </a:r>
+            <a:r>
+              <a:rPr sz="3050" spc="175">
+                <a:solidFill>
+                  <a:srgbClr val="D9DEDA"/>
+                </a:solidFill>
+                <a:latin typeface="Lucida Sans Unicode"/>
+                <a:cs typeface="Lucida Sans Unicode"/>
+              </a:rPr>
+              <a:t>small </a:t>
+            </a:r>
+            <a:r>
+              <a:rPr sz="3050" spc="114">
+                <a:solidFill>
+                  <a:srgbClr val="D9DEDA"/>
+                </a:solidFill>
+                <a:latin typeface="Lucida Sans Unicode"/>
+                <a:cs typeface="Lucida Sans Unicode"/>
+              </a:rPr>
+              <a:t>businesses</a:t>
+            </a:r>
+            <a:r>
+              <a:rPr lang="en-GB" sz="3050" spc="114">
+                <a:solidFill>
+                  <a:srgbClr val="D9DEDA"/>
+                </a:solidFill>
+                <a:latin typeface="Lucida Sans Unicode"/>
+                <a:cs typeface="Lucida Sans Unicode"/>
+              </a:rPr>
+              <a:t> </a:t>
+            </a:r>
+            <a:endParaRPr lang="en-US" sz="3050">
+              <a:solidFill>
+                <a:srgbClr val="000000"/>
+              </a:solidFill>
+              <a:latin typeface="Lucida Sans Unicode"/>
+              <a:cs typeface="Lucida Sans Unicode"/>
+            </a:endParaRPr>
+          </a:p>
+          <a:p>
+            <a:pPr marL="469900" marR="255270" indent="-457200">
+              <a:lnSpc>
+                <a:spcPct val="131800"/>
+              </a:lnSpc>
+              <a:spcBef>
+                <a:spcPts val="90"/>
+              </a:spcBef>
+              <a:buFont typeface="Arial"/>
+              <a:buChar char="•"/>
+            </a:pPr>
+            <a:r>
+              <a:rPr sz="3050" spc="195">
+                <a:solidFill>
+                  <a:srgbClr val="D9DEDA"/>
+                </a:solidFill>
+                <a:latin typeface="Lucida Sans Unicode"/>
+                <a:cs typeface="Lucida Sans Unicode"/>
+              </a:rPr>
+              <a:t>Customer </a:t>
+            </a:r>
+            <a:r>
+              <a:rPr sz="3050" spc="125">
+                <a:solidFill>
+                  <a:srgbClr val="D9DEDA"/>
+                </a:solidFill>
+                <a:latin typeface="Lucida Sans Unicode"/>
+                <a:cs typeface="Lucida Sans Unicode"/>
+              </a:rPr>
+              <a:t>focus </a:t>
+            </a:r>
+            <a:r>
+              <a:rPr sz="3050" spc="290">
+                <a:solidFill>
+                  <a:srgbClr val="D9DEDA"/>
+                </a:solidFill>
+                <a:latin typeface="Lucida Sans Unicode"/>
+                <a:cs typeface="Lucida Sans Unicode"/>
+              </a:rPr>
+              <a:t>maybe</a:t>
+            </a:r>
+            <a:r>
+              <a:rPr sz="3050" spc="-375">
+                <a:solidFill>
+                  <a:srgbClr val="D9DEDA"/>
+                </a:solidFill>
+                <a:latin typeface="Lucida Sans Unicode"/>
+                <a:cs typeface="Lucida Sans Unicode"/>
+              </a:rPr>
+              <a:t> </a:t>
+            </a:r>
+            <a:r>
+              <a:rPr sz="3050" spc="204">
+                <a:solidFill>
+                  <a:srgbClr val="D9DEDA"/>
+                </a:solidFill>
+                <a:latin typeface="Lucida Sans Unicode"/>
+                <a:cs typeface="Lucida Sans Unicode"/>
+              </a:rPr>
+              <a:t>taken</a:t>
+            </a:r>
+            <a:r>
+              <a:rPr lang="en-GB" sz="3050" spc="204">
+                <a:solidFill>
+                  <a:srgbClr val="D9DEDA"/>
+                </a:solidFill>
+                <a:latin typeface="Lucida Sans Unicode"/>
+                <a:cs typeface="Lucida Sans Unicode"/>
+              </a:rPr>
+              <a:t> </a:t>
+            </a:r>
+            <a:r>
+              <a:rPr sz="3050" spc="204">
+                <a:solidFill>
+                  <a:srgbClr val="D9DEDA"/>
+                </a:solidFill>
+                <a:latin typeface="Lucida Sans Unicode"/>
+                <a:cs typeface="Lucida Sans Unicode"/>
+              </a:rPr>
+              <a:t> </a:t>
+            </a:r>
+            <a:r>
+              <a:rPr sz="3050" spc="155">
+                <a:solidFill>
+                  <a:srgbClr val="D9DEDA"/>
+                </a:solidFill>
+                <a:latin typeface="Lucida Sans Unicode"/>
+                <a:cs typeface="Lucida Sans Unicode"/>
+              </a:rPr>
+              <a:t>to</a:t>
+            </a:r>
+            <a:r>
+              <a:rPr sz="3050" spc="-10">
+                <a:solidFill>
+                  <a:srgbClr val="D9DEDA"/>
+                </a:solidFill>
+                <a:latin typeface="Lucida Sans Unicode"/>
+                <a:cs typeface="Lucida Sans Unicode"/>
+              </a:rPr>
+              <a:t> </a:t>
+            </a:r>
+            <a:r>
+              <a:rPr sz="3050" spc="165">
+                <a:solidFill>
+                  <a:srgbClr val="D9DEDA"/>
+                </a:solidFill>
+                <a:latin typeface="Lucida Sans Unicode"/>
+                <a:cs typeface="Lucida Sans Unicode"/>
+              </a:rPr>
+              <a:t>extremes</a:t>
+            </a:r>
+            <a:endParaRPr lang="en-US" sz="3050">
+              <a:latin typeface="Lucida Sans Unicode"/>
+              <a:cs typeface="Lucida Sans Unicode"/>
+            </a:endParaRPr>
+          </a:p>
+          <a:p>
+            <a:pPr marL="469900" indent="-457200">
               <a:lnSpc>
                 <a:spcPct val="100000"/>
               </a:lnSpc>
               <a:spcBef>
-                <a:spcPts val="100"/>
+                <a:spcPts val="1160"/>
               </a:spcBef>
+              <a:buFont typeface="Arial"/>
+              <a:buChar char="•"/>
             </a:pPr>
             <a:r>
-              <a:rPr sz="6900" spc="200" dirty="0">
-                <a:solidFill>
-                  <a:srgbClr val="D9DEDA"/>
-                </a:solidFill>
-                <a:latin typeface="Verdana"/>
-                <a:cs typeface="Verdana"/>
-              </a:rPr>
-              <a:t>Disadvantages</a:t>
-            </a:r>
-            <a:endParaRPr sz="6900">
-              <a:latin typeface="Verdana"/>
-              <a:cs typeface="Verdana"/>
+              <a:rPr sz="3050" spc="120">
+                <a:solidFill>
+                  <a:srgbClr val="D9DEDA"/>
+                </a:solidFill>
+                <a:latin typeface="Lucida Sans Unicode"/>
+                <a:cs typeface="Lucida Sans Unicode"/>
+              </a:rPr>
+              <a:t>It </a:t>
+            </a:r>
+            <a:r>
+              <a:rPr sz="3050" spc="260">
+                <a:solidFill>
+                  <a:srgbClr val="D9DEDA"/>
+                </a:solidFill>
+                <a:latin typeface="Lucida Sans Unicode"/>
+                <a:cs typeface="Lucida Sans Unicode"/>
+              </a:rPr>
+              <a:t>can </a:t>
+            </a:r>
+            <a:r>
+              <a:rPr sz="3050" spc="65">
+                <a:solidFill>
+                  <a:srgbClr val="D9DEDA"/>
+                </a:solidFill>
+                <a:latin typeface="Lucida Sans Unicode"/>
+                <a:cs typeface="Lucida Sans Unicode"/>
+              </a:rPr>
+              <a:t>stifle</a:t>
+            </a:r>
+            <a:r>
+              <a:rPr sz="3050" spc="-409">
+                <a:solidFill>
+                  <a:srgbClr val="D9DEDA"/>
+                </a:solidFill>
+                <a:latin typeface="Lucida Sans Unicode"/>
+                <a:cs typeface="Lucida Sans Unicode"/>
+              </a:rPr>
+              <a:t> </a:t>
+            </a:r>
+            <a:r>
+              <a:rPr sz="3050" spc="130">
+                <a:solidFill>
+                  <a:srgbClr val="D9DEDA"/>
+                </a:solidFill>
+                <a:latin typeface="Lucida Sans Unicode"/>
+                <a:cs typeface="Lucida Sans Unicode"/>
+              </a:rPr>
+              <a:t>creativity</a:t>
+            </a:r>
+            <a:endParaRPr sz="3050">
+              <a:latin typeface="Lucida Sans Unicode"/>
+              <a:cs typeface="Lucida Sans Unicode"/>
+            </a:endParaRPr>
+          </a:p>
+          <a:p>
+            <a:pPr marL="469900" indent="-457200">
+              <a:lnSpc>
+                <a:spcPct val="100000"/>
+              </a:lnSpc>
+              <a:spcBef>
+                <a:spcPts val="1165"/>
+              </a:spcBef>
+              <a:buFont typeface="Arial"/>
+              <a:buChar char="•"/>
+            </a:pPr>
+            <a:r>
+              <a:rPr sz="3050" spc="75">
+                <a:solidFill>
+                  <a:srgbClr val="D9DEDA"/>
+                </a:solidFill>
+                <a:latin typeface="Lucida Sans Unicode"/>
+                <a:cs typeface="Lucida Sans Unicode"/>
+              </a:rPr>
+              <a:t>Issues </a:t>
+            </a:r>
+            <a:r>
+              <a:rPr sz="3050" spc="150">
+                <a:solidFill>
+                  <a:srgbClr val="D9DEDA"/>
+                </a:solidFill>
+                <a:latin typeface="Lucida Sans Unicode"/>
+                <a:cs typeface="Lucida Sans Unicode"/>
+              </a:rPr>
+              <a:t>are </a:t>
+            </a:r>
+            <a:r>
+              <a:rPr sz="3050" spc="195">
+                <a:solidFill>
+                  <a:srgbClr val="D9DEDA"/>
+                </a:solidFill>
+                <a:latin typeface="Lucida Sans Unicode"/>
+                <a:cs typeface="Lucida Sans Unicode"/>
+              </a:rPr>
+              <a:t>not </a:t>
+            </a:r>
+            <a:r>
+              <a:rPr sz="3050" spc="204">
+                <a:solidFill>
+                  <a:srgbClr val="D9DEDA"/>
+                </a:solidFill>
+                <a:latin typeface="Lucida Sans Unicode"/>
+                <a:cs typeface="Lucida Sans Unicode"/>
+              </a:rPr>
+              <a:t>tackled</a:t>
+            </a:r>
+            <a:r>
+              <a:rPr sz="3050" spc="-490">
+                <a:solidFill>
+                  <a:srgbClr val="D9DEDA"/>
+                </a:solidFill>
+                <a:latin typeface="Lucida Sans Unicode"/>
+                <a:cs typeface="Lucida Sans Unicode"/>
+              </a:rPr>
+              <a:t> </a:t>
+            </a:r>
+            <a:r>
+              <a:rPr sz="3050" spc="280">
+                <a:solidFill>
+                  <a:srgbClr val="D9DEDA"/>
+                </a:solidFill>
+                <a:latin typeface="Lucida Sans Unicode"/>
+                <a:cs typeface="Lucida Sans Unicode"/>
+              </a:rPr>
+              <a:t>head</a:t>
+            </a:r>
+            <a:r>
+              <a:rPr sz="2500" spc="280">
+                <a:solidFill>
+                  <a:srgbClr val="D9DEDA"/>
+                </a:solidFill>
+                <a:latin typeface="Gill Sans MT"/>
+                <a:cs typeface="Gill Sans MT"/>
+              </a:rPr>
+              <a:t>-</a:t>
+            </a:r>
+            <a:r>
+              <a:rPr sz="3050" spc="280">
+                <a:solidFill>
+                  <a:srgbClr val="D9DEDA"/>
+                </a:solidFill>
+                <a:latin typeface="Lucida Sans Unicode"/>
+                <a:cs typeface="Lucida Sans Unicode"/>
+              </a:rPr>
+              <a:t>on</a:t>
+            </a:r>
+            <a:endParaRPr sz="3050">
+              <a:latin typeface="Lucida Sans Unicode"/>
+              <a:cs typeface="Lucida Sans Unicode"/>
             </a:endParaRPr>
           </a:p>
         </p:txBody>
       </p:sp>
       <p:sp>
         <p:nvSpPr>
-          <p:cNvPr id="11" name="object 11"/>
-          <p:cNvSpPr/>
+          <p:cNvPr id="18" name="object 2">
+            <a:extLst>
+              <a:ext uri="{FF2B5EF4-FFF2-40B4-BE49-F238E27FC236}">
+                <a16:creationId xmlns="" xmlns:a16="http://schemas.microsoft.com/office/drawing/2014/main" id="{8E134A97-744C-4A13-A08C-64B56360ECC4}"/>
+              </a:ext>
+            </a:extLst>
+          </p:cNvPr>
+          <p:cNvSpPr txBox="1">
+            <a:spLocks/>
+          </p:cNvSpPr>
           <p:nvPr/>
         </p:nvSpPr>
         <p:spPr>
           <a:xfrm>
-            <a:off x="10484275" y="4475189"/>
-            <a:ext cx="144758" cy="144758"/>
+            <a:off x="10339121" y="1581122"/>
+            <a:ext cx="5517515" cy="1074653"/>
           </a:xfrm>
           <a:prstGeom prst="rect">
             <a:avLst/>
           </a:prstGeom>
-          <a:blipFill>
-            <a:blip r:embed="rId4" cstate="print"/>
-            <a:stretch>
-              <a:fillRect/>
-            </a:stretch>
-          </a:blipFill>
+          <a:ln>
+            <a:solidFill>
+              <a:schemeClr val="bg2">
+                <a:lumMod val="90000"/>
+              </a:schemeClr>
+            </a:solidFill>
+          </a:ln>
         </p:spPr>
         <p:txBody>
-          <a:bodyPr wrap="square" lIns="0" tIns="0" rIns="0" bIns="0" rtlCol="0"/>
-          <a:lstStyle/>
-          <a:p>
-            <a:endParaRPr/>
-          </a:p>
-        </p:txBody>
-      </p:sp>
-      <p:sp>
-        <p:nvSpPr>
-          <p:cNvPr id="12" name="object 12"/>
-          <p:cNvSpPr/>
-          <p:nvPr/>
-        </p:nvSpPr>
-        <p:spPr>
-          <a:xfrm>
-            <a:off x="10484275" y="5087630"/>
-            <a:ext cx="144758" cy="144758"/>
-          </a:xfrm>
-          <a:prstGeom prst="rect">
-            <a:avLst/>
-          </a:prstGeom>
-          <a:blipFill>
-            <a:blip r:embed="rId5" cstate="print"/>
-            <a:stretch>
-              <a:fillRect/>
-            </a:stretch>
-          </a:blipFill>
-        </p:spPr>
-        <p:txBody>
-          <a:bodyPr wrap="square" lIns="0" tIns="0" rIns="0" bIns="0" rtlCol="0"/>
-          <a:lstStyle/>
-          <a:p>
-            <a:endParaRPr/>
-          </a:p>
-        </p:txBody>
-      </p:sp>
-      <p:sp>
-        <p:nvSpPr>
-          <p:cNvPr id="13" name="object 13"/>
-          <p:cNvSpPr/>
-          <p:nvPr/>
-        </p:nvSpPr>
-        <p:spPr>
-          <a:xfrm>
-            <a:off x="10484275" y="6312511"/>
-            <a:ext cx="144758" cy="144758"/>
-          </a:xfrm>
-          <a:prstGeom prst="rect">
-            <a:avLst/>
-          </a:prstGeom>
-          <a:blipFill>
-            <a:blip r:embed="rId5" cstate="print"/>
-            <a:stretch>
-              <a:fillRect/>
-            </a:stretch>
-          </a:blipFill>
-        </p:spPr>
-        <p:txBody>
-          <a:bodyPr wrap="square" lIns="0" tIns="0" rIns="0" bIns="0" rtlCol="0"/>
-          <a:lstStyle/>
-          <a:p>
-            <a:endParaRPr/>
-          </a:p>
-        </p:txBody>
-      </p:sp>
-      <p:sp>
-        <p:nvSpPr>
-          <p:cNvPr id="14" name="object 14"/>
-          <p:cNvSpPr/>
-          <p:nvPr/>
-        </p:nvSpPr>
-        <p:spPr>
-          <a:xfrm>
-            <a:off x="10484275" y="6924952"/>
-            <a:ext cx="144758" cy="144758"/>
-          </a:xfrm>
-          <a:prstGeom prst="rect">
-            <a:avLst/>
-          </a:prstGeom>
-          <a:blipFill>
-            <a:blip r:embed="rId4" cstate="print"/>
-            <a:stretch>
-              <a:fillRect/>
-            </a:stretch>
-          </a:blipFill>
-        </p:spPr>
-        <p:txBody>
-          <a:bodyPr wrap="square" lIns="0" tIns="0" rIns="0" bIns="0" rtlCol="0"/>
-          <a:lstStyle/>
-          <a:p>
-            <a:endParaRPr/>
-          </a:p>
-        </p:txBody>
-      </p:sp>
-      <p:sp>
-        <p:nvSpPr>
-          <p:cNvPr id="15" name="object 15"/>
-          <p:cNvSpPr txBox="1"/>
-          <p:nvPr/>
-        </p:nvSpPr>
-        <p:spPr>
-          <a:xfrm>
-            <a:off x="10832950" y="4140099"/>
-            <a:ext cx="6369685" cy="3088005"/>
-          </a:xfrm>
-          <a:prstGeom prst="rect">
-            <a:avLst/>
-          </a:prstGeom>
-        </p:spPr>
-        <p:txBody>
-          <a:bodyPr vert="horz" wrap="square" lIns="0" tIns="11430" rIns="0" bIns="0" rtlCol="0">
+          <a:bodyPr vert="horz" wrap="square" lIns="0" tIns="12700" rIns="0" bIns="0" rtlCol="0" anchor="t">
             <a:spAutoFit/>
           </a:bodyPr>
-          <a:lstStyle/>
+          <a:lstStyle>
+            <a:lvl1pPr>
+              <a:defRPr sz="9900" b="0" i="0">
+                <a:solidFill>
+                  <a:srgbClr val="D9DEDA"/>
+                </a:solidFill>
+                <a:latin typeface="Verdana"/>
+                <a:ea typeface="+mj-ea"/>
+                <a:cs typeface="Verdana"/>
+              </a:defRPr>
+            </a:lvl1pPr>
+          </a:lstStyle>
           <a:p>
-            <a:pPr marL="12700" marR="255904">
-              <a:lnSpc>
-                <a:spcPct val="131800"/>
-              </a:lnSpc>
+            <a:pPr marL="12700" algn="ctr">
               <a:spcBef>
-                <a:spcPts val="90"/>
+                <a:spcPts val="100"/>
               </a:spcBef>
             </a:pPr>
             <a:r>
-              <a:rPr sz="3050" spc="100" dirty="0">
-                <a:solidFill>
-                  <a:srgbClr val="D9DEDA"/>
-                </a:solidFill>
-                <a:latin typeface="Lucida Sans Unicode"/>
-                <a:cs typeface="Lucida Sans Unicode"/>
-              </a:rPr>
-              <a:t>Costly </a:t>
-            </a:r>
-            <a:r>
-              <a:rPr sz="3050" spc="35" dirty="0">
-                <a:solidFill>
-                  <a:srgbClr val="D9DEDA"/>
-                </a:solidFill>
-                <a:latin typeface="Lucida Sans Unicode"/>
-                <a:cs typeface="Lucida Sans Unicode"/>
-              </a:rPr>
-              <a:t>for </a:t>
-            </a:r>
-            <a:r>
-              <a:rPr sz="3050" spc="175" dirty="0">
-                <a:solidFill>
-                  <a:srgbClr val="D9DEDA"/>
-                </a:solidFill>
-                <a:latin typeface="Lucida Sans Unicode"/>
-                <a:cs typeface="Lucida Sans Unicode"/>
-              </a:rPr>
-              <a:t>small </a:t>
-            </a:r>
-            <a:r>
-              <a:rPr sz="3050" spc="114" dirty="0">
-                <a:solidFill>
-                  <a:srgbClr val="D9DEDA"/>
-                </a:solidFill>
-                <a:latin typeface="Lucida Sans Unicode"/>
-                <a:cs typeface="Lucida Sans Unicode"/>
-              </a:rPr>
-              <a:t>businesses  </a:t>
-            </a:r>
-            <a:r>
-              <a:rPr sz="3050" spc="195" dirty="0">
-                <a:solidFill>
-                  <a:srgbClr val="D9DEDA"/>
-                </a:solidFill>
-                <a:latin typeface="Lucida Sans Unicode"/>
-                <a:cs typeface="Lucida Sans Unicode"/>
-              </a:rPr>
-              <a:t>Customer </a:t>
-            </a:r>
-            <a:r>
-              <a:rPr sz="3050" spc="125" dirty="0">
-                <a:solidFill>
-                  <a:srgbClr val="D9DEDA"/>
-                </a:solidFill>
-                <a:latin typeface="Lucida Sans Unicode"/>
-                <a:cs typeface="Lucida Sans Unicode"/>
-              </a:rPr>
-              <a:t>focus </a:t>
-            </a:r>
-            <a:r>
-              <a:rPr sz="3050" spc="290" dirty="0">
-                <a:solidFill>
-                  <a:srgbClr val="D9DEDA"/>
-                </a:solidFill>
-                <a:latin typeface="Lucida Sans Unicode"/>
-                <a:cs typeface="Lucida Sans Unicode"/>
-              </a:rPr>
-              <a:t>maybe</a:t>
-            </a:r>
-            <a:r>
-              <a:rPr sz="3050" spc="-375" dirty="0">
-                <a:solidFill>
-                  <a:srgbClr val="D9DEDA"/>
-                </a:solidFill>
-                <a:latin typeface="Lucida Sans Unicode"/>
-                <a:cs typeface="Lucida Sans Unicode"/>
-              </a:rPr>
-              <a:t> </a:t>
-            </a:r>
-            <a:r>
-              <a:rPr sz="3050" spc="204" dirty="0">
-                <a:solidFill>
-                  <a:srgbClr val="D9DEDA"/>
-                </a:solidFill>
-                <a:latin typeface="Lucida Sans Unicode"/>
-                <a:cs typeface="Lucida Sans Unicode"/>
-              </a:rPr>
-              <a:t>taken  </a:t>
-            </a:r>
-            <a:r>
-              <a:rPr sz="3050" spc="155" dirty="0">
-                <a:solidFill>
-                  <a:srgbClr val="D9DEDA"/>
-                </a:solidFill>
-                <a:latin typeface="Lucida Sans Unicode"/>
-                <a:cs typeface="Lucida Sans Unicode"/>
-              </a:rPr>
-              <a:t>to</a:t>
-            </a:r>
-            <a:r>
-              <a:rPr sz="3050" spc="-10" dirty="0">
-                <a:solidFill>
-                  <a:srgbClr val="D9DEDA"/>
-                </a:solidFill>
-                <a:latin typeface="Lucida Sans Unicode"/>
-                <a:cs typeface="Lucida Sans Unicode"/>
-              </a:rPr>
-              <a:t> </a:t>
-            </a:r>
-            <a:r>
-              <a:rPr sz="3050" spc="165" dirty="0">
-                <a:solidFill>
-                  <a:srgbClr val="D9DEDA"/>
-                </a:solidFill>
-                <a:latin typeface="Lucida Sans Unicode"/>
-                <a:cs typeface="Lucida Sans Unicode"/>
-              </a:rPr>
-              <a:t>extremes</a:t>
-            </a:r>
-            <a:endParaRPr sz="3050">
-              <a:latin typeface="Lucida Sans Unicode"/>
-              <a:cs typeface="Lucida Sans Unicode"/>
-            </a:endParaRPr>
-          </a:p>
-          <a:p>
-            <a:pPr marL="12700">
-              <a:lnSpc>
-                <a:spcPct val="100000"/>
-              </a:lnSpc>
-              <a:spcBef>
-                <a:spcPts val="1160"/>
-              </a:spcBef>
-            </a:pPr>
-            <a:r>
-              <a:rPr sz="3050" spc="120" dirty="0">
-                <a:solidFill>
-                  <a:srgbClr val="D9DEDA"/>
-                </a:solidFill>
-                <a:latin typeface="Lucida Sans Unicode"/>
-                <a:cs typeface="Lucida Sans Unicode"/>
-              </a:rPr>
-              <a:t>It </a:t>
-            </a:r>
-            <a:r>
-              <a:rPr sz="3050" spc="260" dirty="0">
-                <a:solidFill>
-                  <a:srgbClr val="D9DEDA"/>
-                </a:solidFill>
-                <a:latin typeface="Lucida Sans Unicode"/>
-                <a:cs typeface="Lucida Sans Unicode"/>
-              </a:rPr>
-              <a:t>can </a:t>
-            </a:r>
-            <a:r>
-              <a:rPr sz="3050" spc="65" dirty="0">
-                <a:solidFill>
-                  <a:srgbClr val="D9DEDA"/>
-                </a:solidFill>
-                <a:latin typeface="Lucida Sans Unicode"/>
-                <a:cs typeface="Lucida Sans Unicode"/>
-              </a:rPr>
-              <a:t>stifle</a:t>
-            </a:r>
-            <a:r>
-              <a:rPr sz="3050" spc="-409" dirty="0">
-                <a:solidFill>
-                  <a:srgbClr val="D9DEDA"/>
-                </a:solidFill>
-                <a:latin typeface="Lucida Sans Unicode"/>
-                <a:cs typeface="Lucida Sans Unicode"/>
-              </a:rPr>
-              <a:t> </a:t>
-            </a:r>
-            <a:r>
-              <a:rPr sz="3050" spc="130" dirty="0">
-                <a:solidFill>
-                  <a:srgbClr val="D9DEDA"/>
-                </a:solidFill>
-                <a:latin typeface="Lucida Sans Unicode"/>
-                <a:cs typeface="Lucida Sans Unicode"/>
-              </a:rPr>
-              <a:t>creativity</a:t>
-            </a:r>
-            <a:endParaRPr sz="3050">
-              <a:latin typeface="Lucida Sans Unicode"/>
-              <a:cs typeface="Lucida Sans Unicode"/>
-            </a:endParaRPr>
-          </a:p>
-          <a:p>
-            <a:pPr marL="12700">
-              <a:lnSpc>
-                <a:spcPct val="100000"/>
-              </a:lnSpc>
-              <a:spcBef>
-                <a:spcPts val="1165"/>
-              </a:spcBef>
-            </a:pPr>
-            <a:r>
-              <a:rPr sz="3050" spc="75" dirty="0">
-                <a:solidFill>
-                  <a:srgbClr val="D9DEDA"/>
-                </a:solidFill>
-                <a:latin typeface="Lucida Sans Unicode"/>
-                <a:cs typeface="Lucida Sans Unicode"/>
-              </a:rPr>
-              <a:t>Issues </a:t>
-            </a:r>
-            <a:r>
-              <a:rPr sz="3050" spc="150" dirty="0">
-                <a:solidFill>
-                  <a:srgbClr val="D9DEDA"/>
-                </a:solidFill>
-                <a:latin typeface="Lucida Sans Unicode"/>
-                <a:cs typeface="Lucida Sans Unicode"/>
-              </a:rPr>
-              <a:t>are </a:t>
-            </a:r>
-            <a:r>
-              <a:rPr sz="3050" spc="195" dirty="0">
-                <a:solidFill>
-                  <a:srgbClr val="D9DEDA"/>
-                </a:solidFill>
-                <a:latin typeface="Lucida Sans Unicode"/>
-                <a:cs typeface="Lucida Sans Unicode"/>
-              </a:rPr>
-              <a:t>not </a:t>
-            </a:r>
-            <a:r>
-              <a:rPr sz="3050" spc="204" dirty="0">
-                <a:solidFill>
-                  <a:srgbClr val="D9DEDA"/>
-                </a:solidFill>
-                <a:latin typeface="Lucida Sans Unicode"/>
-                <a:cs typeface="Lucida Sans Unicode"/>
-              </a:rPr>
-              <a:t>tackled</a:t>
-            </a:r>
-            <a:r>
-              <a:rPr sz="3050" spc="-490" dirty="0">
-                <a:solidFill>
-                  <a:srgbClr val="D9DEDA"/>
-                </a:solidFill>
-                <a:latin typeface="Lucida Sans Unicode"/>
-                <a:cs typeface="Lucida Sans Unicode"/>
-              </a:rPr>
-              <a:t> </a:t>
-            </a:r>
-            <a:r>
-              <a:rPr sz="3050" spc="280" dirty="0">
-                <a:solidFill>
-                  <a:srgbClr val="D9DEDA"/>
-                </a:solidFill>
-                <a:latin typeface="Lucida Sans Unicode"/>
-                <a:cs typeface="Lucida Sans Unicode"/>
-              </a:rPr>
-              <a:t>head</a:t>
-            </a:r>
-            <a:r>
-              <a:rPr sz="2500" spc="280" dirty="0">
-                <a:solidFill>
-                  <a:srgbClr val="D9DEDA"/>
-                </a:solidFill>
-                <a:latin typeface="Gill Sans MT"/>
-                <a:cs typeface="Gill Sans MT"/>
-              </a:rPr>
-              <a:t>-</a:t>
-            </a:r>
-            <a:r>
-              <a:rPr sz="3050" spc="280" dirty="0">
-                <a:solidFill>
-                  <a:srgbClr val="D9DEDA"/>
-                </a:solidFill>
-                <a:latin typeface="Lucida Sans Unicode"/>
-                <a:cs typeface="Lucida Sans Unicode"/>
-              </a:rPr>
-              <a:t>on</a:t>
-            </a:r>
-            <a:endParaRPr sz="3050">
-              <a:latin typeface="Lucida Sans Unicode"/>
-              <a:cs typeface="Lucida Sans Unicode"/>
+              <a:rPr lang="en-GB" sz="6900" b="1" kern="0" spc="270"/>
+              <a:t>Dis.</a:t>
+            </a:r>
+            <a:endParaRPr lang="en-GB" sz="6900" b="1" kern="0" spc="270">
+              <a:ea typeface="Verdana"/>
             </a:endParaRPr>
           </a:p>
         </p:txBody>
@@ -9017,12 +11062,148 @@
   <p:clrMapOvr>
     <a:masterClrMapping/>
   </p:clrMapOvr>
+  <p:transition spd="slow">
+    <p:push dir="u"/>
+  </p:transition>
   <p:timing>
     <p:tnLst>
       <p:par>
-        <p:cTn id="1" dur="indefinite" restart="never" nodeType="tmRoot"/>
+        <p:cTn id="1" dur="indefinite" restart="never" nodeType="tmRoot">
+          <p:childTnLst>
+            <p:seq concurrent="1" nextAc="seek">
+              <p:cTn id="2" dur="indefinite" nodeType="mainSeq">
+                <p:childTnLst>
+                  <p:par>
+                    <p:cTn id="3" fill="hold">
+                      <p:stCondLst>
+                        <p:cond delay="indefinite"/>
+                      </p:stCondLst>
+                      <p:childTnLst>
+                        <p:par>
+                          <p:cTn id="4" fill="hold">
+                            <p:stCondLst>
+                              <p:cond delay="0"/>
+                            </p:stCondLst>
+                            <p:childTnLst>
+                              <p:par>
+                                <p:cTn id="5" presetID="10" presetClass="entr" presetSubtype="0" fill="hold" grpId="0" nodeType="clickEffect">
+                                  <p:stCondLst>
+                                    <p:cond delay="0"/>
+                                  </p:stCondLst>
+                                  <p:childTnLst>
+                                    <p:set>
+                                      <p:cBhvr>
+                                        <p:cTn id="6" dur="1" fill="hold">
+                                          <p:stCondLst>
+                                            <p:cond delay="0"/>
+                                          </p:stCondLst>
+                                        </p:cTn>
+                                        <p:tgtEl>
+                                          <p:spTgt spid="7"/>
+                                        </p:tgtEl>
+                                        <p:attrNameLst>
+                                          <p:attrName>style.visibility</p:attrName>
+                                        </p:attrNameLst>
+                                      </p:cBhvr>
+                                      <p:to>
+                                        <p:strVal val="visible"/>
+                                      </p:to>
+                                    </p:set>
+                                    <p:animEffect transition="in" filter="fade">
+                                      <p:cBhvr>
+                                        <p:cTn id="7" dur="500"/>
+                                        <p:tgtEl>
+                                          <p:spTgt spid="7"/>
+                                        </p:tgtEl>
+                                      </p:cBhvr>
+                                    </p:animEffect>
+                                  </p:childTnLst>
+                                </p:cTn>
+                              </p:par>
+                            </p:childTnLst>
+                          </p:cTn>
+                        </p:par>
+                      </p:childTnLst>
+                    </p:cTn>
+                  </p:par>
+                  <p:par>
+                    <p:cTn id="8" fill="hold">
+                      <p:stCondLst>
+                        <p:cond delay="indefinite"/>
+                      </p:stCondLst>
+                      <p:childTnLst>
+                        <p:par>
+                          <p:cTn id="9" fill="hold">
+                            <p:stCondLst>
+                              <p:cond delay="0"/>
+                            </p:stCondLst>
+                            <p:childTnLst>
+                              <p:par>
+                                <p:cTn id="10" presetID="10" presetClass="entr" presetSubtype="0" fill="hold" grpId="0" nodeType="clickEffect">
+                                  <p:stCondLst>
+                                    <p:cond delay="0"/>
+                                  </p:stCondLst>
+                                  <p:childTnLst>
+                                    <p:set>
+                                      <p:cBhvr>
+                                        <p:cTn id="11" dur="1" fill="hold">
+                                          <p:stCondLst>
+                                            <p:cond delay="0"/>
+                                          </p:stCondLst>
+                                        </p:cTn>
+                                        <p:tgtEl>
+                                          <p:spTgt spid="15"/>
+                                        </p:tgtEl>
+                                        <p:attrNameLst>
+                                          <p:attrName>style.visibility</p:attrName>
+                                        </p:attrNameLst>
+                                      </p:cBhvr>
+                                      <p:to>
+                                        <p:strVal val="visible"/>
+                                      </p:to>
+                                    </p:set>
+                                    <p:animEffect transition="in" filter="fade">
+                                      <p:cBhvr>
+                                        <p:cTn id="12" dur="500"/>
+                                        <p:tgtEl>
+                                          <p:spTgt spid="15"/>
+                                        </p:tgtEl>
+                                      </p:cBhvr>
+                                    </p:animEffect>
+                                  </p:childTnLst>
+                                </p:cTn>
+                              </p:par>
+                            </p:childTnLst>
+                          </p:cTn>
+                        </p:par>
+                      </p:childTnLst>
+                    </p:cTn>
+                  </p:par>
+                </p:childTnLst>
+              </p:cTn>
+              <p:prevCondLst>
+                <p:cond evt="onPrev" delay="0">
+                  <p:tgtEl>
+                    <p:sldTgt/>
+                  </p:tgtEl>
+                </p:cond>
+              </p:prevCondLst>
+              <p:nextCondLst>
+                <p:cond evt="onNext" delay="0">
+                  <p:tgtEl>
+                    <p:sldTgt/>
+                  </p:tgtEl>
+                </p:cond>
+              </p:nextCondLst>
+            </p:seq>
+          </p:childTnLst>
+        </p:cTn>
       </p:par>
     </p:tnLst>
+    <p:bldLst>
+      <p:bldP spid="7" grpId="0"/>
+      <p:bldP spid="15" grpId="0"/>
+    </p:bldLst>
   </p:timing>
 </p:sld>
 </file>
@@ -9056,32 +11237,37 @@
         </p:nvSpPr>
         <p:spPr>
           <a:xfrm>
-            <a:off x="6705600" y="3924300"/>
-            <a:ext cx="5333861" cy="2293577"/>
+            <a:off x="-5861" y="3015762"/>
+            <a:ext cx="18287860" cy="2293577"/>
           </a:xfrm>
           <a:prstGeom prst="rect">
             <a:avLst/>
           </a:prstGeom>
         </p:spPr>
         <p:txBody>
-          <a:bodyPr vert="horz" wrap="square" lIns="0" tIns="15875" rIns="0" bIns="0" rtlCol="0">
+          <a:bodyPr vert="horz" wrap="square" lIns="0" tIns="15875" rIns="0" bIns="0" rtlCol="0" anchor="t">
             <a:spAutoFit/>
           </a:bodyPr>
           <a:lstStyle/>
           <a:p>
-            <a:pPr marL="12700">
-              <a:lnSpc>
-                <a:spcPct val="100000"/>
-              </a:lnSpc>
+            <a:pPr marL="12700" algn="ctr">
               <a:spcBef>
                 <a:spcPts val="125"/>
               </a:spcBef>
             </a:pPr>
             <a:r>
-              <a:rPr lang="en-IN" sz="14800" b="1" spc="775" dirty="0" smtClean="0"/>
-              <a:t>FIN.</a:t>
-            </a:r>
-            <a:endParaRPr sz="14800" b="1" spc="775" dirty="0"/>
+              <a:rPr lang="en-IN" sz="14800" b="1" spc="775">
+                <a:ea typeface="Verdana"/>
+              </a:rPr>
+              <a:t>THANK </a:t>
+            </a:r>
+            <a:r>
+              <a:rPr lang="en-IN" sz="14800" spc="775">
+                <a:ea typeface="Verdana"/>
+              </a:rPr>
+              <a:t>YOU</a:t>
+            </a:r>
+            <a:endParaRPr lang="en-US"/>
           </a:p>
         </p:txBody>
       </p:sp>
@@ -9143,23 +11329,20 @@
         </p:nvSpPr>
         <p:spPr>
           <a:xfrm>
-            <a:off x="3665042" y="8801100"/>
-            <a:ext cx="10958195" cy="505908"/>
+            <a:off x="1583" y="9064870"/>
+            <a:ext cx="18285115" cy="505908"/>
           </a:xfrm>
           <a:prstGeom prst="rect">
             <a:avLst/>
           </a:prstGeom>
         </p:spPr>
         <p:txBody>
-          <a:bodyPr vert="horz" wrap="square" lIns="0" tIns="13335" rIns="0" bIns="0" rtlCol="0">
+          <a:bodyPr vert="horz" wrap="square" lIns="0" tIns="13335" rIns="0" bIns="0" rtlCol="0" anchor="t">
             <a:spAutoFit/>
           </a:bodyPr>
           <a:lstStyle/>
           <a:p>
-            <a:pPr marL="12700">
-              <a:lnSpc>
-                <a:spcPct val="100000"/>
-              </a:lnSpc>
+            <a:pPr marL="12700" algn="ctr">
               <a:spcBef>
                 <a:spcPts val="105"/>
               </a:spcBef>
@@ -9173,7 +11356,7 @@
               </a:tabLst>
             </a:pPr>
             <a:r>
-              <a:rPr lang="en-IN" sz="3200" dirty="0">
+              <a:rPr lang="en-IN" sz="3200" b="1" dirty="0">
                 <a:solidFill>
                   <a:schemeClr val="bg1">
                     <a:lumMod val="85000"/>
@@ -9182,10 +11365,10 @@
                 <a:latin typeface="Arial"/>
                 <a:cs typeface="Arial"/>
               </a:rPr>
-              <a:t>DOWNLOAD THE PPT AT : </a:t>
-            </a:r>
-            <a:r>
-              <a:rPr lang="en-IN" sz="3200" dirty="0" smtClean="0">
+              <a:t>Access the presentation</a:t>
+            </a:r>
+            <a:r>
+              <a:rPr lang="en-IN" sz="3200" dirty="0">
                 <a:solidFill>
                   <a:schemeClr val="bg1">
                     <a:lumMod val="85000"/>
@@ -9194,39 +11377,29 @@
                 <a:latin typeface="Arial"/>
                 <a:cs typeface="Arial"/>
               </a:rPr>
-              <a:t> vidhiangrish.me/</a:t>
-            </a:r>
-            <a:r>
-              <a:rPr lang="en-IN" sz="3200" dirty="0" err="1" smtClean="0">
-                <a:solidFill>
-                  <a:schemeClr val="bg1">
-                    <a:lumMod val="85000"/>
+              <a:t>:  </a:t>
+            </a:r>
+            <a:r>
+              <a:rPr lang="en-IN" sz="3200" dirty="0">
+                <a:solidFill>
+                  <a:schemeClr val="accent5">
+                    <a:lumMod val="20000"/>
+                    <a:lumOff val="80000"/>
                   </a:schemeClr>
                 </a:solidFill>
-                <a:latin typeface="Arial"/>
-                <a:cs typeface="Arial"/>
-              </a:rPr>
-              <a:t>DownloadPPT</a:t>
-            </a:r>
-            <a:r>
-              <a:rPr lang="en-IN" sz="3200" dirty="0">
-                <a:solidFill>
-                  <a:schemeClr val="bg1">
-                    <a:lumMod val="85000"/>
-                  </a:schemeClr>
-                </a:solidFill>
-                <a:latin typeface="Arial"/>
-                <a:cs typeface="Arial"/>
-              </a:rPr>
-              <a:t>/</a:t>
-            </a:r>
-            <a:endParaRPr sz="3200" dirty="0">
+                <a:latin typeface="Abadi Extra Light"/>
+                <a:cs typeface="Arial"/>
+              </a:rPr>
+              <a:t>vidhiangrish.me/DownloadPPT/</a:t>
+            </a:r>
+            <a:endParaRPr lang="en-US" sz="3200" dirty="0">
               <a:solidFill>
-                <a:schemeClr val="bg1">
-                  <a:lumMod val="85000"/>
+                <a:schemeClr val="accent5">
+                  <a:lumMod val="20000"/>
+                  <a:lumOff val="80000"/>
                 </a:schemeClr>
               </a:solidFill>
-              <a:latin typeface="Arial"/>
+              <a:latin typeface="Abadi Extra Light"/>
               <a:cs typeface="Arial"/>
             </a:endParaRPr>
           </a:p>
@@ -9242,12 +11415,117 @@
   <p:clrMapOvr>
     <a:masterClrMapping/>
   </p:clrMapOvr>
+  <p:transition spd="slow">
+    <p:push dir="u"/>
+  </p:transition>
   <p:timing>
     <p:tnLst>
       <p:par>
-        <p:cTn id="1" dur="indefinite" restart="never" nodeType="tmRoot"/>
+        <p:cTn id="1" dur="indefinite" restart="never" nodeType="tmRoot">
+          <p:childTnLst>
+            <p:seq concurrent="1" nextAc="seek">
+              <p:cTn id="2" dur="indefinite" nodeType="mainSeq">
+                <p:childTnLst>
+                  <p:par>
+                    <p:cTn id="3" fill="hold">
+                      <p:stCondLst>
+                        <p:cond delay="indefinite"/>
+                      </p:stCondLst>
+                      <p:childTnLst>
+                        <p:par>
+                          <p:cTn id="4" fill="hold">
+                            <p:stCondLst>
+                              <p:cond delay="0"/>
+                            </p:stCondLst>
+                            <p:childTnLst>
+                              <p:par>
+                                <p:cTn id="5" presetID="12" presetClass="entr" presetSubtype="4" fill="hold" grpId="0" nodeType="clickEffect">
+                                  <p:stCondLst>
+                                    <p:cond delay="0"/>
+                                  </p:stCondLst>
+                                  <p:childTnLst>
+                                    <p:set>
+                                      <p:cBhvr>
+                                        <p:cTn id="6" dur="1" fill="hold">
+                                          <p:stCondLst>
+                                            <p:cond delay="0"/>
+                                          </p:stCondLst>
+                                        </p:cTn>
+                                        <p:tgtEl>
+                                          <p:spTgt spid="2"/>
+                                        </p:tgtEl>
+                                        <p:attrNameLst>
+                                          <p:attrName>style.visibility</p:attrName>
+                                        </p:attrNameLst>
+                                      </p:cBhvr>
+                                      <p:to>
+                                        <p:strVal val="visible"/>
+                                      </p:to>
+                                    </p:set>
+                                    <p:anim calcmode="lin" valueType="num">
+                                      <p:cBhvr additive="base">
+                                        <p:cTn id="7" dur="500"/>
+                                        <p:tgtEl>
+                                          <p:spTgt spid="2"/>
+                                        </p:tgtEl>
+                                        <p:attrNameLst>
+                                          <p:attrName>ppt_y</p:attrName>
+                                        </p:attrNameLst>
+                                      </p:cBhvr>
+                                      <p:tavLst>
+                                        <p:tav tm="0">
+                                          <p:val>
+                                            <p:strVal val="#ppt_y+#ppt_h*1.125000"/>
+                                          </p:val>
+                                        </p:tav>
+                                        <p:tav tm="100000">
+                                          <p:val>
+                                            <p:strVal val="#ppt_y"/>
+                                          </p:val>
+                                        </p:tav>
+                                      </p:tavLst>
+                                    </p:anim>
+                                    <p:animEffect transition="in" filter="wipe(up)">
+                                      <p:cBhvr>
+                                        <p:cTn id="8" dur="500"/>
+                                        <p:tgtEl>
+                                          <p:spTgt spid="2"/>
+                                        </p:tgtEl>
+                                      </p:cBhvr>
+                                    </p:animEffect>
+                                  </p:childTnLst>
+                                </p:cTn>
+                              </p:par>
+                            </p:childTnLst>
+                          </p:cTn>
+                        </p:par>
+                      </p:childTnLst>
+                    </p:cTn>
+                  </p:par>
+                </p:childTnLst>
+              </p:cTn>
+              <p:prevCondLst>
+                <p:cond evt="onPrev" delay="0">
+                  <p:tgtEl>
+                    <p:sldTgt/>
+                  </p:tgtEl>
+                </p:cond>
+              </p:prevCondLst>
+              <p:nextCondLst>
+                <p:cond evt="onNext" delay="0">
+                  <p:tgtEl>
+                    <p:sldTgt/>
+                  </p:tgtEl>
+                </p:cond>
+              </p:nextCondLst>
+            </p:seq>
+          </p:childTnLst>
+        </p:cTn>
       </p:par>
     </p:tnLst>
+    <p:bldLst>
+      <p:bldP spid="2" grpId="0"/>
+    </p:bldLst>
   </p:timing>
 </p:sld>
 </file>
